--- a/chicago crime rate.pptx
+++ b/chicago crime rate.pptx
@@ -1,33 +1,33 @@
 
 <file path=ppt/presentation.xml><?xml version="1.0" encoding="utf-8"?>
-<p:presentation xmlns:a="http://schemas.openxmlformats.org/drawingml/2006/main" xmlns:r="http://schemas.openxmlformats.org/officeDocument/2006/relationships" xmlns:p="http://schemas.openxmlformats.org/presentationml/2006/main">
+<p:presentation xmlns:a="http://schemas.openxmlformats.org/drawingml/2006/main" xmlns:r="http://schemas.openxmlformats.org/officeDocument/2006/relationships" xmlns:p="http://schemas.openxmlformats.org/presentationml/2006/main" xmlns:m="http://schemas.openxmlformats.org/officeDocument/2006/math" xmlns:a14="http://schemas.microsoft.com/office/drawing/2010/main">
   <p:sldMasterIdLst>
-    <p:sldMasterId id="2147483648" r:id="rId1"/>
+    <p:sldMasterId id="2147483648" r:id="rId5"/>
   </p:sldMasterIdLst>
   <p:notesMasterIdLst>
-    <p:notesMasterId r:id="rId22"/>
+    <p:notesMasterId r:id="rId7"/>
   </p:notesMasterIdLst>
   <p:sldIdLst>
-    <p:sldId id="256" r:id="rId2"/>
-    <p:sldId id="257" r:id="rId3"/>
-    <p:sldId id="258" r:id="rId4"/>
-    <p:sldId id="259" r:id="rId5"/>
-    <p:sldId id="260" r:id="rId6"/>
-    <p:sldId id="261" r:id="rId7"/>
-    <p:sldId id="262" r:id="rId8"/>
-    <p:sldId id="263" r:id="rId9"/>
-    <p:sldId id="264" r:id="rId10"/>
-    <p:sldId id="265" r:id="rId11"/>
-    <p:sldId id="266" r:id="rId12"/>
-    <p:sldId id="267" r:id="rId13"/>
-    <p:sldId id="268" r:id="rId14"/>
-    <p:sldId id="269" r:id="rId15"/>
-    <p:sldId id="270" r:id="rId16"/>
-    <p:sldId id="271" r:id="rId17"/>
-    <p:sldId id="272" r:id="rId18"/>
-    <p:sldId id="273" r:id="rId19"/>
-    <p:sldId id="274" r:id="rId20"/>
-    <p:sldId id="275" r:id="rId21"/>
+    <p:sldId id="256" r:id="rId8"/>
+    <p:sldId id="257" r:id="rId9"/>
+    <p:sldId id="258" r:id="rId10"/>
+    <p:sldId id="259" r:id="rId11"/>
+    <p:sldId id="260" r:id="rId12"/>
+    <p:sldId id="261" r:id="rId13"/>
+    <p:sldId id="262" r:id="rId14"/>
+    <p:sldId id="263" r:id="rId15"/>
+    <p:sldId id="264" r:id="rId16"/>
+    <p:sldId id="265" r:id="rId17"/>
+    <p:sldId id="266" r:id="rId18"/>
+    <p:sldId id="267" r:id="rId19"/>
+    <p:sldId id="268" r:id="rId20"/>
+    <p:sldId id="269" r:id="rId21"/>
+    <p:sldId id="270" r:id="rId22"/>
+    <p:sldId id="271" r:id="rId23"/>
+    <p:sldId id="272" r:id="rId24"/>
+    <p:sldId id="273" r:id="rId25"/>
+    <p:sldId id="274" r:id="rId26"/>
+    <p:sldId id="275" r:id="rId27"/>
   </p:sldIdLst>
   <p:sldSz cx="13004800" cy="9753600"/>
   <p:notesSz cx="6858000" cy="9144000"/>
@@ -47,7 +47,7 @@
       <a:buFontTx/>
       <a:buNone/>
       <a:tabLst/>
-      <a:defRPr kumimoji="0" sz="1800" b="0" i="0" u="none" strike="noStrike" cap="none" spc="0" normalizeH="0" baseline="0">
+      <a:defRPr b="0" baseline="0" cap="none" i="0" spc="0" strike="noStrike" sz="1800" u="none" kumimoji="0" normalizeH="0">
         <a:ln>
           <a:noFill/>
         </a:ln>
@@ -73,7 +73,7 @@
       <a:buFontTx/>
       <a:buNone/>
       <a:tabLst/>
-      <a:defRPr kumimoji="0" sz="2400" b="0" i="0" u="none" strike="noStrike" cap="none" spc="0" normalizeH="0" baseline="0">
+      <a:defRPr b="0" baseline="0" cap="none" i="0" spc="0" strike="noStrike" sz="2400" u="none" kumimoji="0" normalizeH="0">
         <a:ln>
           <a:noFill/>
         </a:ln>
@@ -103,7 +103,7 @@
       <a:buFontTx/>
       <a:buNone/>
       <a:tabLst/>
-      <a:defRPr kumimoji="0" sz="2400" b="0" i="0" u="none" strike="noStrike" cap="none" spc="0" normalizeH="0" baseline="0">
+      <a:defRPr b="0" baseline="0" cap="none" i="0" spc="0" strike="noStrike" sz="2400" u="none" kumimoji="0" normalizeH="0">
         <a:ln>
           <a:noFill/>
         </a:ln>
@@ -133,7 +133,7 @@
       <a:buFontTx/>
       <a:buNone/>
       <a:tabLst/>
-      <a:defRPr kumimoji="0" sz="2400" b="0" i="0" u="none" strike="noStrike" cap="none" spc="0" normalizeH="0" baseline="0">
+      <a:defRPr b="0" baseline="0" cap="none" i="0" spc="0" strike="noStrike" sz="2400" u="none" kumimoji="0" normalizeH="0">
         <a:ln>
           <a:noFill/>
         </a:ln>
@@ -163,7 +163,7 @@
       <a:buFontTx/>
       <a:buNone/>
       <a:tabLst/>
-      <a:defRPr kumimoji="0" sz="2400" b="0" i="0" u="none" strike="noStrike" cap="none" spc="0" normalizeH="0" baseline="0">
+      <a:defRPr b="0" baseline="0" cap="none" i="0" spc="0" strike="noStrike" sz="2400" u="none" kumimoji="0" normalizeH="0">
         <a:ln>
           <a:noFill/>
         </a:ln>
@@ -193,7 +193,7 @@
       <a:buFontTx/>
       <a:buNone/>
       <a:tabLst/>
-      <a:defRPr kumimoji="0" sz="2400" b="0" i="0" u="none" strike="noStrike" cap="none" spc="0" normalizeH="0" baseline="0">
+      <a:defRPr b="0" baseline="0" cap="none" i="0" spc="0" strike="noStrike" sz="2400" u="none" kumimoji="0" normalizeH="0">
         <a:ln>
           <a:noFill/>
         </a:ln>
@@ -223,7 +223,7 @@
       <a:buFontTx/>
       <a:buNone/>
       <a:tabLst/>
-      <a:defRPr kumimoji="0" sz="2400" b="0" i="0" u="none" strike="noStrike" cap="none" spc="0" normalizeH="0" baseline="0">
+      <a:defRPr b="0" baseline="0" cap="none" i="0" spc="0" strike="noStrike" sz="2400" u="none" kumimoji="0" normalizeH="0">
         <a:ln>
           <a:noFill/>
         </a:ln>
@@ -253,7 +253,7 @@
       <a:buFontTx/>
       <a:buNone/>
       <a:tabLst/>
-      <a:defRPr kumimoji="0" sz="2400" b="0" i="0" u="none" strike="noStrike" cap="none" spc="0" normalizeH="0" baseline="0">
+      <a:defRPr b="0" baseline="0" cap="none" i="0" spc="0" strike="noStrike" sz="2400" u="none" kumimoji="0" normalizeH="0">
         <a:ln>
           <a:noFill/>
         </a:ln>
@@ -283,7 +283,7 @@
       <a:buFontTx/>
       <a:buNone/>
       <a:tabLst/>
-      <a:defRPr kumimoji="0" sz="2400" b="0" i="0" u="none" strike="noStrike" cap="none" spc="0" normalizeH="0" baseline="0">
+      <a:defRPr b="0" baseline="0" cap="none" i="0" spc="0" strike="noStrike" sz="2400" u="none" kumimoji="0" normalizeH="0">
         <a:ln>
           <a:noFill/>
         </a:ln>
@@ -313,7 +313,7 @@
       <a:buFontTx/>
       <a:buNone/>
       <a:tabLst/>
-      <a:defRPr kumimoji="0" sz="2400" b="0" i="0" u="none" strike="noStrike" cap="none" spc="0" normalizeH="0" baseline="0">
+      <a:defRPr b="0" baseline="0" cap="none" i="0" spc="0" strike="noStrike" sz="2400" u="none" kumimoji="0" normalizeH="0">
         <a:ln>
           <a:noFill/>
         </a:ln>
@@ -332,14 +332,13 @@
 </p:presentation>
 </file>
 
+<file path=ppt/commentAuthors.xml><?xml version="1.0" encoding="utf-8"?>
+<p:cmAuthorLst xmlns:a="http://schemas.openxmlformats.org/drawingml/2006/main" xmlns:r="http://schemas.openxmlformats.org/officeDocument/2006/relationships" xmlns:p="http://schemas.openxmlformats.org/presentationml/2006/main" xmlns:m="http://schemas.openxmlformats.org/officeDocument/2006/math" xmlns:a14="http://schemas.microsoft.com/office/drawing/2010/main"/>
+</file>
+
 <file path=ppt/notesMasters/notesMaster1.xml><?xml version="1.0" encoding="utf-8"?>
-<p:notesMaster xmlns:a="http://schemas.openxmlformats.org/drawingml/2006/main" xmlns:r="http://schemas.openxmlformats.org/officeDocument/2006/relationships" xmlns:p="http://schemas.openxmlformats.org/presentationml/2006/main">
+<p:notesMaster xmlns:a="http://schemas.openxmlformats.org/drawingml/2006/main" xmlns:r="http://schemas.openxmlformats.org/officeDocument/2006/relationships" xmlns:p="http://schemas.openxmlformats.org/presentationml/2006/main" xmlns:m="http://schemas.openxmlformats.org/officeDocument/2006/math" xmlns:a14="http://schemas.microsoft.com/office/drawing/2010/main">
   <p:cSld>
-    <p:bg>
-      <p:bgRef idx="1001">
-        <a:schemeClr val="bg1"/>
-      </p:bgRef>
-    </p:bg>
     <p:spTree>
       <p:nvGrpSpPr>
         <p:cNvPr id="1" name=""/>
@@ -357,9 +356,7 @@
       <p:sp>
         <p:nvSpPr>
           <p:cNvPr id="130" name="Shape 130"/>
-          <p:cNvSpPr>
-            <a:spLocks noGrp="1" noRot="1" noChangeAspect="1"/>
-          </p:cNvSpPr>
+          <p:cNvSpPr/>
           <p:nvPr>
             <p:ph type="sldImg"/>
           </p:nvPr>
@@ -377,16 +374,14 @@
           <a:bodyPr/>
           <a:lstStyle/>
           <a:p>
-            <a:endParaRPr/>
+            <a:pPr/>
           </a:p>
         </p:txBody>
       </p:sp>
       <p:sp>
         <p:nvSpPr>
           <p:cNvPr id="131" name="Shape 131"/>
-          <p:cNvSpPr>
-            <a:spLocks noGrp="1"/>
-          </p:cNvSpPr>
+          <p:cNvSpPr/>
           <p:nvPr>
             <p:ph type="body" sz="quarter" idx="1"/>
           </p:nvPr>
@@ -404,7 +399,7 @@
           <a:bodyPr/>
           <a:lstStyle/>
           <a:p>
-            <a:endParaRPr/>
+            <a:pPr/>
           </a:p>
         </p:txBody>
       </p:sp>
@@ -516,7 +511,7 @@
 </file>
 
 <file path=ppt/slideLayouts/slideLayout1.xml><?xml version="1.0" encoding="utf-8"?>
-<p:sldLayout xmlns:a="http://schemas.openxmlformats.org/drawingml/2006/main" xmlns:r="http://schemas.openxmlformats.org/officeDocument/2006/relationships" xmlns:p="http://schemas.openxmlformats.org/presentationml/2006/main" showMasterSp="0" type="title">
+<p:sldLayout xmlns:a="http://schemas.openxmlformats.org/drawingml/2006/main" xmlns:r="http://schemas.openxmlformats.org/officeDocument/2006/relationships" xmlns:p="http://schemas.openxmlformats.org/presentationml/2006/main" xmlns:m="http://schemas.openxmlformats.org/officeDocument/2006/math" xmlns:a14="http://schemas.microsoft.com/office/drawing/2010/main" type="title" showMasterSp="0" showMasterPhAnim="1">
   <p:cSld name="Title &amp; Subtitle">
     <p:spTree>
       <p:nvGrpSpPr>
@@ -570,7 +565,6 @@
                 <a:sym typeface="Helvetica"/>
               </a:defRPr>
             </a:pPr>
-            <a:endParaRPr/>
           </a:p>
         </p:txBody>
       </p:sp>
@@ -612,7 +606,6 @@
                 <a:sym typeface="Helvetica"/>
               </a:defRPr>
             </a:pPr>
-            <a:endParaRPr/>
           </a:p>
         </p:txBody>
       </p:sp>
@@ -654,16 +647,13 @@
                 <a:sym typeface="Helvetica"/>
               </a:defRPr>
             </a:pPr>
-            <a:endParaRPr/>
           </a:p>
         </p:txBody>
       </p:sp>
       <p:sp>
         <p:nvSpPr>
           <p:cNvPr id="16" name="Lorem Ipsum Dolor"/>
-          <p:cNvSpPr txBox="1">
-            <a:spLocks noGrp="1"/>
-          </p:cNvSpPr>
+          <p:cNvSpPr txBox="1"/>
           <p:nvPr>
             <p:ph type="body" sz="quarter" idx="13"/>
           </p:nvPr>
@@ -693,10 +683,11 @@
               <a:buSzTx/>
               <a:buFontTx/>
               <a:buNone/>
-              <a:defRPr sz="2400" i="1"/>
+              <a:defRPr i="1" sz="2400"/>
             </a:lvl1pPr>
           </a:lstStyle>
           <a:p>
+            <a:pPr/>
             <a:r>
               <a:t>Lorem Ipsum Dolor</a:t>
             </a:r>
@@ -706,9 +697,7 @@
       <p:sp>
         <p:nvSpPr>
           <p:cNvPr id="17" name="Title Text"/>
-          <p:cNvSpPr txBox="1">
-            <a:spLocks noGrp="1"/>
-          </p:cNvSpPr>
+          <p:cNvSpPr txBox="1"/>
           <p:nvPr>
             <p:ph type="title"/>
           </p:nvPr>
@@ -728,6 +717,7 @@
             <a:lvl1pPr algn="l"/>
           </a:lstStyle>
           <a:p>
+            <a:pPr/>
             <a:r>
               <a:t>Title Text</a:t>
             </a:r>
@@ -737,9 +727,7 @@
       <p:sp>
         <p:nvSpPr>
           <p:cNvPr id="18" name="Body Level One…"/>
-          <p:cNvSpPr txBox="1">
-            <a:spLocks noGrp="1"/>
-          </p:cNvSpPr>
+          <p:cNvSpPr txBox="1"/>
           <p:nvPr>
             <p:ph type="body" sz="quarter" idx="1"/>
           </p:nvPr>
@@ -808,6 +796,7 @@
             </a:lvl5pPr>
           </a:lstStyle>
           <a:p>
+            <a:pPr/>
             <a:r>
               <a:t>Body Level One</a:t>
             </a:r>
@@ -841,9 +830,7 @@
       <p:sp>
         <p:nvSpPr>
           <p:cNvPr id="19" name="Slide Number"/>
-          <p:cNvSpPr txBox="1">
-            <a:spLocks noGrp="1"/>
-          </p:cNvSpPr>
+          <p:cNvSpPr txBox="1"/>
           <p:nvPr>
             <p:ph type="sldNum" sz="quarter" idx="2"/>
           </p:nvPr>
@@ -857,10 +844,8 @@
           <a:bodyPr/>
           <a:lstStyle/>
           <a:p>
-            <a:fld id="{86CB4B4D-7CA3-9044-876B-883B54F8677D}" type="slidenum">
-              <a:t>‹#›</a:t>
-            </a:fld>
-            <a:endParaRPr/>
+            <a:pPr/>
+            <a:fld id="{86CB4B4D-7CA3-9044-876B-883B54F8677D}" type="slidenum"/>
           </a:p>
         </p:txBody>
       </p:sp>
@@ -869,12 +854,12 @@
   <p:clrMapOvr>
     <a:masterClrMapping/>
   </p:clrMapOvr>
-  <p:transition spd="med"/>
+  <p:transition xmlns:p14="http://schemas.microsoft.com/office/powerpoint/2010/main" spd="med" advClick="1"/>
 </p:sldLayout>
 </file>
 
 <file path=ppt/slideLayouts/slideLayout10.xml><?xml version="1.0" encoding="utf-8"?>
-<p:sldLayout xmlns:a="http://schemas.openxmlformats.org/drawingml/2006/main" xmlns:r="http://schemas.openxmlformats.org/officeDocument/2006/relationships" xmlns:p="http://schemas.openxmlformats.org/presentationml/2006/main" showMasterSp="0" type="tx">
+<p:sldLayout xmlns:a="http://schemas.openxmlformats.org/drawingml/2006/main" xmlns:r="http://schemas.openxmlformats.org/officeDocument/2006/relationships" xmlns:p="http://schemas.openxmlformats.org/presentationml/2006/main" xmlns:m="http://schemas.openxmlformats.org/officeDocument/2006/math" xmlns:a14="http://schemas.microsoft.com/office/drawing/2010/main" type="tx" showMasterSp="0" showMasterPhAnim="1">
   <p:cSld name="Quote">
     <p:spTree>
       <p:nvGrpSpPr>
@@ -893,9 +878,7 @@
       <p:sp>
         <p:nvSpPr>
           <p:cNvPr id="107" name="–Johnny Appleseed"/>
-          <p:cNvSpPr txBox="1">
-            <a:spLocks noGrp="1"/>
-          </p:cNvSpPr>
+          <p:cNvSpPr txBox="1"/>
           <p:nvPr>
             <p:ph type="body" sz="quarter" idx="13"/>
           </p:nvPr>
@@ -922,10 +905,11 @@
               <a:buSzTx/>
               <a:buFontTx/>
               <a:buNone/>
-              <a:defRPr sz="3000" i="1"/>
+              <a:defRPr i="1" sz="3000"/>
             </a:lvl1pPr>
           </a:lstStyle>
           <a:p>
+            <a:pPr/>
             <a:r>
               <a:t>–Johnny Appleseed</a:t>
             </a:r>
@@ -935,9 +919,7 @@
       <p:sp>
         <p:nvSpPr>
           <p:cNvPr id="108" name="“Type a quote here.”"/>
-          <p:cNvSpPr txBox="1">
-            <a:spLocks noGrp="1"/>
-          </p:cNvSpPr>
+          <p:cNvSpPr txBox="1"/>
           <p:nvPr>
             <p:ph type="body" sz="quarter" idx="14"/>
           </p:nvPr>
@@ -967,6 +949,7 @@
             </a:lvl1pPr>
           </a:lstStyle>
           <a:p>
+            <a:pPr/>
             <a:r>
               <a:t>“Type a quote here.” </a:t>
             </a:r>
@@ -976,9 +959,7 @@
       <p:sp>
         <p:nvSpPr>
           <p:cNvPr id="109" name="Slide Number"/>
-          <p:cNvSpPr txBox="1">
-            <a:spLocks noGrp="1"/>
-          </p:cNvSpPr>
+          <p:cNvSpPr txBox="1"/>
           <p:nvPr>
             <p:ph type="sldNum" sz="quarter" idx="2"/>
           </p:nvPr>
@@ -992,10 +973,8 @@
           <a:bodyPr/>
           <a:lstStyle/>
           <a:p>
-            <a:fld id="{86CB4B4D-7CA3-9044-876B-883B54F8677D}" type="slidenum">
-              <a:t>‹#›</a:t>
-            </a:fld>
-            <a:endParaRPr/>
+            <a:pPr/>
+            <a:fld id="{86CB4B4D-7CA3-9044-876B-883B54F8677D}" type="slidenum"/>
           </a:p>
         </p:txBody>
       </p:sp>
@@ -1004,12 +983,12 @@
   <p:clrMapOvr>
     <a:masterClrMapping/>
   </p:clrMapOvr>
-  <p:transition spd="med"/>
+  <p:transition xmlns:p14="http://schemas.microsoft.com/office/powerpoint/2010/main" spd="med" advClick="1"/>
 </p:sldLayout>
 </file>
 
 <file path=ppt/slideLayouts/slideLayout11.xml><?xml version="1.0" encoding="utf-8"?>
-<p:sldLayout xmlns:a="http://schemas.openxmlformats.org/drawingml/2006/main" xmlns:r="http://schemas.openxmlformats.org/officeDocument/2006/relationships" xmlns:p="http://schemas.openxmlformats.org/presentationml/2006/main" showMasterSp="0" type="tx">
+<p:sldLayout xmlns:a="http://schemas.openxmlformats.org/drawingml/2006/main" xmlns:r="http://schemas.openxmlformats.org/officeDocument/2006/relationships" xmlns:p="http://schemas.openxmlformats.org/presentationml/2006/main" xmlns:m="http://schemas.openxmlformats.org/officeDocument/2006/math" xmlns:a14="http://schemas.microsoft.com/office/drawing/2010/main" type="tx" showMasterSp="0" showMasterPhAnim="1">
   <p:cSld name="Photo">
     <p:spTree>
       <p:nvGrpSpPr>
@@ -1028,9 +1007,7 @@
       <p:sp>
         <p:nvSpPr>
           <p:cNvPr id="116" name="Image"/>
-          <p:cNvSpPr>
-            <a:spLocks noGrp="1"/>
-          </p:cNvSpPr>
+          <p:cNvSpPr/>
           <p:nvPr>
             <p:ph type="pic" idx="13"/>
           </p:nvPr>
@@ -1050,16 +1027,14 @@
           </a:bodyPr>
           <a:lstStyle/>
           <a:p>
-            <a:endParaRPr/>
+            <a:pPr/>
           </a:p>
         </p:txBody>
       </p:sp>
       <p:sp>
         <p:nvSpPr>
           <p:cNvPr id="117" name="Slide Number"/>
-          <p:cNvSpPr txBox="1">
-            <a:spLocks noGrp="1"/>
-          </p:cNvSpPr>
+          <p:cNvSpPr txBox="1"/>
           <p:nvPr>
             <p:ph type="sldNum" sz="quarter" idx="2"/>
           </p:nvPr>
@@ -1073,10 +1048,8 @@
           <a:bodyPr/>
           <a:lstStyle/>
           <a:p>
-            <a:fld id="{86CB4B4D-7CA3-9044-876B-883B54F8677D}" type="slidenum">
-              <a:t>‹#›</a:t>
-            </a:fld>
-            <a:endParaRPr/>
+            <a:pPr/>
+            <a:fld id="{86CB4B4D-7CA3-9044-876B-883B54F8677D}" type="slidenum"/>
           </a:p>
         </p:txBody>
       </p:sp>
@@ -1085,12 +1058,12 @@
   <p:clrMapOvr>
     <a:masterClrMapping/>
   </p:clrMapOvr>
-  <p:transition spd="med"/>
+  <p:transition xmlns:p14="http://schemas.microsoft.com/office/powerpoint/2010/main" spd="med" advClick="1"/>
 </p:sldLayout>
 </file>
 
 <file path=ppt/slideLayouts/slideLayout12.xml><?xml version="1.0" encoding="utf-8"?>
-<p:sldLayout xmlns:a="http://schemas.openxmlformats.org/drawingml/2006/main" xmlns:r="http://schemas.openxmlformats.org/officeDocument/2006/relationships" xmlns:p="http://schemas.openxmlformats.org/presentationml/2006/main" showMasterSp="0" type="tx">
+<p:sldLayout xmlns:a="http://schemas.openxmlformats.org/drawingml/2006/main" xmlns:r="http://schemas.openxmlformats.org/officeDocument/2006/relationships" xmlns:p="http://schemas.openxmlformats.org/presentationml/2006/main" xmlns:m="http://schemas.openxmlformats.org/officeDocument/2006/math" xmlns:a14="http://schemas.microsoft.com/office/drawing/2010/main" type="tx" showMasterSp="0" showMasterPhAnim="1">
   <p:cSld name="Blank">
     <p:spTree>
       <p:nvGrpSpPr>
@@ -1109,9 +1082,7 @@
       <p:sp>
         <p:nvSpPr>
           <p:cNvPr id="124" name="Slide Number"/>
-          <p:cNvSpPr txBox="1">
-            <a:spLocks noGrp="1"/>
-          </p:cNvSpPr>
+          <p:cNvSpPr txBox="1"/>
           <p:nvPr>
             <p:ph type="sldNum" sz="quarter" idx="2"/>
           </p:nvPr>
@@ -1125,10 +1096,8 @@
           <a:bodyPr/>
           <a:lstStyle/>
           <a:p>
-            <a:fld id="{86CB4B4D-7CA3-9044-876B-883B54F8677D}" type="slidenum">
-              <a:t>‹#›</a:t>
-            </a:fld>
-            <a:endParaRPr/>
+            <a:pPr/>
+            <a:fld id="{86CB4B4D-7CA3-9044-876B-883B54F8677D}" type="slidenum"/>
           </a:p>
         </p:txBody>
       </p:sp>
@@ -1137,12 +1106,12 @@
   <p:clrMapOvr>
     <a:masterClrMapping/>
   </p:clrMapOvr>
-  <p:transition spd="med"/>
+  <p:transition xmlns:p14="http://schemas.microsoft.com/office/powerpoint/2010/main" spd="med" advClick="1"/>
 </p:sldLayout>
 </file>
 
 <file path=ppt/slideLayouts/slideLayout2.xml><?xml version="1.0" encoding="utf-8"?>
-<p:sldLayout xmlns:a="http://schemas.openxmlformats.org/drawingml/2006/main" xmlns:r="http://schemas.openxmlformats.org/officeDocument/2006/relationships" xmlns:p="http://schemas.openxmlformats.org/presentationml/2006/main" showMasterSp="0" type="tx">
+<p:sldLayout xmlns:a="http://schemas.openxmlformats.org/drawingml/2006/main" xmlns:r="http://schemas.openxmlformats.org/officeDocument/2006/relationships" xmlns:p="http://schemas.openxmlformats.org/presentationml/2006/main" xmlns:m="http://schemas.openxmlformats.org/officeDocument/2006/math" xmlns:a14="http://schemas.microsoft.com/office/drawing/2010/main" type="tx" showMasterSp="0" showMasterPhAnim="1">
   <p:cSld name="Photo - Horizontal">
     <p:spTree>
       <p:nvGrpSpPr>
@@ -1196,7 +1165,6 @@
                 <a:sym typeface="Helvetica"/>
               </a:defRPr>
             </a:pPr>
-            <a:endParaRPr/>
           </a:p>
         </p:txBody>
       </p:sp>
@@ -1238,7 +1206,6 @@
                 <a:sym typeface="Helvetica"/>
               </a:defRPr>
             </a:pPr>
-            <a:endParaRPr/>
           </a:p>
         </p:txBody>
       </p:sp>
@@ -1280,7 +1247,6 @@
                 <a:sym typeface="Helvetica"/>
               </a:defRPr>
             </a:pPr>
-            <a:endParaRPr/>
           </a:p>
         </p:txBody>
       </p:sp>
@@ -1322,16 +1288,13 @@
                 <a:sym typeface="Helvetica"/>
               </a:defRPr>
             </a:pPr>
-            <a:endParaRPr/>
           </a:p>
         </p:txBody>
       </p:sp>
       <p:sp>
         <p:nvSpPr>
           <p:cNvPr id="30" name="Lorem Ipsum Dolor"/>
-          <p:cNvSpPr txBox="1">
-            <a:spLocks noGrp="1"/>
-          </p:cNvSpPr>
+          <p:cNvSpPr txBox="1"/>
           <p:nvPr>
             <p:ph type="body" sz="quarter" idx="13"/>
           </p:nvPr>
@@ -1361,10 +1324,11 @@
               <a:buSzTx/>
               <a:buFontTx/>
               <a:buNone/>
-              <a:defRPr sz="2400" i="1"/>
+              <a:defRPr i="1" sz="2400"/>
             </a:lvl1pPr>
           </a:lstStyle>
           <a:p>
+            <a:pPr/>
             <a:r>
               <a:t>Lorem Ipsum Dolor</a:t>
             </a:r>
@@ -1374,9 +1338,7 @@
       <p:sp>
         <p:nvSpPr>
           <p:cNvPr id="31" name="Image"/>
-          <p:cNvSpPr>
-            <a:spLocks noGrp="1"/>
-          </p:cNvSpPr>
+          <p:cNvSpPr/>
           <p:nvPr>
             <p:ph type="pic" idx="14"/>
           </p:nvPr>
@@ -1399,16 +1361,14 @@
           </a:bodyPr>
           <a:lstStyle/>
           <a:p>
-            <a:endParaRPr/>
+            <a:pPr/>
           </a:p>
         </p:txBody>
       </p:sp>
       <p:sp>
         <p:nvSpPr>
           <p:cNvPr id="32" name="Title Text"/>
-          <p:cNvSpPr txBox="1">
-            <a:spLocks noGrp="1"/>
-          </p:cNvSpPr>
+          <p:cNvSpPr txBox="1"/>
           <p:nvPr>
             <p:ph type="title"/>
           </p:nvPr>
@@ -1428,6 +1388,7 @@
             <a:lvl1pPr algn="l"/>
           </a:lstStyle>
           <a:p>
+            <a:pPr/>
             <a:r>
               <a:t>Title Text</a:t>
             </a:r>
@@ -1437,9 +1398,7 @@
       <p:sp>
         <p:nvSpPr>
           <p:cNvPr id="33" name="Body Level One…"/>
-          <p:cNvSpPr txBox="1">
-            <a:spLocks noGrp="1"/>
-          </p:cNvSpPr>
+          <p:cNvSpPr txBox="1"/>
           <p:nvPr>
             <p:ph type="body" sz="quarter" idx="1"/>
           </p:nvPr>
@@ -1508,6 +1467,7 @@
             </a:lvl5pPr>
           </a:lstStyle>
           <a:p>
+            <a:pPr/>
             <a:r>
               <a:t>Body Level One</a:t>
             </a:r>
@@ -1541,9 +1501,7 @@
       <p:sp>
         <p:nvSpPr>
           <p:cNvPr id="34" name="Slide Number"/>
-          <p:cNvSpPr txBox="1">
-            <a:spLocks noGrp="1"/>
-          </p:cNvSpPr>
+          <p:cNvSpPr txBox="1"/>
           <p:nvPr>
             <p:ph type="sldNum" sz="quarter" idx="2"/>
           </p:nvPr>
@@ -1557,10 +1515,8 @@
           <a:bodyPr/>
           <a:lstStyle/>
           <a:p>
-            <a:fld id="{86CB4B4D-7CA3-9044-876B-883B54F8677D}" type="slidenum">
-              <a:t>‹#›</a:t>
-            </a:fld>
-            <a:endParaRPr/>
+            <a:pPr/>
+            <a:fld id="{86CB4B4D-7CA3-9044-876B-883B54F8677D}" type="slidenum"/>
           </a:p>
         </p:txBody>
       </p:sp>
@@ -1569,12 +1525,12 @@
   <p:clrMapOvr>
     <a:masterClrMapping/>
   </p:clrMapOvr>
-  <p:transition spd="med"/>
+  <p:transition xmlns:p14="http://schemas.microsoft.com/office/powerpoint/2010/main" spd="med" advClick="1"/>
 </p:sldLayout>
 </file>
 
 <file path=ppt/slideLayouts/slideLayout3.xml><?xml version="1.0" encoding="utf-8"?>
-<p:sldLayout xmlns:a="http://schemas.openxmlformats.org/drawingml/2006/main" xmlns:r="http://schemas.openxmlformats.org/officeDocument/2006/relationships" xmlns:p="http://schemas.openxmlformats.org/presentationml/2006/main" showMasterSp="0" type="tx">
+<p:sldLayout xmlns:a="http://schemas.openxmlformats.org/drawingml/2006/main" xmlns:r="http://schemas.openxmlformats.org/officeDocument/2006/relationships" xmlns:p="http://schemas.openxmlformats.org/presentationml/2006/main" xmlns:m="http://schemas.openxmlformats.org/officeDocument/2006/math" xmlns:a14="http://schemas.microsoft.com/office/drawing/2010/main" type="tx" showMasterSp="0" showMasterPhAnim="1">
   <p:cSld name="Title - Center">
     <p:spTree>
       <p:nvGrpSpPr>
@@ -1593,9 +1549,7 @@
       <p:sp>
         <p:nvSpPr>
           <p:cNvPr id="41" name="Title Text"/>
-          <p:cNvSpPr txBox="1">
-            <a:spLocks noGrp="1"/>
-          </p:cNvSpPr>
+          <p:cNvSpPr txBox="1"/>
           <p:nvPr>
             <p:ph type="title"/>
           </p:nvPr>
@@ -1613,6 +1567,7 @@
           <a:bodyPr/>
           <a:lstStyle/>
           <a:p>
+            <a:pPr/>
             <a:r>
               <a:t>Title Text</a:t>
             </a:r>
@@ -1622,9 +1577,7 @@
       <p:sp>
         <p:nvSpPr>
           <p:cNvPr id="42" name="Slide Number"/>
-          <p:cNvSpPr txBox="1">
-            <a:spLocks noGrp="1"/>
-          </p:cNvSpPr>
+          <p:cNvSpPr txBox="1"/>
           <p:nvPr>
             <p:ph type="sldNum" sz="quarter" idx="2"/>
           </p:nvPr>
@@ -1638,10 +1591,8 @@
           <a:bodyPr/>
           <a:lstStyle/>
           <a:p>
-            <a:fld id="{86CB4B4D-7CA3-9044-876B-883B54F8677D}" type="slidenum">
-              <a:t>‹#›</a:t>
-            </a:fld>
-            <a:endParaRPr/>
+            <a:pPr/>
+            <a:fld id="{86CB4B4D-7CA3-9044-876B-883B54F8677D}" type="slidenum"/>
           </a:p>
         </p:txBody>
       </p:sp>
@@ -1650,12 +1601,12 @@
   <p:clrMapOvr>
     <a:masterClrMapping/>
   </p:clrMapOvr>
-  <p:transition spd="med"/>
+  <p:transition xmlns:p14="http://schemas.microsoft.com/office/powerpoint/2010/main" spd="med" advClick="1"/>
 </p:sldLayout>
 </file>
 
 <file path=ppt/slideLayouts/slideLayout4.xml><?xml version="1.0" encoding="utf-8"?>
-<p:sldLayout xmlns:a="http://schemas.openxmlformats.org/drawingml/2006/main" xmlns:r="http://schemas.openxmlformats.org/officeDocument/2006/relationships" xmlns:p="http://schemas.openxmlformats.org/presentationml/2006/main" showMasterSp="0" type="tx">
+<p:sldLayout xmlns:a="http://schemas.openxmlformats.org/drawingml/2006/main" xmlns:r="http://schemas.openxmlformats.org/officeDocument/2006/relationships" xmlns:p="http://schemas.openxmlformats.org/presentationml/2006/main" xmlns:m="http://schemas.openxmlformats.org/officeDocument/2006/math" xmlns:a14="http://schemas.microsoft.com/office/drawing/2010/main" type="tx" showMasterSp="0" showMasterPhAnim="1">
   <p:cSld name="Photo - Vertical">
     <p:spTree>
       <p:nvGrpSpPr>
@@ -1709,7 +1660,6 @@
                 <a:sym typeface="Helvetica"/>
               </a:defRPr>
             </a:pPr>
-            <a:endParaRPr/>
           </a:p>
         </p:txBody>
       </p:sp>
@@ -1751,16 +1701,13 @@
                 <a:sym typeface="Helvetica"/>
               </a:defRPr>
             </a:pPr>
-            <a:endParaRPr/>
           </a:p>
         </p:txBody>
       </p:sp>
       <p:sp>
         <p:nvSpPr>
           <p:cNvPr id="51" name="Lorem Ipsum Dolor"/>
-          <p:cNvSpPr txBox="1">
-            <a:spLocks noGrp="1"/>
-          </p:cNvSpPr>
+          <p:cNvSpPr txBox="1"/>
           <p:nvPr>
             <p:ph type="body" sz="quarter" idx="13"/>
           </p:nvPr>
@@ -1790,10 +1737,11 @@
               <a:buSzTx/>
               <a:buFontTx/>
               <a:buNone/>
-              <a:defRPr sz="2400" i="1"/>
+              <a:defRPr i="1" sz="2400"/>
             </a:lvl1pPr>
           </a:lstStyle>
           <a:p>
+            <a:pPr/>
             <a:r>
               <a:t>Lorem Ipsum Dolor</a:t>
             </a:r>
@@ -1803,9 +1751,7 @@
       <p:sp>
         <p:nvSpPr>
           <p:cNvPr id="52" name="Image"/>
-          <p:cNvSpPr>
-            <a:spLocks noGrp="1"/>
-          </p:cNvSpPr>
+          <p:cNvSpPr/>
           <p:nvPr>
             <p:ph type="pic" sz="half" idx="14"/>
           </p:nvPr>
@@ -1828,16 +1774,14 @@
           </a:bodyPr>
           <a:lstStyle/>
           <a:p>
-            <a:endParaRPr/>
+            <a:pPr/>
           </a:p>
         </p:txBody>
       </p:sp>
       <p:sp>
         <p:nvSpPr>
           <p:cNvPr id="53" name="Title Text"/>
-          <p:cNvSpPr txBox="1">
-            <a:spLocks noGrp="1"/>
-          </p:cNvSpPr>
+          <p:cNvSpPr txBox="1"/>
           <p:nvPr>
             <p:ph type="title"/>
           </p:nvPr>
@@ -1859,6 +1803,7 @@
             </a:lvl1pPr>
           </a:lstStyle>
           <a:p>
+            <a:pPr/>
             <a:r>
               <a:t>Title Text</a:t>
             </a:r>
@@ -1868,9 +1813,7 @@
       <p:sp>
         <p:nvSpPr>
           <p:cNvPr id="54" name="Body Level One…"/>
-          <p:cNvSpPr txBox="1">
-            <a:spLocks noGrp="1"/>
-          </p:cNvSpPr>
+          <p:cNvSpPr txBox="1"/>
           <p:nvPr>
             <p:ph type="body" sz="quarter" idx="1"/>
           </p:nvPr>
@@ -1939,6 +1882,7 @@
             </a:lvl5pPr>
           </a:lstStyle>
           <a:p>
+            <a:pPr/>
             <a:r>
               <a:t>Body Level One</a:t>
             </a:r>
@@ -1972,9 +1916,7 @@
       <p:sp>
         <p:nvSpPr>
           <p:cNvPr id="55" name="Slide Number"/>
-          <p:cNvSpPr txBox="1">
-            <a:spLocks noGrp="1"/>
-          </p:cNvSpPr>
+          <p:cNvSpPr txBox="1"/>
           <p:nvPr>
             <p:ph type="sldNum" sz="quarter" idx="2"/>
           </p:nvPr>
@@ -1988,10 +1930,8 @@
           <a:bodyPr/>
           <a:lstStyle/>
           <a:p>
-            <a:fld id="{86CB4B4D-7CA3-9044-876B-883B54F8677D}" type="slidenum">
-              <a:t>‹#›</a:t>
-            </a:fld>
-            <a:endParaRPr/>
+            <a:pPr/>
+            <a:fld id="{86CB4B4D-7CA3-9044-876B-883B54F8677D}" type="slidenum"/>
           </a:p>
         </p:txBody>
       </p:sp>
@@ -2000,12 +1940,12 @@
   <p:clrMapOvr>
     <a:masterClrMapping/>
   </p:clrMapOvr>
-  <p:transition spd="med"/>
+  <p:transition xmlns:p14="http://schemas.microsoft.com/office/powerpoint/2010/main" spd="med" advClick="1"/>
 </p:sldLayout>
 </file>
 
 <file path=ppt/slideLayouts/slideLayout5.xml><?xml version="1.0" encoding="utf-8"?>
-<p:sldLayout xmlns:a="http://schemas.openxmlformats.org/drawingml/2006/main" xmlns:r="http://schemas.openxmlformats.org/officeDocument/2006/relationships" xmlns:p="http://schemas.openxmlformats.org/presentationml/2006/main" type="tx">
+<p:sldLayout xmlns:a="http://schemas.openxmlformats.org/drawingml/2006/main" xmlns:r="http://schemas.openxmlformats.org/officeDocument/2006/relationships" xmlns:p="http://schemas.openxmlformats.org/presentationml/2006/main" xmlns:m="http://schemas.openxmlformats.org/officeDocument/2006/math" xmlns:a14="http://schemas.microsoft.com/office/drawing/2010/main" type="tx" showMasterSp="1" showMasterPhAnim="1">
   <p:cSld name="Title - Top">
     <p:spTree>
       <p:nvGrpSpPr>
@@ -2024,9 +1964,7 @@
       <p:sp>
         <p:nvSpPr>
           <p:cNvPr id="62" name="Title Text"/>
-          <p:cNvSpPr txBox="1">
-            <a:spLocks noGrp="1"/>
-          </p:cNvSpPr>
+          <p:cNvSpPr txBox="1"/>
           <p:nvPr>
             <p:ph type="title"/>
           </p:nvPr>
@@ -2040,6 +1978,7 @@
           <a:bodyPr/>
           <a:lstStyle/>
           <a:p>
+            <a:pPr/>
             <a:r>
               <a:t>Title Text</a:t>
             </a:r>
@@ -2049,9 +1988,7 @@
       <p:sp>
         <p:nvSpPr>
           <p:cNvPr id="63" name="Slide Number"/>
-          <p:cNvSpPr txBox="1">
-            <a:spLocks noGrp="1"/>
-          </p:cNvSpPr>
+          <p:cNvSpPr txBox="1"/>
           <p:nvPr>
             <p:ph type="sldNum" sz="quarter" idx="2"/>
           </p:nvPr>
@@ -2065,10 +2002,8 @@
           <a:bodyPr/>
           <a:lstStyle/>
           <a:p>
-            <a:fld id="{86CB4B4D-7CA3-9044-876B-883B54F8677D}" type="slidenum">
-              <a:t>‹#›</a:t>
-            </a:fld>
-            <a:endParaRPr/>
+            <a:pPr/>
+            <a:fld id="{86CB4B4D-7CA3-9044-876B-883B54F8677D}" type="slidenum"/>
           </a:p>
         </p:txBody>
       </p:sp>
@@ -2077,12 +2012,12 @@
   <p:clrMapOvr>
     <a:masterClrMapping/>
   </p:clrMapOvr>
-  <p:transition spd="med"/>
+  <p:transition xmlns:p14="http://schemas.microsoft.com/office/powerpoint/2010/main" spd="med" advClick="1"/>
 </p:sldLayout>
 </file>
 
 <file path=ppt/slideLayouts/slideLayout6.xml><?xml version="1.0" encoding="utf-8"?>
-<p:sldLayout xmlns:a="http://schemas.openxmlformats.org/drawingml/2006/main" xmlns:r="http://schemas.openxmlformats.org/officeDocument/2006/relationships" xmlns:p="http://schemas.openxmlformats.org/presentationml/2006/main" type="tx">
+<p:sldLayout xmlns:a="http://schemas.openxmlformats.org/drawingml/2006/main" xmlns:r="http://schemas.openxmlformats.org/officeDocument/2006/relationships" xmlns:p="http://schemas.openxmlformats.org/presentationml/2006/main" xmlns:m="http://schemas.openxmlformats.org/officeDocument/2006/math" xmlns:a14="http://schemas.microsoft.com/office/drawing/2010/main" type="tx" showMasterSp="1" showMasterPhAnim="1">
   <p:cSld name="Title &amp; Bullets">
     <p:spTree>
       <p:nvGrpSpPr>
@@ -2101,9 +2036,7 @@
       <p:sp>
         <p:nvSpPr>
           <p:cNvPr id="70" name="Title Text"/>
-          <p:cNvSpPr txBox="1">
-            <a:spLocks noGrp="1"/>
-          </p:cNvSpPr>
+          <p:cNvSpPr txBox="1"/>
           <p:nvPr>
             <p:ph type="title"/>
           </p:nvPr>
@@ -2117,6 +2050,7 @@
           <a:bodyPr/>
           <a:lstStyle/>
           <a:p>
+            <a:pPr/>
             <a:r>
               <a:t>Title Text</a:t>
             </a:r>
@@ -2126,9 +2060,7 @@
       <p:sp>
         <p:nvSpPr>
           <p:cNvPr id="71" name="Body Level One…"/>
-          <p:cNvSpPr txBox="1">
-            <a:spLocks noGrp="1"/>
-          </p:cNvSpPr>
+          <p:cNvSpPr txBox="1"/>
           <p:nvPr>
             <p:ph type="body" idx="1"/>
           </p:nvPr>
@@ -2142,6 +2074,7 @@
           <a:bodyPr/>
           <a:lstStyle/>
           <a:p>
+            <a:pPr/>
             <a:r>
               <a:t>Body Level One</a:t>
             </a:r>
@@ -2175,9 +2108,7 @@
       <p:sp>
         <p:nvSpPr>
           <p:cNvPr id="72" name="Slide Number"/>
-          <p:cNvSpPr txBox="1">
-            <a:spLocks noGrp="1"/>
-          </p:cNvSpPr>
+          <p:cNvSpPr txBox="1"/>
           <p:nvPr>
             <p:ph type="sldNum" sz="quarter" idx="2"/>
           </p:nvPr>
@@ -2191,10 +2122,8 @@
           <a:bodyPr/>
           <a:lstStyle/>
           <a:p>
-            <a:fld id="{86CB4B4D-7CA3-9044-876B-883B54F8677D}" type="slidenum">
-              <a:t>‹#›</a:t>
-            </a:fld>
-            <a:endParaRPr/>
+            <a:pPr/>
+            <a:fld id="{86CB4B4D-7CA3-9044-876B-883B54F8677D}" type="slidenum"/>
           </a:p>
         </p:txBody>
       </p:sp>
@@ -2203,12 +2132,12 @@
   <p:clrMapOvr>
     <a:masterClrMapping/>
   </p:clrMapOvr>
-  <p:transition spd="med"/>
+  <p:transition xmlns:p14="http://schemas.microsoft.com/office/powerpoint/2010/main" spd="med" advClick="1"/>
 </p:sldLayout>
 </file>
 
 <file path=ppt/slideLayouts/slideLayout7.xml><?xml version="1.0" encoding="utf-8"?>
-<p:sldLayout xmlns:a="http://schemas.openxmlformats.org/drawingml/2006/main" xmlns:r="http://schemas.openxmlformats.org/officeDocument/2006/relationships" xmlns:p="http://schemas.openxmlformats.org/presentationml/2006/main" type="tx">
+<p:sldLayout xmlns:a="http://schemas.openxmlformats.org/drawingml/2006/main" xmlns:r="http://schemas.openxmlformats.org/officeDocument/2006/relationships" xmlns:p="http://schemas.openxmlformats.org/presentationml/2006/main" xmlns:m="http://schemas.openxmlformats.org/officeDocument/2006/math" xmlns:a14="http://schemas.microsoft.com/office/drawing/2010/main" type="tx" showMasterSp="1" showMasterPhAnim="1">
   <p:cSld name="Title, Bullets &amp; Photo">
     <p:spTree>
       <p:nvGrpSpPr>
@@ -2227,9 +2156,7 @@
       <p:sp>
         <p:nvSpPr>
           <p:cNvPr id="79" name="Image"/>
-          <p:cNvSpPr>
-            <a:spLocks noGrp="1"/>
-          </p:cNvSpPr>
+          <p:cNvSpPr/>
           <p:nvPr>
             <p:ph type="pic" sz="half" idx="13"/>
           </p:nvPr>
@@ -2252,16 +2179,14 @@
           </a:bodyPr>
           <a:lstStyle/>
           <a:p>
-            <a:endParaRPr/>
+            <a:pPr/>
           </a:p>
         </p:txBody>
       </p:sp>
       <p:sp>
         <p:nvSpPr>
           <p:cNvPr id="80" name="Title Text"/>
-          <p:cNvSpPr txBox="1">
-            <a:spLocks noGrp="1"/>
-          </p:cNvSpPr>
+          <p:cNvSpPr txBox="1"/>
           <p:nvPr>
             <p:ph type="title"/>
           </p:nvPr>
@@ -2275,6 +2200,7 @@
           <a:bodyPr/>
           <a:lstStyle/>
           <a:p>
+            <a:pPr/>
             <a:r>
               <a:t>Title Text</a:t>
             </a:r>
@@ -2284,9 +2210,7 @@
       <p:sp>
         <p:nvSpPr>
           <p:cNvPr id="81" name="Body Level One…"/>
-          <p:cNvSpPr txBox="1">
-            <a:spLocks noGrp="1"/>
-          </p:cNvSpPr>
+          <p:cNvSpPr txBox="1"/>
           <p:nvPr>
             <p:ph type="body" sz="half" idx="1"/>
           </p:nvPr>
@@ -2340,6 +2264,7 @@
             </a:lvl5pPr>
           </a:lstStyle>
           <a:p>
+            <a:pPr/>
             <a:r>
               <a:t>Body Level One</a:t>
             </a:r>
@@ -2373,9 +2298,7 @@
       <p:sp>
         <p:nvSpPr>
           <p:cNvPr id="82" name="Slide Number"/>
-          <p:cNvSpPr txBox="1">
-            <a:spLocks noGrp="1"/>
-          </p:cNvSpPr>
+          <p:cNvSpPr txBox="1"/>
           <p:nvPr>
             <p:ph type="sldNum" sz="quarter" idx="2"/>
           </p:nvPr>
@@ -2389,10 +2312,8 @@
           <a:bodyPr/>
           <a:lstStyle/>
           <a:p>
-            <a:fld id="{86CB4B4D-7CA3-9044-876B-883B54F8677D}" type="slidenum">
-              <a:t>‹#›</a:t>
-            </a:fld>
-            <a:endParaRPr/>
+            <a:pPr/>
+            <a:fld id="{86CB4B4D-7CA3-9044-876B-883B54F8677D}" type="slidenum"/>
           </a:p>
         </p:txBody>
       </p:sp>
@@ -2401,12 +2322,12 @@
   <p:clrMapOvr>
     <a:masterClrMapping/>
   </p:clrMapOvr>
-  <p:transition spd="med"/>
+  <p:transition xmlns:p14="http://schemas.microsoft.com/office/powerpoint/2010/main" spd="med" advClick="1"/>
 </p:sldLayout>
 </file>
 
 <file path=ppt/slideLayouts/slideLayout8.xml><?xml version="1.0" encoding="utf-8"?>
-<p:sldLayout xmlns:a="http://schemas.openxmlformats.org/drawingml/2006/main" xmlns:r="http://schemas.openxmlformats.org/officeDocument/2006/relationships" xmlns:p="http://schemas.openxmlformats.org/presentationml/2006/main" showMasterSp="0" type="tx">
+<p:sldLayout xmlns:a="http://schemas.openxmlformats.org/drawingml/2006/main" xmlns:r="http://schemas.openxmlformats.org/officeDocument/2006/relationships" xmlns:p="http://schemas.openxmlformats.org/presentationml/2006/main" xmlns:m="http://schemas.openxmlformats.org/officeDocument/2006/math" xmlns:a14="http://schemas.microsoft.com/office/drawing/2010/main" type="tx" showMasterSp="0" showMasterPhAnim="1">
   <p:cSld name="Bullets">
     <p:spTree>
       <p:nvGrpSpPr>
@@ -2425,9 +2346,7 @@
       <p:sp>
         <p:nvSpPr>
           <p:cNvPr id="89" name="Body Level One…"/>
-          <p:cNvSpPr txBox="1">
-            <a:spLocks noGrp="1"/>
-          </p:cNvSpPr>
+          <p:cNvSpPr txBox="1"/>
           <p:nvPr>
             <p:ph type="body" idx="1"/>
           </p:nvPr>
@@ -2445,6 +2364,7 @@
           <a:bodyPr/>
           <a:lstStyle/>
           <a:p>
+            <a:pPr/>
             <a:r>
               <a:t>Body Level One</a:t>
             </a:r>
@@ -2478,9 +2398,7 @@
       <p:sp>
         <p:nvSpPr>
           <p:cNvPr id="90" name="Slide Number"/>
-          <p:cNvSpPr txBox="1">
-            <a:spLocks noGrp="1"/>
-          </p:cNvSpPr>
+          <p:cNvSpPr txBox="1"/>
           <p:nvPr>
             <p:ph type="sldNum" sz="quarter" idx="2"/>
           </p:nvPr>
@@ -2494,10 +2412,8 @@
           <a:bodyPr/>
           <a:lstStyle/>
           <a:p>
-            <a:fld id="{86CB4B4D-7CA3-9044-876B-883B54F8677D}" type="slidenum">
-              <a:t>‹#›</a:t>
-            </a:fld>
-            <a:endParaRPr/>
+            <a:pPr/>
+            <a:fld id="{86CB4B4D-7CA3-9044-876B-883B54F8677D}" type="slidenum"/>
           </a:p>
         </p:txBody>
       </p:sp>
@@ -2506,12 +2422,12 @@
   <p:clrMapOvr>
     <a:masterClrMapping/>
   </p:clrMapOvr>
-  <p:transition spd="med"/>
+  <p:transition xmlns:p14="http://schemas.microsoft.com/office/powerpoint/2010/main" spd="med" advClick="1"/>
 </p:sldLayout>
 </file>
 
 <file path=ppt/slideLayouts/slideLayout9.xml><?xml version="1.0" encoding="utf-8"?>
-<p:sldLayout xmlns:a="http://schemas.openxmlformats.org/drawingml/2006/main" xmlns:r="http://schemas.openxmlformats.org/officeDocument/2006/relationships" xmlns:p="http://schemas.openxmlformats.org/presentationml/2006/main" showMasterSp="0" type="tx">
+<p:sldLayout xmlns:a="http://schemas.openxmlformats.org/drawingml/2006/main" xmlns:r="http://schemas.openxmlformats.org/officeDocument/2006/relationships" xmlns:p="http://schemas.openxmlformats.org/presentationml/2006/main" xmlns:m="http://schemas.openxmlformats.org/officeDocument/2006/math" xmlns:a14="http://schemas.microsoft.com/office/drawing/2010/main" type="tx" showMasterSp="0" showMasterPhAnim="1">
   <p:cSld name="Photo - 3 Up">
     <p:spTree>
       <p:nvGrpSpPr>
@@ -2530,9 +2446,7 @@
       <p:sp>
         <p:nvSpPr>
           <p:cNvPr id="97" name="Image"/>
-          <p:cNvSpPr>
-            <a:spLocks noGrp="1"/>
-          </p:cNvSpPr>
+          <p:cNvSpPr/>
           <p:nvPr>
             <p:ph type="pic" sz="quarter" idx="13"/>
           </p:nvPr>
@@ -2555,16 +2469,14 @@
           </a:bodyPr>
           <a:lstStyle/>
           <a:p>
-            <a:endParaRPr/>
+            <a:pPr/>
           </a:p>
         </p:txBody>
       </p:sp>
       <p:sp>
         <p:nvSpPr>
           <p:cNvPr id="98" name="Image"/>
-          <p:cNvSpPr>
-            <a:spLocks noGrp="1"/>
-          </p:cNvSpPr>
+          <p:cNvSpPr/>
           <p:nvPr>
             <p:ph type="pic" sz="quarter" idx="14"/>
           </p:nvPr>
@@ -2587,16 +2499,14 @@
           </a:bodyPr>
           <a:lstStyle/>
           <a:p>
-            <a:endParaRPr/>
+            <a:pPr/>
           </a:p>
         </p:txBody>
       </p:sp>
       <p:sp>
         <p:nvSpPr>
           <p:cNvPr id="99" name="Image"/>
-          <p:cNvSpPr>
-            <a:spLocks noGrp="1"/>
-          </p:cNvSpPr>
+          <p:cNvSpPr/>
           <p:nvPr>
             <p:ph type="pic" sz="half" idx="15"/>
           </p:nvPr>
@@ -2619,16 +2529,14 @@
           </a:bodyPr>
           <a:lstStyle/>
           <a:p>
-            <a:endParaRPr/>
+            <a:pPr/>
           </a:p>
         </p:txBody>
       </p:sp>
       <p:sp>
         <p:nvSpPr>
           <p:cNvPr id="100" name="Slide Number"/>
-          <p:cNvSpPr txBox="1">
-            <a:spLocks noGrp="1"/>
-          </p:cNvSpPr>
+          <p:cNvSpPr txBox="1"/>
           <p:nvPr>
             <p:ph type="sldNum" sz="quarter" idx="2"/>
           </p:nvPr>
@@ -2642,10 +2550,8 @@
           <a:bodyPr/>
           <a:lstStyle/>
           <a:p>
-            <a:fld id="{86CB4B4D-7CA3-9044-876B-883B54F8677D}" type="slidenum">
-              <a:t>‹#›</a:t>
-            </a:fld>
-            <a:endParaRPr/>
+            <a:pPr/>
+            <a:fld id="{86CB4B4D-7CA3-9044-876B-883B54F8677D}" type="slidenum"/>
           </a:p>
         </p:txBody>
       </p:sp>
@@ -2654,23 +2560,22 @@
   <p:clrMapOvr>
     <a:masterClrMapping/>
   </p:clrMapOvr>
-  <p:transition spd="med"/>
+  <p:transition xmlns:p14="http://schemas.microsoft.com/office/powerpoint/2010/main" spd="med" advClick="1"/>
 </p:sldLayout>
 </file>
 
 <file path=ppt/slideMasters/slideMaster1.xml><?xml version="1.0" encoding="utf-8"?>
-<p:sldMaster xmlns:a="http://schemas.openxmlformats.org/drawingml/2006/main" xmlns:r="http://schemas.openxmlformats.org/officeDocument/2006/relationships" xmlns:p="http://schemas.openxmlformats.org/presentationml/2006/main">
+<p:sldMaster xmlns:a="http://schemas.openxmlformats.org/drawingml/2006/main" xmlns:r="http://schemas.openxmlformats.org/officeDocument/2006/relationships" xmlns:p="http://schemas.openxmlformats.org/presentationml/2006/main" xmlns:m="http://schemas.openxmlformats.org/officeDocument/2006/math" xmlns:a14="http://schemas.microsoft.com/office/drawing/2010/main">
   <p:cSld>
     <p:bg>
       <p:bgPr>
         <a:blipFill rotWithShape="1">
-          <a:blip r:embed="rId14"/>
-          <a:srcRect/>
+          <a:blip r:embed="rId2"/>
+          <a:srcRect l="0" t="0" r="0" b="0"/>
           <a:stretch>
             <a:fillRect/>
           </a:stretch>
         </a:blipFill>
-        <a:effectLst/>
       </p:bgPr>
     </p:bg>
     <p:spTree>
@@ -2725,7 +2630,6 @@
                 <a:sym typeface="Helvetica"/>
               </a:defRPr>
             </a:pPr>
-            <a:endParaRPr/>
           </a:p>
         </p:txBody>
       </p:sp>
@@ -2767,16 +2671,13 @@
                 <a:sym typeface="Helvetica"/>
               </a:defRPr>
             </a:pPr>
-            <a:endParaRPr/>
           </a:p>
         </p:txBody>
       </p:sp>
       <p:sp>
         <p:nvSpPr>
           <p:cNvPr id="4" name="Title Text"/>
-          <p:cNvSpPr txBox="1">
-            <a:spLocks noGrp="1"/>
-          </p:cNvSpPr>
+          <p:cNvSpPr txBox="1"/>
           <p:nvPr>
             <p:ph type="title"/>
           </p:nvPr>
@@ -2794,16 +2695,17 @@
           </a:ln>
           <a:extLst>
             <a:ext uri="{C572A759-6A51-4108-AA02-DFA0A04FC94B}">
-              <ma14:wrappingTextBoxFlag xmlns:ma14="http://schemas.microsoft.com/office/mac/drawingml/2011/main" xmlns:a14="http://schemas.microsoft.com/office/drawing/2010/main" xmlns:m="http://schemas.openxmlformats.org/officeDocument/2006/math" xmlns="" val="1"/>
+              <ma14:wrappingTextBoxFlag xmlns:ma14="http://schemas.microsoft.com/office/mac/drawingml/2011/main" val="1"/>
             </a:ext>
           </a:extLst>
         </p:spPr>
         <p:txBody>
           <a:bodyPr lIns="50800" tIns="50800" rIns="50800" bIns="50800" anchor="ctr">
-            <a:normAutofit/>
+            <a:normAutofit fontScale="100000" lnSpcReduction="0"/>
           </a:bodyPr>
           <a:lstStyle/>
           <a:p>
+            <a:pPr/>
             <a:r>
               <a:t>Title Text</a:t>
             </a:r>
@@ -2813,9 +2715,7 @@
       <p:sp>
         <p:nvSpPr>
           <p:cNvPr id="5" name="Body Level One…"/>
-          <p:cNvSpPr txBox="1">
-            <a:spLocks noGrp="1"/>
-          </p:cNvSpPr>
+          <p:cNvSpPr txBox="1"/>
           <p:nvPr>
             <p:ph type="body" idx="1"/>
           </p:nvPr>
@@ -2833,16 +2733,17 @@
           </a:ln>
           <a:extLst>
             <a:ext uri="{C572A759-6A51-4108-AA02-DFA0A04FC94B}">
-              <ma14:wrappingTextBoxFlag xmlns:ma14="http://schemas.microsoft.com/office/mac/drawingml/2011/main" xmlns:a14="http://schemas.microsoft.com/office/drawing/2010/main" xmlns:m="http://schemas.openxmlformats.org/officeDocument/2006/math" xmlns="" val="1"/>
+              <ma14:wrappingTextBoxFlag xmlns:ma14="http://schemas.microsoft.com/office/mac/drawingml/2011/main" val="1"/>
             </a:ext>
           </a:extLst>
         </p:spPr>
         <p:txBody>
           <a:bodyPr lIns="50800" tIns="50800" rIns="50800" bIns="50800" anchor="ctr">
-            <a:normAutofit/>
+            <a:normAutofit fontScale="100000" lnSpcReduction="0"/>
           </a:bodyPr>
           <a:lstStyle/>
           <a:p>
+            <a:pPr/>
             <a:r>
               <a:t>Body Level One</a:t>
             </a:r>
@@ -2876,9 +2777,7 @@
       <p:sp>
         <p:nvSpPr>
           <p:cNvPr id="6" name="Slide Number"/>
-          <p:cNvSpPr txBox="1">
-            <a:spLocks noGrp="1"/>
-          </p:cNvSpPr>
+          <p:cNvSpPr txBox="1"/>
           <p:nvPr>
             <p:ph type="sldNum" sz="quarter" idx="2"/>
           </p:nvPr>
@@ -2909,10 +2808,8 @@
             </a:lvl1pPr>
           </a:lstStyle>
           <a:p>
-            <a:fld id="{86CB4B4D-7CA3-9044-876B-883B54F8677D}" type="slidenum">
-              <a:t>‹#›</a:t>
-            </a:fld>
-            <a:endParaRPr/>
+            <a:pPr/>
+            <a:fld id="{86CB4B4D-7CA3-9044-876B-883B54F8677D}" type="slidenum"/>
           </a:p>
         </p:txBody>
       </p:sp>
@@ -2920,20 +2817,20 @@
   </p:cSld>
   <p:clrMap bg1="lt1" tx1="dk1" bg2="lt2" tx2="dk2" accent1="accent1" accent2="accent2" accent3="accent3" accent4="accent4" accent5="accent5" accent6="accent6" hlink="hlink" folHlink="folHlink"/>
   <p:sldLayoutIdLst>
-    <p:sldLayoutId id="2147483649" r:id="rId1"/>
-    <p:sldLayoutId id="2147483650" r:id="rId2"/>
-    <p:sldLayoutId id="2147483651" r:id="rId3"/>
-    <p:sldLayoutId id="2147483652" r:id="rId4"/>
-    <p:sldLayoutId id="2147483653" r:id="rId5"/>
-    <p:sldLayoutId id="2147483654" r:id="rId6"/>
-    <p:sldLayoutId id="2147483655" r:id="rId7"/>
-    <p:sldLayoutId id="2147483656" r:id="rId8"/>
-    <p:sldLayoutId id="2147483657" r:id="rId9"/>
-    <p:sldLayoutId id="2147483658" r:id="rId10"/>
-    <p:sldLayoutId id="2147483659" r:id="rId11"/>
-    <p:sldLayoutId id="2147483660" r:id="rId12"/>
+    <p:sldLayoutId id="2147483649" r:id="rId3"/>
+    <p:sldLayoutId id="2147483650" r:id="rId4"/>
+    <p:sldLayoutId id="2147483651" r:id="rId5"/>
+    <p:sldLayoutId id="2147483652" r:id="rId6"/>
+    <p:sldLayoutId id="2147483653" r:id="rId7"/>
+    <p:sldLayoutId id="2147483654" r:id="rId8"/>
+    <p:sldLayoutId id="2147483655" r:id="rId9"/>
+    <p:sldLayoutId id="2147483656" r:id="rId10"/>
+    <p:sldLayoutId id="2147483657" r:id="rId11"/>
+    <p:sldLayoutId id="2147483658" r:id="rId12"/>
+    <p:sldLayoutId id="2147483659" r:id="rId13"/>
+    <p:sldLayoutId id="2147483660" r:id="rId14"/>
   </p:sldLayoutIdLst>
-  <p:transition spd="med"/>
+  <p:transition xmlns:p14="http://schemas.microsoft.com/office/powerpoint/2010/main" spd="med" advClick="1"/>
   <p:txStyles>
     <p:titleStyle>
       <a:lvl1pPr marL="0" marR="0" indent="0" algn="ctr" defTabSz="584200" rtl="0" latinLnBrk="0">
@@ -2951,7 +2848,7 @@
         <a:buFontTx/>
         <a:buNone/>
         <a:tabLst/>
-        <a:defRPr sz="7000" b="0" i="0" u="none" strike="noStrike" cap="none" spc="0" baseline="0">
+        <a:defRPr b="0" baseline="0" cap="none" i="0" spc="0" strike="noStrike" sz="7000" u="none">
           <a:ln>
             <a:noFill/>
           </a:ln>
@@ -2980,7 +2877,7 @@
         <a:buFontTx/>
         <a:buNone/>
         <a:tabLst/>
-        <a:defRPr sz="7000" b="0" i="0" u="none" strike="noStrike" cap="none" spc="0" baseline="0">
+        <a:defRPr b="0" baseline="0" cap="none" i="0" spc="0" strike="noStrike" sz="7000" u="none">
           <a:ln>
             <a:noFill/>
           </a:ln>
@@ -3009,7 +2906,7 @@
         <a:buFontTx/>
         <a:buNone/>
         <a:tabLst/>
-        <a:defRPr sz="7000" b="0" i="0" u="none" strike="noStrike" cap="none" spc="0" baseline="0">
+        <a:defRPr b="0" baseline="0" cap="none" i="0" spc="0" strike="noStrike" sz="7000" u="none">
           <a:ln>
             <a:noFill/>
           </a:ln>
@@ -3038,7 +2935,7 @@
         <a:buFontTx/>
         <a:buNone/>
         <a:tabLst/>
-        <a:defRPr sz="7000" b="0" i="0" u="none" strike="noStrike" cap="none" spc="0" baseline="0">
+        <a:defRPr b="0" baseline="0" cap="none" i="0" spc="0" strike="noStrike" sz="7000" u="none">
           <a:ln>
             <a:noFill/>
           </a:ln>
@@ -3067,7 +2964,7 @@
         <a:buFontTx/>
         <a:buNone/>
         <a:tabLst/>
-        <a:defRPr sz="7000" b="0" i="0" u="none" strike="noStrike" cap="none" spc="0" baseline="0">
+        <a:defRPr b="0" baseline="0" cap="none" i="0" spc="0" strike="noStrike" sz="7000" u="none">
           <a:ln>
             <a:noFill/>
           </a:ln>
@@ -3096,7 +2993,7 @@
         <a:buFontTx/>
         <a:buNone/>
         <a:tabLst/>
-        <a:defRPr sz="7000" b="0" i="0" u="none" strike="noStrike" cap="none" spc="0" baseline="0">
+        <a:defRPr b="0" baseline="0" cap="none" i="0" spc="0" strike="noStrike" sz="7000" u="none">
           <a:ln>
             <a:noFill/>
           </a:ln>
@@ -3125,7 +3022,7 @@
         <a:buFontTx/>
         <a:buNone/>
         <a:tabLst/>
-        <a:defRPr sz="7000" b="0" i="0" u="none" strike="noStrike" cap="none" spc="0" baseline="0">
+        <a:defRPr b="0" baseline="0" cap="none" i="0" spc="0" strike="noStrike" sz="7000" u="none">
           <a:ln>
             <a:noFill/>
           </a:ln>
@@ -3154,7 +3051,7 @@
         <a:buFontTx/>
         <a:buNone/>
         <a:tabLst/>
-        <a:defRPr sz="7000" b="0" i="0" u="none" strike="noStrike" cap="none" spc="0" baseline="0">
+        <a:defRPr b="0" baseline="0" cap="none" i="0" spc="0" strike="noStrike" sz="7000" u="none">
           <a:ln>
             <a:noFill/>
           </a:ln>
@@ -3183,7 +3080,7 @@
         <a:buFontTx/>
         <a:buNone/>
         <a:tabLst/>
-        <a:defRPr sz="7000" b="0" i="0" u="none" strike="noStrike" cap="none" spc="0" baseline="0">
+        <a:defRPr b="0" baseline="0" cap="none" i="0" spc="0" strike="noStrike" sz="7000" u="none">
           <a:ln>
             <a:noFill/>
           </a:ln>
@@ -3216,7 +3113,7 @@
         <a:buFont typeface="Zapf Dingbats"/>
         <a:buChar char="❖"/>
         <a:tabLst/>
-        <a:defRPr sz="3600" b="0" i="0" u="none" strike="noStrike" cap="none" spc="0" baseline="0">
+        <a:defRPr b="0" baseline="0" cap="none" i="0" spc="0" strike="noStrike" sz="3600" u="none">
           <a:ln>
             <a:noFill/>
           </a:ln>
@@ -3247,7 +3144,7 @@
         <a:buFont typeface="Zapf Dingbats"/>
         <a:buChar char="❖"/>
         <a:tabLst/>
-        <a:defRPr sz="3600" b="0" i="0" u="none" strike="noStrike" cap="none" spc="0" baseline="0">
+        <a:defRPr b="0" baseline="0" cap="none" i="0" spc="0" strike="noStrike" sz="3600" u="none">
           <a:ln>
             <a:noFill/>
           </a:ln>
@@ -3278,7 +3175,7 @@
         <a:buFont typeface="Zapf Dingbats"/>
         <a:buChar char="❖"/>
         <a:tabLst/>
-        <a:defRPr sz="3600" b="0" i="0" u="none" strike="noStrike" cap="none" spc="0" baseline="0">
+        <a:defRPr b="0" baseline="0" cap="none" i="0" spc="0" strike="noStrike" sz="3600" u="none">
           <a:ln>
             <a:noFill/>
           </a:ln>
@@ -3309,7 +3206,7 @@
         <a:buFont typeface="Zapf Dingbats"/>
         <a:buChar char="❖"/>
         <a:tabLst/>
-        <a:defRPr sz="3600" b="0" i="0" u="none" strike="noStrike" cap="none" spc="0" baseline="0">
+        <a:defRPr b="0" baseline="0" cap="none" i="0" spc="0" strike="noStrike" sz="3600" u="none">
           <a:ln>
             <a:noFill/>
           </a:ln>
@@ -3340,7 +3237,7 @@
         <a:buFont typeface="Zapf Dingbats"/>
         <a:buChar char="❖"/>
         <a:tabLst/>
-        <a:defRPr sz="3600" b="0" i="0" u="none" strike="noStrike" cap="none" spc="0" baseline="0">
+        <a:defRPr b="0" baseline="0" cap="none" i="0" spc="0" strike="noStrike" sz="3600" u="none">
           <a:ln>
             <a:noFill/>
           </a:ln>
@@ -3371,7 +3268,7 @@
         <a:buFont typeface="Zapf Dingbats"/>
         <a:buChar char="❖"/>
         <a:tabLst/>
-        <a:defRPr sz="3600" b="0" i="0" u="none" strike="noStrike" cap="none" spc="0" baseline="0">
+        <a:defRPr b="0" baseline="0" cap="none" i="0" spc="0" strike="noStrike" sz="3600" u="none">
           <a:ln>
             <a:noFill/>
           </a:ln>
@@ -3402,7 +3299,7 @@
         <a:buFont typeface="Zapf Dingbats"/>
         <a:buChar char="❖"/>
         <a:tabLst/>
-        <a:defRPr sz="3600" b="0" i="0" u="none" strike="noStrike" cap="none" spc="0" baseline="0">
+        <a:defRPr b="0" baseline="0" cap="none" i="0" spc="0" strike="noStrike" sz="3600" u="none">
           <a:ln>
             <a:noFill/>
           </a:ln>
@@ -3433,7 +3330,7 @@
         <a:buFont typeface="Zapf Dingbats"/>
         <a:buChar char="❖"/>
         <a:tabLst/>
-        <a:defRPr sz="3600" b="0" i="0" u="none" strike="noStrike" cap="none" spc="0" baseline="0">
+        <a:defRPr b="0" baseline="0" cap="none" i="0" spc="0" strike="noStrike" sz="3600" u="none">
           <a:ln>
             <a:noFill/>
           </a:ln>
@@ -3464,7 +3361,7 @@
         <a:buFont typeface="Zapf Dingbats"/>
         <a:buChar char="❖"/>
         <a:tabLst/>
-        <a:defRPr sz="3600" b="0" i="0" u="none" strike="noStrike" cap="none" spc="0" baseline="0">
+        <a:defRPr b="0" baseline="0" cap="none" i="0" spc="0" strike="noStrike" sz="3600" u="none">
           <a:ln>
             <a:noFill/>
           </a:ln>
@@ -3495,7 +3392,7 @@
         <a:buFontTx/>
         <a:buNone/>
         <a:tabLst/>
-        <a:defRPr sz="1800" b="0" i="0" u="none" strike="noStrike" cap="none" spc="0" baseline="0">
+        <a:defRPr b="0" baseline="0" cap="none" i="0" spc="0" strike="noStrike" sz="1800" u="none">
           <a:ln>
             <a:noFill/>
           </a:ln>
@@ -3524,7 +3421,7 @@
         <a:buFontTx/>
         <a:buNone/>
         <a:tabLst/>
-        <a:defRPr sz="1800" b="0" i="0" u="none" strike="noStrike" cap="none" spc="0" baseline="0">
+        <a:defRPr b="0" baseline="0" cap="none" i="0" spc="0" strike="noStrike" sz="1800" u="none">
           <a:ln>
             <a:noFill/>
           </a:ln>
@@ -3553,7 +3450,7 @@
         <a:buFontTx/>
         <a:buNone/>
         <a:tabLst/>
-        <a:defRPr sz="1800" b="0" i="0" u="none" strike="noStrike" cap="none" spc="0" baseline="0">
+        <a:defRPr b="0" baseline="0" cap="none" i="0" spc="0" strike="noStrike" sz="1800" u="none">
           <a:ln>
             <a:noFill/>
           </a:ln>
@@ -3582,7 +3479,7 @@
         <a:buFontTx/>
         <a:buNone/>
         <a:tabLst/>
-        <a:defRPr sz="1800" b="0" i="0" u="none" strike="noStrike" cap="none" spc="0" baseline="0">
+        <a:defRPr b="0" baseline="0" cap="none" i="0" spc="0" strike="noStrike" sz="1800" u="none">
           <a:ln>
             <a:noFill/>
           </a:ln>
@@ -3611,7 +3508,7 @@
         <a:buFontTx/>
         <a:buNone/>
         <a:tabLst/>
-        <a:defRPr sz="1800" b="0" i="0" u="none" strike="noStrike" cap="none" spc="0" baseline="0">
+        <a:defRPr b="0" baseline="0" cap="none" i="0" spc="0" strike="noStrike" sz="1800" u="none">
           <a:ln>
             <a:noFill/>
           </a:ln>
@@ -3640,7 +3537,7 @@
         <a:buFontTx/>
         <a:buNone/>
         <a:tabLst/>
-        <a:defRPr sz="1800" b="0" i="0" u="none" strike="noStrike" cap="none" spc="0" baseline="0">
+        <a:defRPr b="0" baseline="0" cap="none" i="0" spc="0" strike="noStrike" sz="1800" u="none">
           <a:ln>
             <a:noFill/>
           </a:ln>
@@ -3669,7 +3566,7 @@
         <a:buFontTx/>
         <a:buNone/>
         <a:tabLst/>
-        <a:defRPr sz="1800" b="0" i="0" u="none" strike="noStrike" cap="none" spc="0" baseline="0">
+        <a:defRPr b="0" baseline="0" cap="none" i="0" spc="0" strike="noStrike" sz="1800" u="none">
           <a:ln>
             <a:noFill/>
           </a:ln>
@@ -3698,7 +3595,7 @@
         <a:buFontTx/>
         <a:buNone/>
         <a:tabLst/>
-        <a:defRPr sz="1800" b="0" i="0" u="none" strike="noStrike" cap="none" spc="0" baseline="0">
+        <a:defRPr b="0" baseline="0" cap="none" i="0" spc="0" strike="noStrike" sz="1800" u="none">
           <a:ln>
             <a:noFill/>
           </a:ln>
@@ -3727,7 +3624,7 @@
         <a:buFontTx/>
         <a:buNone/>
         <a:tabLst/>
-        <a:defRPr sz="1800" b="0" i="0" u="none" strike="noStrike" cap="none" spc="0" baseline="0">
+        <a:defRPr b="0" baseline="0" cap="none" i="0" spc="0" strike="noStrike" sz="1800" u="none">
           <a:ln>
             <a:noFill/>
           </a:ln>
@@ -3747,7 +3644,7 @@
 </file>
 
 <file path=ppt/slides/slide1.xml><?xml version="1.0" encoding="utf-8"?>
-<p:sld xmlns:a="http://schemas.openxmlformats.org/drawingml/2006/main" xmlns:r="http://schemas.openxmlformats.org/officeDocument/2006/relationships" xmlns:p="http://schemas.openxmlformats.org/presentationml/2006/main">
+<p:sld xmlns:a="http://schemas.openxmlformats.org/drawingml/2006/main" xmlns:r="http://schemas.openxmlformats.org/officeDocument/2006/relationships" xmlns:p="http://schemas.openxmlformats.org/presentationml/2006/main" xmlns:m="http://schemas.openxmlformats.org/officeDocument/2006/math" xmlns:a14="http://schemas.microsoft.com/office/drawing/2010/main" showMasterSp="1" showMasterPhAnim="1">
   <p:cSld>
     <p:spTree>
       <p:nvGrpSpPr>
@@ -3766,9 +3663,7 @@
       <p:sp>
         <p:nvSpPr>
           <p:cNvPr id="133" name="Chicago Crime rate"/>
-          <p:cNvSpPr txBox="1">
-            <a:spLocks noGrp="1"/>
-          </p:cNvSpPr>
+          <p:cNvSpPr txBox="1"/>
           <p:nvPr>
             <p:ph type="ctrTitle"/>
           </p:nvPr>
@@ -3786,6 +3681,7 @@
           <a:bodyPr/>
           <a:lstStyle/>
           <a:p>
+            <a:pPr/>
             <a:r>
               <a:t>Chicago Crime rate</a:t>
             </a:r>
@@ -3795,9 +3691,7 @@
       <p:sp>
         <p:nvSpPr>
           <p:cNvPr id="134" name="How Socioeconomic factors influence the crime rate"/>
-          <p:cNvSpPr txBox="1">
-            <a:spLocks noGrp="1"/>
-          </p:cNvSpPr>
+          <p:cNvSpPr txBox="1"/>
           <p:nvPr>
             <p:ph type="subTitle" sz="quarter" idx="1"/>
           </p:nvPr>
@@ -3819,7 +3713,7 @@
                   <a:srgbClr val="FFFFFF"/>
                 </a:solidFill>
                 <a:effectLst>
-                  <a:outerShdw blurRad="25400" dist="33948" dir="2700000" rotWithShape="0">
+                  <a:outerShdw sx="100000" sy="100000" kx="0" ky="0" algn="b" rotWithShape="0" blurRad="25400" dist="33948" dir="2700000">
                     <a:srgbClr val="3B3936"/>
                   </a:outerShdw>
                 </a:effectLst>
@@ -3827,6 +3721,7 @@
             </a:lvl1pPr>
           </a:lstStyle>
           <a:p>
+            <a:pPr/>
             <a:r>
               <a:t>How Socioeconomic factors influence the crime rate</a:t>
             </a:r>
@@ -3864,7 +3759,7 @@
             </a:cxnLst>
             <a:rect l="0" t="0" r="r" b="b"/>
             <a:pathLst>
-              <a:path w="21600" h="21600" extrusionOk="0">
+              <a:path w="21600" h="21600" fill="norm" stroke="1" extrusionOk="0">
                 <a:moveTo>
                   <a:pt x="9497" y="0"/>
                 </a:moveTo>
@@ -4003,13 +3898,12 @@
                   <a:srgbClr val="FFFFFF"/>
                 </a:solidFill>
                 <a:effectLst>
-                  <a:outerShdw blurRad="25400" dist="33948" dir="2700000" rotWithShape="0">
+                  <a:outerShdw sx="100000" sy="100000" kx="0" ky="0" algn="b" rotWithShape="0" blurRad="25400" dist="33948" dir="2700000">
                     <a:srgbClr val="3B3936"/>
                   </a:outerShdw>
                 </a:effectLst>
               </a:defRPr>
             </a:pPr>
-            <a:endParaRPr/>
           </a:p>
         </p:txBody>
       </p:sp>
@@ -4018,14 +3912,14 @@
   <p:clrMapOvr>
     <a:masterClrMapping/>
   </p:clrMapOvr>
-  <p:transition spd="med"/>
+  <p:transition xmlns:p14="http://schemas.microsoft.com/office/powerpoint/2010/main" spd="med" advClick="1"/>
   <p:timing>
     <p:tnLst>
       <p:par>
-        <p:cTn id="1" dur="indefinite" restart="never" fill="hold" nodeType="tmRoot">
+        <p:cTn id="1" nodeType="tmRoot" restart="never" dur="indefinite" fill="hold">
           <p:childTnLst>
             <p:seq concurrent="1" prevAc="none" nextAc="seek">
-              <p:cTn id="2" dur="indefinite" fill="hold" nodeType="mainSeq">
+              <p:cTn id="2" nodeType="mainSeq" dur="indefinite" fill="hold">
                 <p:childTnLst>
                   <p:par>
                     <p:cTn id="3" fill="hold">
@@ -4040,11 +3934,11 @@
                             </p:stCondLst>
                             <p:childTnLst>
                               <p:par>
-                                <p:cTn id="5" presetID="9" presetClass="entr" fill="hold" grpId="1" nodeType="clickEffect">
+                                <p:cTn id="5" presetClass="entr" nodeType="clickEffect" presetID="9" grpId="1" fill="hold">
                                   <p:stCondLst>
                                     <p:cond delay="0"/>
                                   </p:stCondLst>
-                                  <p:iterate>
+                                  <p:iterate type="el" backwards="0">
                                     <p:tmAbs val="0"/>
                                   </p:iterate>
                                   <p:childTnLst>
@@ -4062,7 +3956,7 @@
                                         <p:strVal val="visible"/>
                                       </p:to>
                                     </p:set>
-                                    <p:animEffect transition="in" filter="dissolve">
+                                    <p:animEffect filter="dissolve" transition="in">
                                       <p:cBhvr>
                                         <p:cTn id="7" dur="2750"/>
                                         <p:tgtEl>
@@ -4092,11 +3986,11 @@
                             </p:stCondLst>
                             <p:childTnLst>
                               <p:par>
-                                <p:cTn id="10" presetID="2" presetClass="entr" presetSubtype="8" fill="hold" grpId="2" nodeType="clickEffect">
+                                <p:cTn id="10" presetClass="entr" nodeType="clickEffect" presetSubtype="8" presetID="2" grpId="2" fill="hold">
                                   <p:stCondLst>
                                     <p:cond delay="0"/>
                                   </p:stCondLst>
-                                  <p:iterate type="lt">
+                                  <p:iterate type="lt" backwards="0">
                                     <p:tmAbs val="0"/>
                                   </p:iterate>
                                   <p:childTnLst>
@@ -4182,11 +4076,11 @@
                             </p:stCondLst>
                             <p:childTnLst>
                               <p:par>
-                                <p:cTn id="16" presetID="9" presetClass="entr" fill="hold" grpId="3" nodeType="clickEffect">
+                                <p:cTn id="16" presetClass="entr" nodeType="clickEffect" presetID="9" grpId="3" fill="hold">
                                   <p:stCondLst>
                                     <p:cond delay="0"/>
                                   </p:stCondLst>
-                                  <p:iterate>
+                                  <p:iterate type="el" backwards="0">
                                     <p:tmAbs val="0"/>
                                   </p:iterate>
                                   <p:childTnLst>
@@ -4204,7 +4098,7 @@
                                         <p:strVal val="visible"/>
                                       </p:to>
                                     </p:set>
-                                    <p:animEffect transition="in" filter="dissolve">
+                                    <p:animEffect filter="dissolve" transition="in">
                                       <p:cBhvr>
                                         <p:cTn id="18" dur="500"/>
                                         <p:tgtEl>
@@ -4224,14 +4118,14 @@
                 </p:childTnLst>
               </p:cTn>
               <p:prevCondLst>
-                <p:cond evt="onPrev" delay="0">
+                <p:cond evt="onPrev">
                   <p:tgtEl>
                     <p:sldTgt/>
                   </p:tgtEl>
                 </p:cond>
               </p:prevCondLst>
               <p:nextCondLst>
-                <p:cond evt="onNext" delay="0">
+                <p:cond evt="onNext">
                   <p:tgtEl>
                     <p:sldTgt/>
                   </p:tgtEl>
@@ -4243,16 +4137,16 @@
       </p:par>
     </p:tnLst>
     <p:bldLst>
-      <p:bldP spid="133" grpId="2" animBg="1" advAuto="0"/>
-      <p:bldP spid="134" grpId="3" animBg="1" advAuto="0"/>
-      <p:bldP spid="135" grpId="1" animBg="1" advAuto="0"/>
+      <p:bldP build="whole" bldLvl="1" animBg="1" rev="0" advAuto="0" spid="134" grpId="3"/>
+      <p:bldP build="whole" bldLvl="1" animBg="1" rev="0" advAuto="0" spid="135" grpId="1"/>
+      <p:bldP build="whole" bldLvl="1" animBg="1" rev="0" advAuto="0" spid="133" grpId="2"/>
     </p:bldLst>
   </p:timing>
 </p:sld>
 </file>
 
 <file path=ppt/slides/slide10.xml><?xml version="1.0" encoding="utf-8"?>
-<p:sld xmlns:a="http://schemas.openxmlformats.org/drawingml/2006/main" xmlns:r="http://schemas.openxmlformats.org/officeDocument/2006/relationships" xmlns:p="http://schemas.openxmlformats.org/presentationml/2006/main">
+<p:sld xmlns:a="http://schemas.openxmlformats.org/drawingml/2006/main" xmlns:r="http://schemas.openxmlformats.org/officeDocument/2006/relationships" xmlns:p="http://schemas.openxmlformats.org/presentationml/2006/main" xmlns:m="http://schemas.openxmlformats.org/officeDocument/2006/math" xmlns:a14="http://schemas.microsoft.com/office/drawing/2010/main" showMasterSp="1" showMasterPhAnim="1">
   <p:cSld>
     <p:spTree>
       <p:nvGrpSpPr>
@@ -4268,62 +4162,46 @@
           <a:chExt cx="0" cy="0"/>
         </a:xfrm>
       </p:grpSpPr>
+      <p:pic>
+        <p:nvPicPr>
+          <p:cNvPr id="167" name="FrequencyOfCrimesPerYear.png" descr="FrequencyOfCrimesPerYear.png"/>
+          <p:cNvPicPr>
+            <a:picLocks noChangeAspect="0"/>
+          </p:cNvPicPr>
+          <p:nvPr>
+            <p:ph type="pic" idx="14"/>
+          </p:nvPr>
+        </p:nvPicPr>
+        <p:blipFill>
+          <a:blip r:embed="rId2">
+            <a:extLst/>
+          </a:blip>
+          <a:stretch>
+            <a:fillRect/>
+          </a:stretch>
+        </p:blipFill>
+        <p:spPr>
+          <a:xfrm>
+            <a:off x="-41806" y="17361"/>
+            <a:ext cx="13088412" cy="6789065"/>
+          </a:xfrm>
+          <a:prstGeom prst="rect">
+            <a:avLst/>
+          </a:prstGeom>
+        </p:spPr>
+      </p:pic>
       <p:sp>
         <p:nvSpPr>
-          <p:cNvPr id="167" name="Merging the Data to analyse and determine a relationship…"/>
-          <p:cNvSpPr txBox="1">
-            <a:spLocks noGrp="1"/>
-          </p:cNvSpPr>
+          <p:cNvPr id="168" name="Determined Frequency of Crimes per year"/>
+          <p:cNvSpPr txBox="1"/>
           <p:nvPr>
             <p:ph type="title"/>
           </p:nvPr>
         </p:nvSpPr>
         <p:spPr>
-          <a:prstGeom prst="rect">
-            <a:avLst/>
-          </a:prstGeom>
-        </p:spPr>
-        <p:txBody>
-          <a:bodyPr/>
-          <a:lstStyle/>
-          <a:p>
-            <a:pPr defTabSz="297941">
-              <a:spcBef>
-                <a:spcPts val="800"/>
-              </a:spcBef>
-              <a:defRPr sz="3570"/>
-            </a:pPr>
-            <a:r>
-              <a:t>Merging the Data to analyse and determine a relationship </a:t>
-            </a:r>
-          </a:p>
-          <a:p>
-            <a:pPr defTabSz="297941">
-              <a:spcBef>
-                <a:spcPts val="800"/>
-              </a:spcBef>
-              <a:defRPr sz="3570"/>
-            </a:pPr>
-            <a:r>
-              <a:t>Between Hardship Index and Theft</a:t>
-            </a:r>
-          </a:p>
-        </p:txBody>
-      </p:sp>
-      <p:sp>
-        <p:nvSpPr>
-          <p:cNvPr id="168" name="crime08 = df.loc[df[&quot;Year&quot;]==2008]…"/>
-          <p:cNvSpPr txBox="1">
-            <a:spLocks noGrp="1"/>
-          </p:cNvSpPr>
-          <p:nvPr>
-            <p:ph type="body" idx="1"/>
-          </p:nvPr>
-        </p:nvSpPr>
-        <p:spPr>
           <a:xfrm>
-            <a:off x="508000" y="2178050"/>
-            <a:ext cx="11988800" cy="7525031"/>
+            <a:off x="514350" y="6680200"/>
+            <a:ext cx="7200900" cy="2413000"/>
           </a:xfrm>
           <a:prstGeom prst="rect">
             <a:avLst/>
@@ -4331,627 +4209,19 @@
         </p:spPr>
         <p:txBody>
           <a:bodyPr/>
-          <a:lstStyle/>
-          <a:p>
-            <a:pPr marL="0" indent="0" algn="ctr">
+          <a:lstStyle>
+            <a:lvl1pPr defTabSz="531622">
               <a:spcBef>
-                <a:spcPts val="0"/>
+                <a:spcPts val="1400"/>
               </a:spcBef>
-              <a:buClrTx/>
-              <a:buSzTx/>
-              <a:buFontTx/>
-              <a:buNone/>
-              <a:defRPr sz="1600" b="1">
-                <a:solidFill>
-                  <a:srgbClr val="000000"/>
-                </a:solidFill>
-                <a:latin typeface="American Typewriter"/>
-                <a:ea typeface="American Typewriter"/>
-                <a:cs typeface="American Typewriter"/>
-                <a:sym typeface="American Typewriter"/>
-              </a:defRPr>
-            </a:pPr>
+              <a:defRPr sz="6370"/>
+            </a:lvl1pPr>
+          </a:lstStyle>
+          <a:p>
+            <a:pPr/>
             <a:r>
-              <a:rPr dirty="0"/>
-              <a:t>crime08 = </a:t>
+              <a:t>Determined Frequency of Crimes per year</a:t>
             </a:r>
-            <a:r>
-              <a:rPr dirty="0" err="1"/>
-              <a:t>df.loc</a:t>
-            </a:r>
-            <a:r>
-              <a:rPr dirty="0"/>
-              <a:t>[</a:t>
-            </a:r>
-            <a:r>
-              <a:rPr dirty="0" err="1"/>
-              <a:t>df</a:t>
-            </a:r>
-            <a:r>
-              <a:rPr dirty="0"/>
-              <a:t>["Year"]==2008]</a:t>
-            </a:r>
-          </a:p>
-          <a:p>
-            <a:pPr marL="0" indent="0" algn="ctr">
-              <a:spcBef>
-                <a:spcPts val="0"/>
-              </a:spcBef>
-              <a:buClrTx/>
-              <a:buSzTx/>
-              <a:buFontTx/>
-              <a:buNone/>
-              <a:defRPr sz="1600" b="1">
-                <a:solidFill>
-                  <a:srgbClr val="000000"/>
-                </a:solidFill>
-                <a:latin typeface="American Typewriter"/>
-                <a:ea typeface="American Typewriter"/>
-                <a:cs typeface="American Typewriter"/>
-                <a:sym typeface="American Typewriter"/>
-              </a:defRPr>
-            </a:pPr>
-            <a:r>
-              <a:rPr dirty="0"/>
-              <a:t>crime09 = </a:t>
-            </a:r>
-            <a:r>
-              <a:rPr dirty="0" err="1"/>
-              <a:t>df.loc</a:t>
-            </a:r>
-            <a:r>
-              <a:rPr dirty="0"/>
-              <a:t>[</a:t>
-            </a:r>
-            <a:r>
-              <a:rPr dirty="0" err="1"/>
-              <a:t>df</a:t>
-            </a:r>
-            <a:r>
-              <a:rPr dirty="0"/>
-              <a:t>[“Year"]==2009]</a:t>
-            </a:r>
-          </a:p>
-          <a:p>
-            <a:pPr marL="0" indent="0" algn="ctr">
-              <a:spcBef>
-                <a:spcPts val="0"/>
-              </a:spcBef>
-              <a:buClrTx/>
-              <a:buSzTx/>
-              <a:buFontTx/>
-              <a:buNone/>
-              <a:defRPr sz="1600" b="1">
-                <a:solidFill>
-                  <a:srgbClr val="000000"/>
-                </a:solidFill>
-                <a:latin typeface="American Typewriter"/>
-                <a:ea typeface="American Typewriter"/>
-                <a:cs typeface="American Typewriter"/>
-                <a:sym typeface="American Typewriter"/>
-              </a:defRPr>
-            </a:pPr>
-            <a:r>
-              <a:rPr dirty="0"/>
-              <a:t>crime10 = </a:t>
-            </a:r>
-            <a:r>
-              <a:rPr dirty="0" err="1"/>
-              <a:t>df.loc</a:t>
-            </a:r>
-            <a:r>
-              <a:rPr dirty="0"/>
-              <a:t>[</a:t>
-            </a:r>
-            <a:r>
-              <a:rPr dirty="0" err="1"/>
-              <a:t>df</a:t>
-            </a:r>
-            <a:r>
-              <a:rPr dirty="0"/>
-              <a:t>["Year"]==2010]</a:t>
-            </a:r>
-          </a:p>
-          <a:p>
-            <a:pPr marL="0" indent="0" algn="ctr">
-              <a:spcBef>
-                <a:spcPts val="0"/>
-              </a:spcBef>
-              <a:buClrTx/>
-              <a:buSzTx/>
-              <a:buFontTx/>
-              <a:buNone/>
-              <a:defRPr sz="1600" b="1">
-                <a:solidFill>
-                  <a:srgbClr val="000000"/>
-                </a:solidFill>
-                <a:latin typeface="American Typewriter"/>
-                <a:ea typeface="American Typewriter"/>
-                <a:cs typeface="American Typewriter"/>
-                <a:sym typeface="American Typewriter"/>
-              </a:defRPr>
-            </a:pPr>
-            <a:r>
-              <a:rPr dirty="0"/>
-              <a:t>crime11 = </a:t>
-            </a:r>
-            <a:r>
-              <a:rPr dirty="0" err="1"/>
-              <a:t>df.loc</a:t>
-            </a:r>
-            <a:r>
-              <a:rPr dirty="0"/>
-              <a:t>[</a:t>
-            </a:r>
-            <a:r>
-              <a:rPr dirty="0" err="1"/>
-              <a:t>df</a:t>
-            </a:r>
-            <a:r>
-              <a:rPr dirty="0"/>
-              <a:t>["Year"]==2011]</a:t>
-            </a:r>
-          </a:p>
-          <a:p>
-            <a:pPr marL="0" indent="0" algn="ctr">
-              <a:spcBef>
-                <a:spcPts val="0"/>
-              </a:spcBef>
-              <a:buClrTx/>
-              <a:buSzTx/>
-              <a:buFontTx/>
-              <a:buNone/>
-              <a:defRPr sz="1600" b="1">
-                <a:solidFill>
-                  <a:srgbClr val="000000"/>
-                </a:solidFill>
-                <a:latin typeface="American Typewriter"/>
-                <a:ea typeface="American Typewriter"/>
-                <a:cs typeface="American Typewriter"/>
-                <a:sym typeface="American Typewriter"/>
-              </a:defRPr>
-            </a:pPr>
-            <a:r>
-              <a:rPr dirty="0"/>
-              <a:t>crime11 = </a:t>
-            </a:r>
-            <a:r>
-              <a:rPr dirty="0" err="1"/>
-              <a:t>df.loc</a:t>
-            </a:r>
-            <a:r>
-              <a:rPr dirty="0"/>
-              <a:t>[</a:t>
-            </a:r>
-            <a:r>
-              <a:rPr dirty="0" err="1"/>
-              <a:t>df</a:t>
-            </a:r>
-            <a:r>
-              <a:rPr dirty="0"/>
-              <a:t>["Year"]==2011]</a:t>
-            </a:r>
-          </a:p>
-          <a:p>
-            <a:pPr marL="0" indent="0" algn="ctr">
-              <a:spcBef>
-                <a:spcPts val="0"/>
-              </a:spcBef>
-              <a:buClrTx/>
-              <a:buSzTx/>
-              <a:buFontTx/>
-              <a:buNone/>
-              <a:defRPr sz="1600" b="1">
-                <a:solidFill>
-                  <a:srgbClr val="000000"/>
-                </a:solidFill>
-                <a:latin typeface="American Typewriter"/>
-                <a:ea typeface="American Typewriter"/>
-                <a:cs typeface="American Typewriter"/>
-                <a:sym typeface="American Typewriter"/>
-              </a:defRPr>
-            </a:pPr>
-            <a:r>
-              <a:rPr dirty="0"/>
-              <a:t>crime12 = </a:t>
-            </a:r>
-            <a:r>
-              <a:rPr dirty="0" err="1"/>
-              <a:t>df.loc</a:t>
-            </a:r>
-            <a:r>
-              <a:rPr dirty="0"/>
-              <a:t>[</a:t>
-            </a:r>
-            <a:r>
-              <a:rPr dirty="0" err="1"/>
-              <a:t>df</a:t>
-            </a:r>
-            <a:r>
-              <a:rPr dirty="0"/>
-              <a:t>["Year"]==2012]</a:t>
-            </a:r>
-          </a:p>
-          <a:p>
-            <a:pPr marL="0" indent="0" algn="ctr">
-              <a:spcBef>
-                <a:spcPts val="0"/>
-              </a:spcBef>
-              <a:buClrTx/>
-              <a:buSzTx/>
-              <a:buFontTx/>
-              <a:buNone/>
-              <a:defRPr sz="1600" b="1">
-                <a:solidFill>
-                  <a:srgbClr val="000000"/>
-                </a:solidFill>
-                <a:latin typeface="American Typewriter"/>
-                <a:ea typeface="American Typewriter"/>
-                <a:cs typeface="American Typewriter"/>
-                <a:sym typeface="American Typewriter"/>
-              </a:defRPr>
-            </a:pPr>
-            <a:endParaRPr dirty="0"/>
-          </a:p>
-          <a:p>
-            <a:pPr marL="0" indent="0" algn="ctr">
-              <a:spcBef>
-                <a:spcPts val="0"/>
-              </a:spcBef>
-              <a:buClrTx/>
-              <a:buSzTx/>
-              <a:buFontTx/>
-              <a:buNone/>
-              <a:defRPr sz="1600" b="1">
-                <a:solidFill>
-                  <a:srgbClr val="000000"/>
-                </a:solidFill>
-                <a:latin typeface="American Typewriter"/>
-                <a:ea typeface="American Typewriter"/>
-                <a:cs typeface="American Typewriter"/>
-                <a:sym typeface="American Typewriter"/>
-              </a:defRPr>
-            </a:pPr>
-            <a:endParaRPr dirty="0"/>
-          </a:p>
-          <a:p>
-            <a:pPr marL="0" indent="0" algn="ctr">
-              <a:spcBef>
-                <a:spcPts val="0"/>
-              </a:spcBef>
-              <a:buClrTx/>
-              <a:buSzTx/>
-              <a:buFontTx/>
-              <a:buNone/>
-              <a:defRPr sz="1600" b="1">
-                <a:solidFill>
-                  <a:srgbClr val="000000"/>
-                </a:solidFill>
-                <a:latin typeface="American Typewriter"/>
-                <a:ea typeface="American Typewriter"/>
-                <a:cs typeface="American Typewriter"/>
-                <a:sym typeface="American Typewriter"/>
-              </a:defRPr>
-            </a:pPr>
-            <a:r>
-              <a:rPr dirty="0" err="1"/>
-              <a:t>crime_data</a:t>
-            </a:r>
-            <a:r>
-              <a:rPr dirty="0"/>
-              <a:t>=</a:t>
-            </a:r>
-            <a:r>
-              <a:rPr dirty="0" err="1"/>
-              <a:t>pd.merge</a:t>
-            </a:r>
-            <a:r>
-              <a:rPr dirty="0"/>
-              <a:t>(crime08,census,on="Community Area")</a:t>
-            </a:r>
-          </a:p>
-          <a:p>
-            <a:pPr marL="0" indent="0" algn="ctr">
-              <a:spcBef>
-                <a:spcPts val="0"/>
-              </a:spcBef>
-              <a:buClrTx/>
-              <a:buSzTx/>
-              <a:buFontTx/>
-              <a:buNone/>
-              <a:defRPr sz="1600" b="1">
-                <a:solidFill>
-                  <a:srgbClr val="000000"/>
-                </a:solidFill>
-                <a:latin typeface="American Typewriter"/>
-                <a:ea typeface="American Typewriter"/>
-                <a:cs typeface="American Typewriter"/>
-                <a:sym typeface="American Typewriter"/>
-              </a:defRPr>
-            </a:pPr>
-            <a:r>
-              <a:rPr dirty="0"/>
-              <a:t>crime_data1=</a:t>
-            </a:r>
-            <a:r>
-              <a:rPr dirty="0" err="1"/>
-              <a:t>pd.merge</a:t>
-            </a:r>
-            <a:r>
-              <a:rPr dirty="0"/>
-              <a:t>(crime09,census,on="Community Area")</a:t>
-            </a:r>
-          </a:p>
-          <a:p>
-            <a:pPr marL="0" indent="0" algn="ctr">
-              <a:spcBef>
-                <a:spcPts val="0"/>
-              </a:spcBef>
-              <a:buClrTx/>
-              <a:buSzTx/>
-              <a:buFontTx/>
-              <a:buNone/>
-              <a:defRPr sz="1600" b="1">
-                <a:solidFill>
-                  <a:srgbClr val="000000"/>
-                </a:solidFill>
-                <a:latin typeface="American Typewriter"/>
-                <a:ea typeface="American Typewriter"/>
-                <a:cs typeface="American Typewriter"/>
-                <a:sym typeface="American Typewriter"/>
-              </a:defRPr>
-            </a:pPr>
-            <a:r>
-              <a:rPr dirty="0"/>
-              <a:t>crime_data2=</a:t>
-            </a:r>
-            <a:r>
-              <a:rPr dirty="0" err="1"/>
-              <a:t>pd.merge</a:t>
-            </a:r>
-            <a:r>
-              <a:rPr dirty="0"/>
-              <a:t>(crime10,census,on="Community Area")</a:t>
-            </a:r>
-          </a:p>
-          <a:p>
-            <a:pPr marL="0" indent="0" algn="ctr">
-              <a:spcBef>
-                <a:spcPts val="0"/>
-              </a:spcBef>
-              <a:buClrTx/>
-              <a:buSzTx/>
-              <a:buFontTx/>
-              <a:buNone/>
-              <a:defRPr sz="1600" b="1">
-                <a:solidFill>
-                  <a:srgbClr val="000000"/>
-                </a:solidFill>
-                <a:latin typeface="American Typewriter"/>
-                <a:ea typeface="American Typewriter"/>
-                <a:cs typeface="American Typewriter"/>
-                <a:sym typeface="American Typewriter"/>
-              </a:defRPr>
-            </a:pPr>
-            <a:r>
-              <a:rPr dirty="0"/>
-              <a:t>crime_data3=</a:t>
-            </a:r>
-            <a:r>
-              <a:rPr dirty="0" err="1"/>
-              <a:t>pd.merge</a:t>
-            </a:r>
-            <a:r>
-              <a:rPr dirty="0"/>
-              <a:t>(crime11,census,on="Community Area")</a:t>
-            </a:r>
-          </a:p>
-          <a:p>
-            <a:pPr marL="0" indent="0" algn="ctr">
-              <a:spcBef>
-                <a:spcPts val="0"/>
-              </a:spcBef>
-              <a:buClrTx/>
-              <a:buSzTx/>
-              <a:buFontTx/>
-              <a:buNone/>
-              <a:defRPr sz="1600" b="1">
-                <a:solidFill>
-                  <a:srgbClr val="000000"/>
-                </a:solidFill>
-                <a:latin typeface="American Typewriter"/>
-                <a:ea typeface="American Typewriter"/>
-                <a:cs typeface="American Typewriter"/>
-                <a:sym typeface="American Typewriter"/>
-              </a:defRPr>
-            </a:pPr>
-            <a:r>
-              <a:rPr dirty="0"/>
-              <a:t>crime_data4=</a:t>
-            </a:r>
-            <a:r>
-              <a:rPr dirty="0" err="1"/>
-              <a:t>pd.merge</a:t>
-            </a:r>
-            <a:r>
-              <a:rPr dirty="0"/>
-              <a:t>(crime12,census,on="Community Area")</a:t>
-            </a:r>
-          </a:p>
-          <a:p>
-            <a:pPr marL="0" indent="0" algn="ctr">
-              <a:spcBef>
-                <a:spcPts val="0"/>
-              </a:spcBef>
-              <a:buClrTx/>
-              <a:buSzTx/>
-              <a:buFontTx/>
-              <a:buNone/>
-              <a:defRPr sz="1600" b="1">
-                <a:solidFill>
-                  <a:srgbClr val="000000"/>
-                </a:solidFill>
-                <a:latin typeface="American Typewriter"/>
-                <a:ea typeface="American Typewriter"/>
-                <a:cs typeface="American Typewriter"/>
-                <a:sym typeface="American Typewriter"/>
-              </a:defRPr>
-            </a:pPr>
-            <a:endParaRPr dirty="0"/>
-          </a:p>
-          <a:p>
-            <a:pPr marL="0" indent="0" algn="ctr">
-              <a:spcBef>
-                <a:spcPts val="0"/>
-              </a:spcBef>
-              <a:buClrTx/>
-              <a:buSzTx/>
-              <a:buFontTx/>
-              <a:buNone/>
-              <a:defRPr sz="1600" b="1">
-                <a:solidFill>
-                  <a:srgbClr val="000000"/>
-                </a:solidFill>
-                <a:latin typeface="American Typewriter"/>
-                <a:ea typeface="American Typewriter"/>
-                <a:cs typeface="American Typewriter"/>
-                <a:sym typeface="American Typewriter"/>
-              </a:defRPr>
-            </a:pPr>
-            <a:r>
-              <a:rPr dirty="0"/>
-              <a:t>crime2=</a:t>
-            </a:r>
-            <a:r>
-              <a:rPr dirty="0" err="1"/>
-              <a:t>pd.concat</a:t>
-            </a:r>
-            <a:r>
-              <a:rPr dirty="0"/>
-              <a:t>([</a:t>
-            </a:r>
-            <a:r>
-              <a:rPr dirty="0" err="1"/>
-              <a:t>crime_data</a:t>
-            </a:r>
-            <a:r>
-              <a:rPr dirty="0"/>
-              <a:t>, crime_data1,crime_data2,crime_data3,crime_data4])</a:t>
-            </a:r>
-          </a:p>
-          <a:p>
-            <a:pPr marL="0" indent="0" algn="ctr">
-              <a:spcBef>
-                <a:spcPts val="0"/>
-              </a:spcBef>
-              <a:buClrTx/>
-              <a:buSzTx/>
-              <a:buFontTx/>
-              <a:buNone/>
-              <a:defRPr sz="1600" b="1">
-                <a:solidFill>
-                  <a:srgbClr val="000000"/>
-                </a:solidFill>
-                <a:latin typeface="American Typewriter"/>
-                <a:ea typeface="American Typewriter"/>
-                <a:cs typeface="American Typewriter"/>
-                <a:sym typeface="American Typewriter"/>
-              </a:defRPr>
-            </a:pPr>
-            <a:r>
-              <a:rPr dirty="0"/>
-              <a:t>crime2.columns</a:t>
-            </a:r>
-          </a:p>
-          <a:p>
-            <a:pPr marL="0" indent="0" algn="ctr">
-              <a:spcBef>
-                <a:spcPts val="0"/>
-              </a:spcBef>
-              <a:buClrTx/>
-              <a:buSzTx/>
-              <a:buFontTx/>
-              <a:buNone/>
-              <a:defRPr sz="1600" b="1">
-                <a:solidFill>
-                  <a:srgbClr val="000000"/>
-                </a:solidFill>
-                <a:latin typeface="American Typewriter"/>
-                <a:ea typeface="American Typewriter"/>
-                <a:cs typeface="American Typewriter"/>
-                <a:sym typeface="American Typewriter"/>
-              </a:defRPr>
-            </a:pPr>
-            <a:endParaRPr dirty="0"/>
-          </a:p>
-          <a:p>
-            <a:pPr marL="0" indent="0" algn="ctr">
-              <a:spcBef>
-                <a:spcPts val="0"/>
-              </a:spcBef>
-              <a:buClrTx/>
-              <a:buSzTx/>
-              <a:buFontTx/>
-              <a:buNone/>
-              <a:defRPr sz="1600" b="1">
-                <a:solidFill>
-                  <a:srgbClr val="000000"/>
-                </a:solidFill>
-                <a:latin typeface="American Typewriter"/>
-                <a:ea typeface="American Typewriter"/>
-                <a:cs typeface="American Typewriter"/>
-                <a:sym typeface="American Typewriter"/>
-              </a:defRPr>
-            </a:pPr>
-            <a:r>
-              <a:rPr dirty="0"/>
-              <a:t>theft=crime2.loc[crime2["Primary Type"]=="THEFT"]</a:t>
-            </a:r>
-          </a:p>
-          <a:p>
-            <a:pPr marL="0" indent="0" algn="ctr">
-              <a:spcBef>
-                <a:spcPts val="0"/>
-              </a:spcBef>
-              <a:buClrTx/>
-              <a:buSzTx/>
-              <a:buFontTx/>
-              <a:buNone/>
-              <a:defRPr sz="1600" b="1">
-                <a:solidFill>
-                  <a:srgbClr val="000000"/>
-                </a:solidFill>
-                <a:latin typeface="American Typewriter"/>
-                <a:ea typeface="American Typewriter"/>
-                <a:cs typeface="American Typewriter"/>
-                <a:sym typeface="American Typewriter"/>
-              </a:defRPr>
-            </a:pPr>
-            <a:r>
-              <a:rPr dirty="0"/>
-              <a:t>theft</a:t>
-            </a:r>
-          </a:p>
-          <a:p>
-            <a:pPr marL="0" indent="0" defTabSz="457200">
-              <a:spcBef>
-                <a:spcPts val="0"/>
-              </a:spcBef>
-              <a:buClrTx/>
-              <a:buSzTx/>
-              <a:buFontTx/>
-              <a:buNone/>
-              <a:defRPr sz="1400">
-                <a:solidFill>
-                  <a:srgbClr val="333333"/>
-                </a:solidFill>
-                <a:latin typeface="Courier"/>
-                <a:ea typeface="Courier"/>
-                <a:cs typeface="Courier"/>
-                <a:sym typeface="Courier"/>
-              </a:defRPr>
-            </a:pPr>
-            <a:endParaRPr dirty="0"/>
           </a:p>
         </p:txBody>
       </p:sp>
@@ -4960,21 +4230,14 @@
   <p:clrMapOvr>
     <a:masterClrMapping/>
   </p:clrMapOvr>
-  <mc:AlternateContent xmlns:mc="http://schemas.openxmlformats.org/markup-compatibility/2006">
-    <mc:Choice xmlns:p14="http://schemas.microsoft.com/office/powerpoint/2010/main" Requires="p14">
-      <p:transition p14:dur="250"/>
-    </mc:Choice>
-    <mc:Fallback>
-      <p:transition/>
-    </mc:Fallback>
-  </mc:AlternateContent>
+  <p:transition xmlns:p14="http://schemas.microsoft.com/office/powerpoint/2010/main" spd="med" advClick="1"/>
   <p:timing>
     <p:tnLst>
       <p:par>
-        <p:cTn id="1" dur="indefinite" restart="never" fill="hold" nodeType="tmRoot">
+        <p:cTn id="1" nodeType="tmRoot" restart="never" dur="indefinite" fill="hold">
           <p:childTnLst>
             <p:seq concurrent="1" prevAc="none" nextAc="seek">
-              <p:cTn id="2" dur="indefinite" fill="hold" nodeType="mainSeq">
+              <p:cTn id="2" nodeType="mainSeq" dur="indefinite" fill="hold">
                 <p:childTnLst>
                   <p:par>
                     <p:cTn id="3" fill="hold">
@@ -4989,11 +4252,11 @@
                             </p:stCondLst>
                             <p:childTnLst>
                               <p:par>
-                                <p:cTn id="5" presetID="1" presetClass="entr" presetSubtype="0" fill="hold" grpId="1" nodeType="clickEffect">
+                                <p:cTn id="5" presetClass="entr" nodeType="clickEffect" presetSubtype="0" presetID="1" grpId="1" fill="hold">
                                   <p:stCondLst>
                                     <p:cond delay="0"/>
                                   </p:stCondLst>
-                                  <p:iterate>
+                                  <p:iterate type="el" backwards="0">
                                     <p:tmAbs val="0"/>
                                   </p:iterate>
                                   <p:childTnLst>
@@ -5001,7 +4264,7 @@
                                       <p:cBhvr>
                                         <p:cTn id="6" fill="hold"/>
                                         <p:tgtEl>
-                                          <p:spTgt spid="167"/>
+                                          <p:spTgt spid="168"/>
                                         </p:tgtEl>
                                         <p:attrNameLst>
                                           <p:attrName>style.visibility</p:attrName>
@@ -5033,19 +4296,19 @@
                             </p:stCondLst>
                             <p:childTnLst>
                               <p:par>
-                                <p:cTn id="9" presetID="1" presetClass="entr" presetSubtype="0" fill="hold" grpId="2" nodeType="clickEffect">
+                                <p:cTn id="9" presetClass="entr" nodeType="clickEffect" presetSubtype="0" presetID="1" grpId="2" fill="hold">
                                   <p:stCondLst>
                                     <p:cond delay="0"/>
                                   </p:stCondLst>
-                                  <p:iterate type="lt">
-                                    <p:tmAbs val="100"/>
+                                  <p:iterate type="el" backwards="0">
+                                    <p:tmAbs val="0"/>
                                   </p:iterate>
                                   <p:childTnLst>
                                     <p:set>
                                       <p:cBhvr>
                                         <p:cTn id="10" fill="hold"/>
                                         <p:tgtEl>
-                                          <p:spTgt spid="168"/>
+                                          <p:spTgt spid="167"/>
                                         </p:tgtEl>
                                         <p:attrNameLst>
                                           <p:attrName>style.visibility</p:attrName>
@@ -5067,14 +4330,14 @@
                 </p:childTnLst>
               </p:cTn>
               <p:prevCondLst>
-                <p:cond evt="onPrev" delay="0">
+                <p:cond evt="onPrev">
                   <p:tgtEl>
                     <p:sldTgt/>
                   </p:tgtEl>
                 </p:cond>
               </p:prevCondLst>
               <p:nextCondLst>
-                <p:cond evt="onNext" delay="0">
+                <p:cond evt="onNext">
                   <p:tgtEl>
                     <p:sldTgt/>
                   </p:tgtEl>
@@ -5086,15 +4349,15 @@
       </p:par>
     </p:tnLst>
     <p:bldLst>
-      <p:bldP spid="167" grpId="1" animBg="1" advAuto="0"/>
-      <p:bldP spid="168" grpId="2" animBg="1" advAuto="0"/>
+      <p:bldP build="whole" bldLvl="1" animBg="1" rev="0" advAuto="0" spid="168" grpId="1"/>
+      <p:bldP build="whole" bldLvl="1" animBg="1" rev="0" advAuto="0" spid="167" grpId="2"/>
     </p:bldLst>
   </p:timing>
 </p:sld>
 </file>
 
 <file path=ppt/slides/slide11.xml><?xml version="1.0" encoding="utf-8"?>
-<p:sld xmlns:a="http://schemas.openxmlformats.org/drawingml/2006/main" xmlns:r="http://schemas.openxmlformats.org/officeDocument/2006/relationships" xmlns:p="http://schemas.openxmlformats.org/presentationml/2006/main">
+<p:sld xmlns:a="http://schemas.openxmlformats.org/drawingml/2006/main" xmlns:r="http://schemas.openxmlformats.org/officeDocument/2006/relationships" xmlns:p="http://schemas.openxmlformats.org/presentationml/2006/main" xmlns:m="http://schemas.openxmlformats.org/officeDocument/2006/math" xmlns:a14="http://schemas.microsoft.com/office/drawing/2010/main" showMasterSp="1" showMasterPhAnim="1">
   <p:cSld>
     <p:spTree>
       <p:nvGrpSpPr>
@@ -5112,10 +4375,8 @@
       </p:grpSpPr>
       <p:sp>
         <p:nvSpPr>
-          <p:cNvPr id="170" name="Relationship between Theft and High School Diploma"/>
-          <p:cNvSpPr txBox="1">
-            <a:spLocks noGrp="1"/>
-          </p:cNvSpPr>
+          <p:cNvPr id="170" name="Merging the Data to analyse and determine a relationship…"/>
+          <p:cNvSpPr txBox="1"/>
           <p:nvPr>
             <p:ph type="title"/>
           </p:nvPr>
@@ -5127,63 +4388,511 @@
         </p:spPr>
         <p:txBody>
           <a:bodyPr/>
-          <a:lstStyle>
-            <a:lvl1pPr defTabSz="385572">
+          <a:lstStyle/>
+          <a:p>
+            <a:pPr defTabSz="297941">
               <a:spcBef>
-                <a:spcPts val="1000"/>
+                <a:spcPts val="800"/>
               </a:spcBef>
-              <a:defRPr sz="4620"/>
-            </a:lvl1pPr>
-          </a:lstStyle>
-          <a:p>
+              <a:defRPr sz="3570"/>
+            </a:pPr>
             <a:r>
-              <a:t>Relationship between Theft and High School Diploma</a:t>
+              <a:t>Merging the Data to analyse and determine a relationship </a:t>
+            </a:r>
+          </a:p>
+          <a:p>
+            <a:pPr defTabSz="297941">
+              <a:spcBef>
+                <a:spcPts val="800"/>
+              </a:spcBef>
+              <a:defRPr sz="3570"/>
+            </a:pPr>
+            <a:r>
+              <a:t>Between Hardship Index and Theft</a:t>
             </a:r>
           </a:p>
         </p:txBody>
       </p:sp>
-      <p:pic>
-        <p:nvPicPr>
-          <p:cNvPr id="171" name="Screenshot 2019-03-13 at 7.26.03 PM.png" descr="Screenshot 2019-03-13 at 7.26.03 PM.png"/>
-          <p:cNvPicPr>
-            <a:picLocks noChangeAspect="1"/>
-          </p:cNvPicPr>
-          <p:nvPr/>
-        </p:nvPicPr>
-        <p:blipFill>
-          <a:blip r:embed="rId2">
-            <a:extLst/>
-          </a:blip>
-          <a:stretch>
-            <a:fillRect/>
-          </a:stretch>
-        </p:blipFill>
+      <p:sp>
+        <p:nvSpPr>
+          <p:cNvPr id="171" name="crime08 = df.loc[df[&quot;Year&quot;]==2008]…"/>
+          <p:cNvSpPr txBox="1"/>
+          <p:nvPr>
+            <p:ph type="body" idx="1"/>
+          </p:nvPr>
+        </p:nvSpPr>
         <p:spPr>
           <a:xfrm>
-            <a:off x="364246" y="2646234"/>
-            <a:ext cx="12276308" cy="5151082"/>
+            <a:off x="508000" y="2178050"/>
+            <a:ext cx="11988800" cy="7525031"/>
           </a:xfrm>
           <a:prstGeom prst="rect">
             <a:avLst/>
           </a:prstGeom>
-          <a:ln w="12700">
-            <a:miter lim="400000"/>
-          </a:ln>
         </p:spPr>
-      </p:pic>
+        <p:txBody>
+          <a:bodyPr/>
+          <a:lstStyle/>
+          <a:p>
+            <a:pPr marL="0" indent="0" algn="ctr">
+              <a:spcBef>
+                <a:spcPts val="0"/>
+              </a:spcBef>
+              <a:buClrTx/>
+              <a:buSzTx/>
+              <a:buFontTx/>
+              <a:buNone/>
+              <a:defRPr b="1" sz="1600">
+                <a:solidFill>
+                  <a:srgbClr val="000000"/>
+                </a:solidFill>
+                <a:latin typeface="American Typewriter"/>
+                <a:ea typeface="American Typewriter"/>
+                <a:cs typeface="American Typewriter"/>
+                <a:sym typeface="American Typewriter"/>
+              </a:defRPr>
+            </a:pPr>
+            <a:r>
+              <a:t>crime08 = df.loc[df["Year"]==2008]</a:t>
+            </a:r>
+          </a:p>
+          <a:p>
+            <a:pPr marL="0" indent="0" algn="ctr">
+              <a:spcBef>
+                <a:spcPts val="0"/>
+              </a:spcBef>
+              <a:buClrTx/>
+              <a:buSzTx/>
+              <a:buFontTx/>
+              <a:buNone/>
+              <a:defRPr b="1" sz="1600">
+                <a:solidFill>
+                  <a:srgbClr val="000000"/>
+                </a:solidFill>
+                <a:latin typeface="American Typewriter"/>
+                <a:ea typeface="American Typewriter"/>
+                <a:cs typeface="American Typewriter"/>
+                <a:sym typeface="American Typewriter"/>
+              </a:defRPr>
+            </a:pPr>
+            <a:r>
+              <a:t>crime09 = df.loc[df[“Year"]==2009]</a:t>
+            </a:r>
+          </a:p>
+          <a:p>
+            <a:pPr marL="0" indent="0" algn="ctr">
+              <a:spcBef>
+                <a:spcPts val="0"/>
+              </a:spcBef>
+              <a:buClrTx/>
+              <a:buSzTx/>
+              <a:buFontTx/>
+              <a:buNone/>
+              <a:defRPr b="1" sz="1600">
+                <a:solidFill>
+                  <a:srgbClr val="000000"/>
+                </a:solidFill>
+                <a:latin typeface="American Typewriter"/>
+                <a:ea typeface="American Typewriter"/>
+                <a:cs typeface="American Typewriter"/>
+                <a:sym typeface="American Typewriter"/>
+              </a:defRPr>
+            </a:pPr>
+            <a:r>
+              <a:t>crime10 = df.loc[df["Year"]==2010]</a:t>
+            </a:r>
+          </a:p>
+          <a:p>
+            <a:pPr marL="0" indent="0" algn="ctr">
+              <a:spcBef>
+                <a:spcPts val="0"/>
+              </a:spcBef>
+              <a:buClrTx/>
+              <a:buSzTx/>
+              <a:buFontTx/>
+              <a:buNone/>
+              <a:defRPr b="1" sz="1600">
+                <a:solidFill>
+                  <a:srgbClr val="000000"/>
+                </a:solidFill>
+                <a:latin typeface="American Typewriter"/>
+                <a:ea typeface="American Typewriter"/>
+                <a:cs typeface="American Typewriter"/>
+                <a:sym typeface="American Typewriter"/>
+              </a:defRPr>
+            </a:pPr>
+            <a:r>
+              <a:t>crime11 = df.loc[df["Year"]==2011]</a:t>
+            </a:r>
+          </a:p>
+          <a:p>
+            <a:pPr marL="0" indent="0" algn="ctr">
+              <a:spcBef>
+                <a:spcPts val="0"/>
+              </a:spcBef>
+              <a:buClrTx/>
+              <a:buSzTx/>
+              <a:buFontTx/>
+              <a:buNone/>
+              <a:defRPr b="1" sz="1600">
+                <a:solidFill>
+                  <a:srgbClr val="000000"/>
+                </a:solidFill>
+                <a:latin typeface="American Typewriter"/>
+                <a:ea typeface="American Typewriter"/>
+                <a:cs typeface="American Typewriter"/>
+                <a:sym typeface="American Typewriter"/>
+              </a:defRPr>
+            </a:pPr>
+            <a:r>
+              <a:t>crime11 = df.loc[df["Year"]==2011]</a:t>
+            </a:r>
+          </a:p>
+          <a:p>
+            <a:pPr marL="0" indent="0" algn="ctr">
+              <a:spcBef>
+                <a:spcPts val="0"/>
+              </a:spcBef>
+              <a:buClrTx/>
+              <a:buSzTx/>
+              <a:buFontTx/>
+              <a:buNone/>
+              <a:defRPr b="1" sz="1600">
+                <a:solidFill>
+                  <a:srgbClr val="000000"/>
+                </a:solidFill>
+                <a:latin typeface="American Typewriter"/>
+                <a:ea typeface="American Typewriter"/>
+                <a:cs typeface="American Typewriter"/>
+                <a:sym typeface="American Typewriter"/>
+              </a:defRPr>
+            </a:pPr>
+            <a:r>
+              <a:t>crime12 = df.loc[df["Year"]==2012]</a:t>
+            </a:r>
+          </a:p>
+          <a:p>
+            <a:pPr marL="0" indent="0" algn="ctr">
+              <a:spcBef>
+                <a:spcPts val="0"/>
+              </a:spcBef>
+              <a:buClrTx/>
+              <a:buSzTx/>
+              <a:buFontTx/>
+              <a:buNone/>
+              <a:defRPr b="1" sz="1600">
+                <a:solidFill>
+                  <a:srgbClr val="000000"/>
+                </a:solidFill>
+                <a:latin typeface="American Typewriter"/>
+                <a:ea typeface="American Typewriter"/>
+                <a:cs typeface="American Typewriter"/>
+                <a:sym typeface="American Typewriter"/>
+              </a:defRPr>
+            </a:pPr>
+          </a:p>
+          <a:p>
+            <a:pPr marL="0" indent="0" algn="ctr">
+              <a:spcBef>
+                <a:spcPts val="0"/>
+              </a:spcBef>
+              <a:buClrTx/>
+              <a:buSzTx/>
+              <a:buFontTx/>
+              <a:buNone/>
+              <a:defRPr b="1" sz="1600">
+                <a:solidFill>
+                  <a:srgbClr val="000000"/>
+                </a:solidFill>
+                <a:latin typeface="American Typewriter"/>
+                <a:ea typeface="American Typewriter"/>
+                <a:cs typeface="American Typewriter"/>
+                <a:sym typeface="American Typewriter"/>
+              </a:defRPr>
+            </a:pPr>
+          </a:p>
+          <a:p>
+            <a:pPr marL="0" indent="0" algn="ctr">
+              <a:spcBef>
+                <a:spcPts val="0"/>
+              </a:spcBef>
+              <a:buClrTx/>
+              <a:buSzTx/>
+              <a:buFontTx/>
+              <a:buNone/>
+              <a:defRPr b="1" sz="1600">
+                <a:solidFill>
+                  <a:srgbClr val="000000"/>
+                </a:solidFill>
+                <a:latin typeface="American Typewriter"/>
+                <a:ea typeface="American Typewriter"/>
+                <a:cs typeface="American Typewriter"/>
+                <a:sym typeface="American Typewriter"/>
+              </a:defRPr>
+            </a:pPr>
+            <a:r>
+              <a:t>crime_data=pd.merge(crime08,census,on="Community Area")</a:t>
+            </a:r>
+          </a:p>
+          <a:p>
+            <a:pPr marL="0" indent="0" algn="ctr">
+              <a:spcBef>
+                <a:spcPts val="0"/>
+              </a:spcBef>
+              <a:buClrTx/>
+              <a:buSzTx/>
+              <a:buFontTx/>
+              <a:buNone/>
+              <a:defRPr b="1" sz="1600">
+                <a:solidFill>
+                  <a:srgbClr val="000000"/>
+                </a:solidFill>
+                <a:latin typeface="American Typewriter"/>
+                <a:ea typeface="American Typewriter"/>
+                <a:cs typeface="American Typewriter"/>
+                <a:sym typeface="American Typewriter"/>
+              </a:defRPr>
+            </a:pPr>
+            <a:r>
+              <a:t>crime_data1=pd.merge(crime09,census,on="Community Area")</a:t>
+            </a:r>
+          </a:p>
+          <a:p>
+            <a:pPr marL="0" indent="0" algn="ctr">
+              <a:spcBef>
+                <a:spcPts val="0"/>
+              </a:spcBef>
+              <a:buClrTx/>
+              <a:buSzTx/>
+              <a:buFontTx/>
+              <a:buNone/>
+              <a:defRPr b="1" sz="1600">
+                <a:solidFill>
+                  <a:srgbClr val="000000"/>
+                </a:solidFill>
+                <a:latin typeface="American Typewriter"/>
+                <a:ea typeface="American Typewriter"/>
+                <a:cs typeface="American Typewriter"/>
+                <a:sym typeface="American Typewriter"/>
+              </a:defRPr>
+            </a:pPr>
+            <a:r>
+              <a:t>crime_data2=pd.merge(crime10,census,on="Community Area")</a:t>
+            </a:r>
+          </a:p>
+          <a:p>
+            <a:pPr marL="0" indent="0" algn="ctr">
+              <a:spcBef>
+                <a:spcPts val="0"/>
+              </a:spcBef>
+              <a:buClrTx/>
+              <a:buSzTx/>
+              <a:buFontTx/>
+              <a:buNone/>
+              <a:defRPr b="1" sz="1600">
+                <a:solidFill>
+                  <a:srgbClr val="000000"/>
+                </a:solidFill>
+                <a:latin typeface="American Typewriter"/>
+                <a:ea typeface="American Typewriter"/>
+                <a:cs typeface="American Typewriter"/>
+                <a:sym typeface="American Typewriter"/>
+              </a:defRPr>
+            </a:pPr>
+            <a:r>
+              <a:t>crime_data3=pd.merge(crime11,census,on="Community Area")</a:t>
+            </a:r>
+          </a:p>
+          <a:p>
+            <a:pPr marL="0" indent="0" algn="ctr">
+              <a:spcBef>
+                <a:spcPts val="0"/>
+              </a:spcBef>
+              <a:buClrTx/>
+              <a:buSzTx/>
+              <a:buFontTx/>
+              <a:buNone/>
+              <a:defRPr b="1" sz="1600">
+                <a:solidFill>
+                  <a:srgbClr val="000000"/>
+                </a:solidFill>
+                <a:latin typeface="American Typewriter"/>
+                <a:ea typeface="American Typewriter"/>
+                <a:cs typeface="American Typewriter"/>
+                <a:sym typeface="American Typewriter"/>
+              </a:defRPr>
+            </a:pPr>
+            <a:r>
+              <a:t>crime_data4=pd.merge(crime12,census,on="Community Area")</a:t>
+            </a:r>
+          </a:p>
+          <a:p>
+            <a:pPr marL="0" indent="0" algn="ctr">
+              <a:spcBef>
+                <a:spcPts val="0"/>
+              </a:spcBef>
+              <a:buClrTx/>
+              <a:buSzTx/>
+              <a:buFontTx/>
+              <a:buNone/>
+              <a:defRPr b="1" sz="1600">
+                <a:solidFill>
+                  <a:srgbClr val="000000"/>
+                </a:solidFill>
+                <a:latin typeface="American Typewriter"/>
+                <a:ea typeface="American Typewriter"/>
+                <a:cs typeface="American Typewriter"/>
+                <a:sym typeface="American Typewriter"/>
+              </a:defRPr>
+            </a:pPr>
+          </a:p>
+          <a:p>
+            <a:pPr marL="0" indent="0" algn="ctr">
+              <a:spcBef>
+                <a:spcPts val="0"/>
+              </a:spcBef>
+              <a:buClrTx/>
+              <a:buSzTx/>
+              <a:buFontTx/>
+              <a:buNone/>
+              <a:defRPr b="1" sz="1600">
+                <a:solidFill>
+                  <a:srgbClr val="000000"/>
+                </a:solidFill>
+                <a:latin typeface="American Typewriter"/>
+                <a:ea typeface="American Typewriter"/>
+                <a:cs typeface="American Typewriter"/>
+                <a:sym typeface="American Typewriter"/>
+              </a:defRPr>
+            </a:pPr>
+            <a:r>
+              <a:t>crime2=pd.concat([crime_data, crime_data1,crime_data2,crime_data3,crime_data4])</a:t>
+            </a:r>
+          </a:p>
+          <a:p>
+            <a:pPr marL="0" indent="0" algn="ctr">
+              <a:spcBef>
+                <a:spcPts val="0"/>
+              </a:spcBef>
+              <a:buClrTx/>
+              <a:buSzTx/>
+              <a:buFontTx/>
+              <a:buNone/>
+              <a:defRPr b="1" sz="1600">
+                <a:solidFill>
+                  <a:srgbClr val="000000"/>
+                </a:solidFill>
+                <a:latin typeface="American Typewriter"/>
+                <a:ea typeface="American Typewriter"/>
+                <a:cs typeface="American Typewriter"/>
+                <a:sym typeface="American Typewriter"/>
+              </a:defRPr>
+            </a:pPr>
+            <a:r>
+              <a:t>crime2.columns</a:t>
+            </a:r>
+          </a:p>
+          <a:p>
+            <a:pPr marL="0" indent="0" algn="ctr">
+              <a:spcBef>
+                <a:spcPts val="0"/>
+              </a:spcBef>
+              <a:buClrTx/>
+              <a:buSzTx/>
+              <a:buFontTx/>
+              <a:buNone/>
+              <a:defRPr b="1" sz="1600">
+                <a:solidFill>
+                  <a:srgbClr val="000000"/>
+                </a:solidFill>
+                <a:latin typeface="American Typewriter"/>
+                <a:ea typeface="American Typewriter"/>
+                <a:cs typeface="American Typewriter"/>
+                <a:sym typeface="American Typewriter"/>
+              </a:defRPr>
+            </a:pPr>
+          </a:p>
+          <a:p>
+            <a:pPr marL="0" indent="0" algn="ctr">
+              <a:spcBef>
+                <a:spcPts val="0"/>
+              </a:spcBef>
+              <a:buClrTx/>
+              <a:buSzTx/>
+              <a:buFontTx/>
+              <a:buNone/>
+              <a:defRPr b="1" sz="1600">
+                <a:solidFill>
+                  <a:srgbClr val="000000"/>
+                </a:solidFill>
+                <a:latin typeface="American Typewriter"/>
+                <a:ea typeface="American Typewriter"/>
+                <a:cs typeface="American Typewriter"/>
+                <a:sym typeface="American Typewriter"/>
+              </a:defRPr>
+            </a:pPr>
+            <a:r>
+              <a:t>theft=crime2.loc[crime2["Primary Type"]=="THEFT"]</a:t>
+            </a:r>
+          </a:p>
+          <a:p>
+            <a:pPr marL="0" indent="0" algn="ctr">
+              <a:spcBef>
+                <a:spcPts val="0"/>
+              </a:spcBef>
+              <a:buClrTx/>
+              <a:buSzTx/>
+              <a:buFontTx/>
+              <a:buNone/>
+              <a:defRPr b="1" sz="1600">
+                <a:solidFill>
+                  <a:srgbClr val="000000"/>
+                </a:solidFill>
+                <a:latin typeface="American Typewriter"/>
+                <a:ea typeface="American Typewriter"/>
+                <a:cs typeface="American Typewriter"/>
+                <a:sym typeface="American Typewriter"/>
+              </a:defRPr>
+            </a:pPr>
+            <a:r>
+              <a:t>theft</a:t>
+            </a:r>
+          </a:p>
+          <a:p>
+            <a:pPr marL="0" indent="0" defTabSz="457200">
+              <a:spcBef>
+                <a:spcPts val="0"/>
+              </a:spcBef>
+              <a:buClrTx/>
+              <a:buSzTx/>
+              <a:buFontTx/>
+              <a:buNone/>
+              <a:defRPr sz="1400">
+                <a:solidFill>
+                  <a:srgbClr val="333333"/>
+                </a:solidFill>
+                <a:latin typeface="Courier"/>
+                <a:ea typeface="Courier"/>
+                <a:cs typeface="Courier"/>
+                <a:sym typeface="Courier"/>
+              </a:defRPr>
+            </a:pPr>
+          </a:p>
+        </p:txBody>
+      </p:sp>
     </p:spTree>
   </p:cSld>
   <p:clrMapOvr>
     <a:masterClrMapping/>
   </p:clrMapOvr>
-  <p:transition spd="med"/>
+  <p:transition xmlns:p14="http://schemas.microsoft.com/office/powerpoint/2010/main" spd="med" advClick="1"/>
   <p:timing>
     <p:tnLst>
       <p:par>
-        <p:cTn id="1" dur="indefinite" restart="never" fill="hold" nodeType="tmRoot">
+        <p:cTn id="1" nodeType="tmRoot" restart="never" dur="indefinite" fill="hold">
           <p:childTnLst>
             <p:seq concurrent="1" prevAc="none" nextAc="seek">
-              <p:cTn id="2" dur="indefinite" fill="hold" nodeType="mainSeq">
+              <p:cTn id="2" nodeType="mainSeq" dur="indefinite" fill="hold">
                 <p:childTnLst>
                   <p:par>
                     <p:cTn id="3" fill="hold">
@@ -5198,12 +4907,12 @@
                             </p:stCondLst>
                             <p:childTnLst>
                               <p:par>
-                                <p:cTn id="5" presetID="1" presetClass="entr" presetSubtype="0" fill="hold" grpId="1" nodeType="clickEffect">
+                                <p:cTn id="5" presetClass="entr" nodeType="clickEffect" presetSubtype="0" presetID="1" grpId="1" fill="hold">
                                   <p:stCondLst>
                                     <p:cond delay="0"/>
                                   </p:stCondLst>
-                                  <p:iterate type="lt">
-                                    <p:tmAbs val="100"/>
+                                  <p:iterate type="el" backwards="0">
+                                    <p:tmAbs val="0"/>
                                   </p:iterate>
                                   <p:childTnLst>
                                     <p:set>
@@ -5242,12 +4951,12 @@
                             </p:stCondLst>
                             <p:childTnLst>
                               <p:par>
-                                <p:cTn id="9" presetID="3" presetClass="entr" presetSubtype="5" fill="hold" grpId="2" nodeType="clickEffect">
+                                <p:cTn id="9" presetClass="entr" nodeType="clickEffect" presetSubtype="0" presetID="1" grpId="2" fill="hold">
                                   <p:stCondLst>
                                     <p:cond delay="0"/>
                                   </p:stCondLst>
-                                  <p:iterate>
-                                    <p:tmAbs val="0"/>
+                                  <p:iterate type="lt" backwards="0">
+                                    <p:tmAbs val="100"/>
                                   </p:iterate>
                                   <p:childTnLst>
                                     <p:set>
@@ -5264,11 +4973,219 @@
                                         <p:strVal val="visible"/>
                                       </p:to>
                                     </p:set>
-                                    <p:animEffect transition="in" filter="blinds(vertical)">
+                                  </p:childTnLst>
+                                </p:cTn>
+                              </p:par>
+                            </p:childTnLst>
+                          </p:cTn>
+                        </p:par>
+                      </p:childTnLst>
+                    </p:cTn>
+                  </p:par>
+                </p:childTnLst>
+              </p:cTn>
+              <p:prevCondLst>
+                <p:cond evt="onPrev">
+                  <p:tgtEl>
+                    <p:sldTgt/>
+                  </p:tgtEl>
+                </p:cond>
+              </p:prevCondLst>
+              <p:nextCondLst>
+                <p:cond evt="onNext">
+                  <p:tgtEl>
+                    <p:sldTgt/>
+                  </p:tgtEl>
+                </p:cond>
+              </p:nextCondLst>
+            </p:seq>
+          </p:childTnLst>
+        </p:cTn>
+      </p:par>
+    </p:tnLst>
+    <p:bldLst>
+      <p:bldP build="whole" bldLvl="1" animBg="1" rev="0" advAuto="0" spid="171" grpId="2"/>
+      <p:bldP build="whole" bldLvl="1" animBg="1" rev="0" advAuto="0" spid="170" grpId="1"/>
+    </p:bldLst>
+  </p:timing>
+</p:sld>
+</file>
+
+<file path=ppt/slides/slide12.xml><?xml version="1.0" encoding="utf-8"?>
+<p:sld xmlns:a="http://schemas.openxmlformats.org/drawingml/2006/main" xmlns:r="http://schemas.openxmlformats.org/officeDocument/2006/relationships" xmlns:p="http://schemas.openxmlformats.org/presentationml/2006/main" xmlns:m="http://schemas.openxmlformats.org/officeDocument/2006/math" xmlns:a14="http://schemas.microsoft.com/office/drawing/2010/main" showMasterSp="1" showMasterPhAnim="1">
+  <p:cSld>
+    <p:spTree>
+      <p:nvGrpSpPr>
+        <p:cNvPr id="1" name=""/>
+        <p:cNvGrpSpPr/>
+        <p:nvPr/>
+      </p:nvGrpSpPr>
+      <p:grpSpPr>
+        <a:xfrm>
+          <a:off x="0" y="0"/>
+          <a:ext cx="0" cy="0"/>
+          <a:chOff x="0" y="0"/>
+          <a:chExt cx="0" cy="0"/>
+        </a:xfrm>
+      </p:grpSpPr>
+      <p:sp>
+        <p:nvSpPr>
+          <p:cNvPr id="173" name="Relationship between Theft and High School Diploma"/>
+          <p:cNvSpPr txBox="1"/>
+          <p:nvPr>
+            <p:ph type="title"/>
+          </p:nvPr>
+        </p:nvSpPr>
+        <p:spPr>
+          <a:prstGeom prst="rect">
+            <a:avLst/>
+          </a:prstGeom>
+        </p:spPr>
+        <p:txBody>
+          <a:bodyPr/>
+          <a:lstStyle>
+            <a:lvl1pPr defTabSz="385572">
+              <a:spcBef>
+                <a:spcPts val="1000"/>
+              </a:spcBef>
+              <a:defRPr sz="4620"/>
+            </a:lvl1pPr>
+          </a:lstStyle>
+          <a:p>
+            <a:pPr/>
+            <a:r>
+              <a:t>Relationship between Theft and High School Diploma</a:t>
+            </a:r>
+          </a:p>
+        </p:txBody>
+      </p:sp>
+      <p:pic>
+        <p:nvPicPr>
+          <p:cNvPr id="174" name="Screenshot 2019-03-13 at 7.26.03 PM.png" descr="Screenshot 2019-03-13 at 7.26.03 PM.png"/>
+          <p:cNvPicPr>
+            <a:picLocks noChangeAspect="1"/>
+          </p:cNvPicPr>
+          <p:nvPr/>
+        </p:nvPicPr>
+        <p:blipFill>
+          <a:blip r:embed="rId2">
+            <a:extLst/>
+          </a:blip>
+          <a:stretch>
+            <a:fillRect/>
+          </a:stretch>
+        </p:blipFill>
+        <p:spPr>
+          <a:xfrm>
+            <a:off x="364246" y="2646234"/>
+            <a:ext cx="12276308" cy="5151082"/>
+          </a:xfrm>
+          <a:prstGeom prst="rect">
+            <a:avLst/>
+          </a:prstGeom>
+          <a:ln w="12700">
+            <a:miter lim="400000"/>
+          </a:ln>
+        </p:spPr>
+      </p:pic>
+    </p:spTree>
+  </p:cSld>
+  <p:clrMapOvr>
+    <a:masterClrMapping/>
+  </p:clrMapOvr>
+  <p:transition xmlns:p14="http://schemas.microsoft.com/office/powerpoint/2010/main" spd="med" advClick="1"/>
+  <p:timing>
+    <p:tnLst>
+      <p:par>
+        <p:cTn id="1" nodeType="tmRoot" restart="never" dur="indefinite" fill="hold">
+          <p:childTnLst>
+            <p:seq concurrent="1" prevAc="none" nextAc="seek">
+              <p:cTn id="2" nodeType="mainSeq" dur="indefinite" fill="hold">
+                <p:childTnLst>
+                  <p:par>
+                    <p:cTn id="3" fill="hold">
+                      <p:stCondLst>
+                        <p:cond delay="indefinite"/>
+                      </p:stCondLst>
+                      <p:childTnLst>
+                        <p:par>
+                          <p:cTn id="4" fill="hold">
+                            <p:stCondLst>
+                              <p:cond delay="0"/>
+                            </p:stCondLst>
+                            <p:childTnLst>
+                              <p:par>
+                                <p:cTn id="5" presetClass="entr" nodeType="clickEffect" presetSubtype="0" presetID="1" grpId="1" fill="hold">
+                                  <p:stCondLst>
+                                    <p:cond delay="0"/>
+                                  </p:stCondLst>
+                                  <p:iterate type="lt" backwards="0">
+                                    <p:tmAbs val="100"/>
+                                  </p:iterate>
+                                  <p:childTnLst>
+                                    <p:set>
+                                      <p:cBhvr>
+                                        <p:cTn id="6" fill="hold"/>
+                                        <p:tgtEl>
+                                          <p:spTgt spid="173"/>
+                                        </p:tgtEl>
+                                        <p:attrNameLst>
+                                          <p:attrName>style.visibility</p:attrName>
+                                        </p:attrNameLst>
+                                      </p:cBhvr>
+                                      <p:to>
+                                        <p:strVal val="visible"/>
+                                      </p:to>
+                                    </p:set>
+                                  </p:childTnLst>
+                                </p:cTn>
+                              </p:par>
+                            </p:childTnLst>
+                          </p:cTn>
+                        </p:par>
+                      </p:childTnLst>
+                    </p:cTn>
+                  </p:par>
+                  <p:par>
+                    <p:cTn id="7" fill="hold">
+                      <p:stCondLst>
+                        <p:cond delay="indefinite"/>
+                      </p:stCondLst>
+                      <p:childTnLst>
+                        <p:par>
+                          <p:cTn id="8" fill="hold">
+                            <p:stCondLst>
+                              <p:cond delay="0"/>
+                            </p:stCondLst>
+                            <p:childTnLst>
+                              <p:par>
+                                <p:cTn id="9" presetClass="entr" nodeType="clickEffect" presetSubtype="5" presetID="3" grpId="2" fill="hold">
+                                  <p:stCondLst>
+                                    <p:cond delay="0"/>
+                                  </p:stCondLst>
+                                  <p:iterate type="el" backwards="0">
+                                    <p:tmAbs val="0"/>
+                                  </p:iterate>
+                                  <p:childTnLst>
+                                    <p:set>
+                                      <p:cBhvr>
+                                        <p:cTn id="10" fill="hold"/>
+                                        <p:tgtEl>
+                                          <p:spTgt spid="174"/>
+                                        </p:tgtEl>
+                                        <p:attrNameLst>
+                                          <p:attrName>style.visibility</p:attrName>
+                                        </p:attrNameLst>
+                                      </p:cBhvr>
+                                      <p:to>
+                                        <p:strVal val="visible"/>
+                                      </p:to>
+                                    </p:set>
+                                    <p:animEffect filter="blinds(vertical)" transition="in">
                                       <p:cBhvr>
                                         <p:cTn id="11" dur="4000"/>
                                         <p:tgtEl>
-                                          <p:spTgt spid="171"/>
+                                          <p:spTgt spid="174"/>
                                         </p:tgtEl>
                                       </p:cBhvr>
                                     </p:animEffect>
@@ -5284,14 +5201,14 @@
                 </p:childTnLst>
               </p:cTn>
               <p:prevCondLst>
-                <p:cond evt="onPrev" delay="0">
+                <p:cond evt="onPrev">
                   <p:tgtEl>
                     <p:sldTgt/>
                   </p:tgtEl>
                 </p:cond>
               </p:prevCondLst>
               <p:nextCondLst>
-                <p:cond evt="onNext" delay="0">
+                <p:cond evt="onNext">
                   <p:tgtEl>
                     <p:sldTgt/>
                   </p:tgtEl>
@@ -5303,15 +5220,15 @@
       </p:par>
     </p:tnLst>
     <p:bldLst>
-      <p:bldP spid="170" grpId="1" animBg="1" advAuto="0"/>
-      <p:bldP spid="171" grpId="2" animBg="1" advAuto="0"/>
+      <p:bldP build="whole" bldLvl="1" animBg="1" rev="0" advAuto="0" spid="174" grpId="2"/>
+      <p:bldP build="whole" bldLvl="1" animBg="1" rev="0" advAuto="0" spid="173" grpId="1"/>
     </p:bldLst>
   </p:timing>
 </p:sld>
 </file>
 
-<file path=ppt/slides/slide12.xml><?xml version="1.0" encoding="utf-8"?>
-<p:sld xmlns:a="http://schemas.openxmlformats.org/drawingml/2006/main" xmlns:r="http://schemas.openxmlformats.org/officeDocument/2006/relationships" xmlns:p="http://schemas.openxmlformats.org/presentationml/2006/main">
+<file path=ppt/slides/slide13.xml><?xml version="1.0" encoding="utf-8"?>
+<p:sld xmlns:a="http://schemas.openxmlformats.org/drawingml/2006/main" xmlns:r="http://schemas.openxmlformats.org/officeDocument/2006/relationships" xmlns:p="http://schemas.openxmlformats.org/presentationml/2006/main" xmlns:m="http://schemas.openxmlformats.org/officeDocument/2006/math" xmlns:a14="http://schemas.microsoft.com/office/drawing/2010/main" showMasterSp="1" showMasterPhAnim="1">
   <p:cSld>
     <p:spTree>
       <p:nvGrpSpPr>
@@ -5329,35 +5246,23 @@
       </p:grpSpPr>
       <p:graphicFrame>
         <p:nvGraphicFramePr>
-          <p:cNvPr id="173" name="Table"/>
+          <p:cNvPr id="176" name="Table"/>
           <p:cNvGraphicFramePr/>
           <p:nvPr/>
         </p:nvGraphicFramePr>
         <p:xfrm>
           <a:off x="399416" y="1781814"/>
-          <a:ext cx="5180330" cy="7363140"/>
+          <a:ext cx="5193031" cy="7375850"/>
         </p:xfrm>
-        <a:graphic>
+        <a:graphic xmlns:a="http://schemas.openxmlformats.org/drawingml/2006/main">
           <a:graphicData uri="http://schemas.openxmlformats.org/drawingml/2006/table">
             <a:tbl>
-              <a:tblPr bandRow="1">
+              <a:tblPr firstCol="0" firstRow="0" lastCol="0" lastRow="0" bandCol="0" bandRow="1" rtl="0">
                 <a:tableStyleId>{4C3C2611-4C71-4FC5-86AE-919BDF0F9419}</a:tableStyleId>
               </a:tblPr>
               <a:tblGrid>
-                <a:gridCol w="1470660">
-                  <a:extLst>
-                    <a:ext uri="{9D8B030D-6E8A-4147-A177-3AD203B41FA5}">
-                      <a16:colId xmlns:a16="http://schemas.microsoft.com/office/drawing/2014/main" val="20000"/>
-                    </a:ext>
-                  </a:extLst>
-                </a:gridCol>
-                <a:gridCol w="3709670">
-                  <a:extLst>
-                    <a:ext uri="{9D8B030D-6E8A-4147-A177-3AD203B41FA5}">
-                      <a16:colId xmlns:a16="http://schemas.microsoft.com/office/drawing/2014/main" val="20001"/>
-                    </a:ext>
-                  </a:extLst>
-                </a:gridCol>
+                <a:gridCol w="3151028"/>
+                <a:gridCol w="2029301"/>
               </a:tblGrid>
               <a:tr h="613595">
                 <a:tc>
@@ -5365,13 +5270,28 @@
                     <a:bodyPr/>
                     <a:lstStyle/>
                     <a:p>
-                      <a:pPr defTabSz="914400">
-                        <a:defRPr sz="2600"/>
+                      <a:pPr algn="l" defTabSz="457200">
+                        <a:defRPr>
+                          <a:solidFill>
+                            <a:srgbClr val="000000"/>
+                          </a:solidFill>
+                        </a:defRPr>
                       </a:pPr>
-                      <a:endParaRPr/>
+                      <a:r>
+                        <a:rPr b="1" sz="1400">
+                          <a:solidFill>
+                            <a:srgbClr val="414141"/>
+                          </a:solidFill>
+                          <a:latin typeface="Helvetica Neue"/>
+                          <a:ea typeface="Helvetica Neue"/>
+                          <a:cs typeface="Helvetica Neue"/>
+                          <a:sym typeface="Helvetica Neue"/>
+                        </a:rPr>
+                        <a:t>% without High School </a:t>
+                      </a:r>
                     </a:p>
                   </a:txBody>
-                  <a:tcPr marL="50800" marR="50800" marT="50800" marB="50800" anchor="ctr" horzOverflow="overflow">
+                  <a:tcPr marL="50800" marR="50800" marT="50800" marB="50800" anchor="ctr" anchorCtr="0" horzOverflow="overflow">
                     <a:lnL w="12700">
                       <a:solidFill>
                         <a:srgbClr val="000000"/>
@@ -5411,7 +5331,7 @@
                         </a:defRPr>
                       </a:pPr>
                       <a:r>
-                        <a:rPr sz="1400" b="1">
+                        <a:rPr b="1" sz="1400">
                           <a:solidFill>
                             <a:srgbClr val="414141"/>
                           </a:solidFill>
@@ -5420,11 +5340,11 @@
                           <a:cs typeface="Helvetica Neue"/>
                           <a:sym typeface="Helvetica Neue"/>
                         </a:rPr>
-                        <a:t>High School Graduate Percentage</a:t>
+                        <a:t>Theft</a:t>
                       </a:r>
                     </a:p>
                   </a:txBody>
-                  <a:tcPr marL="50800" marR="50800" marT="50800" marB="50800" anchor="ctr" horzOverflow="overflow">
+                  <a:tcPr marL="50800" marR="50800" marT="50800" marB="50800" anchor="ctr" anchorCtr="0" horzOverflow="overflow">
                     <a:lnL w="12700">
                       <a:solidFill>
                         <a:srgbClr val="000000"/>
@@ -5451,11 +5371,6 @@
                     </a:lnB>
                   </a:tcPr>
                 </a:tc>
-                <a:extLst>
-                  <a:ext uri="{0D108BD9-81ED-4DB2-BD59-A6C34878D82A}">
-                    <a16:rowId xmlns:a16="http://schemas.microsoft.com/office/drawing/2014/main" val="10000"/>
-                  </a:ext>
-                </a:extLst>
               </a:tr>
               <a:tr h="613595">
                 <a:tc>
@@ -5471,7 +5386,7 @@
                         </a:defRPr>
                       </a:pPr>
                       <a:r>
-                        <a:rPr sz="1400" b="1">
+                        <a:rPr b="1" sz="1400">
                           <a:solidFill>
                             <a:srgbClr val="414141"/>
                           </a:solidFill>
@@ -5484,7 +5399,7 @@
                       </a:r>
                     </a:p>
                   </a:txBody>
-                  <a:tcPr marL="50800" marR="50800" marT="50800" marB="50800" anchor="ctr" horzOverflow="overflow">
+                  <a:tcPr marL="50800" marR="50800" marT="50800" marB="50800" anchor="ctr" anchorCtr="0" horzOverflow="overflow">
                     <a:lnL w="12700">
                       <a:solidFill>
                         <a:srgbClr val="000000"/>
@@ -5537,7 +5452,7 @@
                       </a:r>
                     </a:p>
                   </a:txBody>
-                  <a:tcPr marL="50800" marR="50800" marT="50800" marB="50800" anchor="ctr" horzOverflow="overflow">
+                  <a:tcPr marL="50800" marR="50800" marT="50800" marB="50800" anchor="ctr" anchorCtr="0" horzOverflow="overflow">
                     <a:lnL w="12700">
                       <a:solidFill>
                         <a:srgbClr val="000000"/>
@@ -5564,11 +5479,6 @@
                     </a:lnB>
                   </a:tcPr>
                 </a:tc>
-                <a:extLst>
-                  <a:ext uri="{0D108BD9-81ED-4DB2-BD59-A6C34878D82A}">
-                    <a16:rowId xmlns:a16="http://schemas.microsoft.com/office/drawing/2014/main" val="10001"/>
-                  </a:ext>
-                </a:extLst>
               </a:tr>
               <a:tr h="613595">
                 <a:tc>
@@ -5584,7 +5494,7 @@
                         </a:defRPr>
                       </a:pPr>
                       <a:r>
-                        <a:rPr sz="1400" b="1">
+                        <a:rPr b="1" sz="1400">
                           <a:solidFill>
                             <a:srgbClr val="414141"/>
                           </a:solidFill>
@@ -5597,7 +5507,7 @@
                       </a:r>
                     </a:p>
                   </a:txBody>
-                  <a:tcPr marL="50800" marR="50800" marT="50800" marB="50800" anchor="ctr" horzOverflow="overflow">
+                  <a:tcPr marL="50800" marR="50800" marT="50800" marB="50800" anchor="ctr" anchorCtr="0" horzOverflow="overflow">
                     <a:lnL w="12700">
                       <a:solidFill>
                         <a:srgbClr val="000000"/>
@@ -5650,7 +5560,7 @@
                       </a:r>
                     </a:p>
                   </a:txBody>
-                  <a:tcPr marL="50800" marR="50800" marT="50800" marB="50800" anchor="ctr" horzOverflow="overflow">
+                  <a:tcPr marL="50800" marR="50800" marT="50800" marB="50800" anchor="ctr" anchorCtr="0" horzOverflow="overflow">
                     <a:lnL w="12700">
                       <a:solidFill>
                         <a:srgbClr val="000000"/>
@@ -5677,11 +5587,6 @@
                     </a:lnB>
                   </a:tcPr>
                 </a:tc>
-                <a:extLst>
-                  <a:ext uri="{0D108BD9-81ED-4DB2-BD59-A6C34878D82A}">
-                    <a16:rowId xmlns:a16="http://schemas.microsoft.com/office/drawing/2014/main" val="10002"/>
-                  </a:ext>
-                </a:extLst>
               </a:tr>
               <a:tr h="613595">
                 <a:tc>
@@ -5697,7 +5602,7 @@
                         </a:defRPr>
                       </a:pPr>
                       <a:r>
-                        <a:rPr sz="1400" b="1">
+                        <a:rPr b="1" sz="1400">
                           <a:solidFill>
                             <a:srgbClr val="414141"/>
                           </a:solidFill>
@@ -5710,7 +5615,7 @@
                       </a:r>
                     </a:p>
                   </a:txBody>
-                  <a:tcPr marL="50800" marR="50800" marT="50800" marB="50800" anchor="ctr" horzOverflow="overflow">
+                  <a:tcPr marL="50800" marR="50800" marT="50800" marB="50800" anchor="ctr" anchorCtr="0" horzOverflow="overflow">
                     <a:lnL w="12700">
                       <a:solidFill>
                         <a:srgbClr val="000000"/>
@@ -5763,7 +5668,7 @@
                       </a:r>
                     </a:p>
                   </a:txBody>
-                  <a:tcPr marL="50800" marR="50800" marT="50800" marB="50800" anchor="ctr" horzOverflow="overflow">
+                  <a:tcPr marL="50800" marR="50800" marT="50800" marB="50800" anchor="ctr" anchorCtr="0" horzOverflow="overflow">
                     <a:lnL w="12700">
                       <a:solidFill>
                         <a:srgbClr val="000000"/>
@@ -5790,11 +5695,6 @@
                     </a:lnB>
                   </a:tcPr>
                 </a:tc>
-                <a:extLst>
-                  <a:ext uri="{0D108BD9-81ED-4DB2-BD59-A6C34878D82A}">
-                    <a16:rowId xmlns:a16="http://schemas.microsoft.com/office/drawing/2014/main" val="10003"/>
-                  </a:ext>
-                </a:extLst>
               </a:tr>
               <a:tr h="613595">
                 <a:tc>
@@ -5810,7 +5710,7 @@
                         </a:defRPr>
                       </a:pPr>
                       <a:r>
-                        <a:rPr sz="1400" b="1">
+                        <a:rPr b="1" sz="1400">
                           <a:solidFill>
                             <a:srgbClr val="414141"/>
                           </a:solidFill>
@@ -5823,7 +5723,7 @@
                       </a:r>
                     </a:p>
                   </a:txBody>
-                  <a:tcPr marL="50800" marR="50800" marT="50800" marB="50800" anchor="ctr" horzOverflow="overflow">
+                  <a:tcPr marL="50800" marR="50800" marT="50800" marB="50800" anchor="ctr" anchorCtr="0" horzOverflow="overflow">
                     <a:lnL w="12700">
                       <a:solidFill>
                         <a:srgbClr val="000000"/>
@@ -5876,7 +5776,7 @@
                       </a:r>
                     </a:p>
                   </a:txBody>
-                  <a:tcPr marL="50800" marR="50800" marT="50800" marB="50800" anchor="ctr" horzOverflow="overflow">
+                  <a:tcPr marL="50800" marR="50800" marT="50800" marB="50800" anchor="ctr" anchorCtr="0" horzOverflow="overflow">
                     <a:lnL w="12700">
                       <a:solidFill>
                         <a:srgbClr val="000000"/>
@@ -5903,11 +5803,6 @@
                     </a:lnB>
                   </a:tcPr>
                 </a:tc>
-                <a:extLst>
-                  <a:ext uri="{0D108BD9-81ED-4DB2-BD59-A6C34878D82A}">
-                    <a16:rowId xmlns:a16="http://schemas.microsoft.com/office/drawing/2014/main" val="10004"/>
-                  </a:ext>
-                </a:extLst>
               </a:tr>
               <a:tr h="613595">
                 <a:tc>
@@ -5923,7 +5818,7 @@
                         </a:defRPr>
                       </a:pPr>
                       <a:r>
-                        <a:rPr sz="1400" b="1">
+                        <a:rPr b="1" sz="1400">
                           <a:solidFill>
                             <a:srgbClr val="414141"/>
                           </a:solidFill>
@@ -5936,7 +5831,7 @@
                       </a:r>
                     </a:p>
                   </a:txBody>
-                  <a:tcPr marL="50800" marR="50800" marT="50800" marB="50800" anchor="ctr" horzOverflow="overflow">
+                  <a:tcPr marL="50800" marR="50800" marT="50800" marB="50800" anchor="ctr" anchorCtr="0" horzOverflow="overflow">
                     <a:lnL w="12700">
                       <a:solidFill>
                         <a:srgbClr val="000000"/>
@@ -5989,7 +5884,7 @@
                       </a:r>
                     </a:p>
                   </a:txBody>
-                  <a:tcPr marL="50800" marR="50800" marT="50800" marB="50800" anchor="ctr" horzOverflow="overflow">
+                  <a:tcPr marL="50800" marR="50800" marT="50800" marB="50800" anchor="ctr" anchorCtr="0" horzOverflow="overflow">
                     <a:lnL w="12700">
                       <a:solidFill>
                         <a:srgbClr val="000000"/>
@@ -6016,11 +5911,6 @@
                     </a:lnB>
                   </a:tcPr>
                 </a:tc>
-                <a:extLst>
-                  <a:ext uri="{0D108BD9-81ED-4DB2-BD59-A6C34878D82A}">
-                    <a16:rowId xmlns:a16="http://schemas.microsoft.com/office/drawing/2014/main" val="10005"/>
-                  </a:ext>
-                </a:extLst>
               </a:tr>
               <a:tr h="613595">
                 <a:tc>
@@ -6036,7 +5926,7 @@
                         </a:defRPr>
                       </a:pPr>
                       <a:r>
-                        <a:rPr sz="1400" b="1">
+                        <a:rPr b="1" sz="1400">
                           <a:solidFill>
                             <a:srgbClr val="414141"/>
                           </a:solidFill>
@@ -6049,7 +5939,7 @@
                       </a:r>
                     </a:p>
                   </a:txBody>
-                  <a:tcPr marL="50800" marR="50800" marT="50800" marB="50800" anchor="ctr" horzOverflow="overflow">
+                  <a:tcPr marL="50800" marR="50800" marT="50800" marB="50800" anchor="ctr" anchorCtr="0" horzOverflow="overflow">
                     <a:lnL w="12700">
                       <a:solidFill>
                         <a:srgbClr val="000000"/>
@@ -6102,7 +5992,7 @@
                       </a:r>
                     </a:p>
                   </a:txBody>
-                  <a:tcPr marL="50800" marR="50800" marT="50800" marB="50800" anchor="ctr" horzOverflow="overflow">
+                  <a:tcPr marL="50800" marR="50800" marT="50800" marB="50800" anchor="ctr" anchorCtr="0" horzOverflow="overflow">
                     <a:lnL w="12700">
                       <a:solidFill>
                         <a:srgbClr val="000000"/>
@@ -6129,11 +6019,6 @@
                     </a:lnB>
                   </a:tcPr>
                 </a:tc>
-                <a:extLst>
-                  <a:ext uri="{0D108BD9-81ED-4DB2-BD59-A6C34878D82A}">
-                    <a16:rowId xmlns:a16="http://schemas.microsoft.com/office/drawing/2014/main" val="10006"/>
-                  </a:ext>
-                </a:extLst>
               </a:tr>
               <a:tr h="613595">
                 <a:tc>
@@ -6149,7 +6034,7 @@
                         </a:defRPr>
                       </a:pPr>
                       <a:r>
-                        <a:rPr sz="1400" b="1">
+                        <a:rPr b="1" sz="1400">
                           <a:solidFill>
                             <a:srgbClr val="414141"/>
                           </a:solidFill>
@@ -6162,7 +6047,7 @@
                       </a:r>
                     </a:p>
                   </a:txBody>
-                  <a:tcPr marL="50800" marR="50800" marT="50800" marB="50800" anchor="ctr" horzOverflow="overflow">
+                  <a:tcPr marL="50800" marR="50800" marT="50800" marB="50800" anchor="ctr" anchorCtr="0" horzOverflow="overflow">
                     <a:lnL w="12700">
                       <a:solidFill>
                         <a:srgbClr val="000000"/>
@@ -6215,7 +6100,7 @@
                       </a:r>
                     </a:p>
                   </a:txBody>
-                  <a:tcPr marL="50800" marR="50800" marT="50800" marB="50800" anchor="ctr" horzOverflow="overflow">
+                  <a:tcPr marL="50800" marR="50800" marT="50800" marB="50800" anchor="ctr" anchorCtr="0" horzOverflow="overflow">
                     <a:lnL w="12700">
                       <a:solidFill>
                         <a:srgbClr val="000000"/>
@@ -6242,11 +6127,6 @@
                     </a:lnB>
                   </a:tcPr>
                 </a:tc>
-                <a:extLst>
-                  <a:ext uri="{0D108BD9-81ED-4DB2-BD59-A6C34878D82A}">
-                    <a16:rowId xmlns:a16="http://schemas.microsoft.com/office/drawing/2014/main" val="10007"/>
-                  </a:ext>
-                </a:extLst>
               </a:tr>
               <a:tr h="613595">
                 <a:tc>
@@ -6262,7 +6142,7 @@
                         </a:defRPr>
                       </a:pPr>
                       <a:r>
-                        <a:rPr sz="1400" b="1">
+                        <a:rPr b="1" sz="1400">
                           <a:solidFill>
                             <a:srgbClr val="414141"/>
                           </a:solidFill>
@@ -6275,7 +6155,7 @@
                       </a:r>
                     </a:p>
                   </a:txBody>
-                  <a:tcPr marL="50800" marR="50800" marT="50800" marB="50800" anchor="ctr" horzOverflow="overflow">
+                  <a:tcPr marL="50800" marR="50800" marT="50800" marB="50800" anchor="ctr" anchorCtr="0" horzOverflow="overflow">
                     <a:lnL w="12700">
                       <a:solidFill>
                         <a:srgbClr val="000000"/>
@@ -6328,7 +6208,7 @@
                       </a:r>
                     </a:p>
                   </a:txBody>
-                  <a:tcPr marL="50800" marR="50800" marT="50800" marB="50800" anchor="ctr" horzOverflow="overflow">
+                  <a:tcPr marL="50800" marR="50800" marT="50800" marB="50800" anchor="ctr" anchorCtr="0" horzOverflow="overflow">
                     <a:lnL w="12700">
                       <a:solidFill>
                         <a:srgbClr val="000000"/>
@@ -6355,11 +6235,6 @@
                     </a:lnB>
                   </a:tcPr>
                 </a:tc>
-                <a:extLst>
-                  <a:ext uri="{0D108BD9-81ED-4DB2-BD59-A6C34878D82A}">
-                    <a16:rowId xmlns:a16="http://schemas.microsoft.com/office/drawing/2014/main" val="10008"/>
-                  </a:ext>
-                </a:extLst>
               </a:tr>
               <a:tr h="613595">
                 <a:tc>
@@ -6375,7 +6250,7 @@
                         </a:defRPr>
                       </a:pPr>
                       <a:r>
-                        <a:rPr sz="1400" b="1">
+                        <a:rPr b="1" sz="1400">
                           <a:solidFill>
                             <a:srgbClr val="414141"/>
                           </a:solidFill>
@@ -6388,7 +6263,7 @@
                       </a:r>
                     </a:p>
                   </a:txBody>
-                  <a:tcPr marL="50800" marR="50800" marT="50800" marB="50800" anchor="ctr" horzOverflow="overflow">
+                  <a:tcPr marL="50800" marR="50800" marT="50800" marB="50800" anchor="ctr" anchorCtr="0" horzOverflow="overflow">
                     <a:lnL w="12700">
                       <a:solidFill>
                         <a:srgbClr val="000000"/>
@@ -6441,7 +6316,7 @@
                       </a:r>
                     </a:p>
                   </a:txBody>
-                  <a:tcPr marL="50800" marR="50800" marT="50800" marB="50800" anchor="ctr" horzOverflow="overflow">
+                  <a:tcPr marL="50800" marR="50800" marT="50800" marB="50800" anchor="ctr" anchorCtr="0" horzOverflow="overflow">
                     <a:lnL w="12700">
                       <a:solidFill>
                         <a:srgbClr val="000000"/>
@@ -6468,11 +6343,6 @@
                     </a:lnB>
                   </a:tcPr>
                 </a:tc>
-                <a:extLst>
-                  <a:ext uri="{0D108BD9-81ED-4DB2-BD59-A6C34878D82A}">
-                    <a16:rowId xmlns:a16="http://schemas.microsoft.com/office/drawing/2014/main" val="10009"/>
-                  </a:ext>
-                </a:extLst>
               </a:tr>
               <a:tr h="613595">
                 <a:tc>
@@ -6488,7 +6358,7 @@
                         </a:defRPr>
                       </a:pPr>
                       <a:r>
-                        <a:rPr sz="1400" b="1">
+                        <a:rPr b="1" sz="1400">
                           <a:solidFill>
                             <a:srgbClr val="414141"/>
                           </a:solidFill>
@@ -6501,7 +6371,7 @@
                       </a:r>
                     </a:p>
                   </a:txBody>
-                  <a:tcPr marL="50800" marR="50800" marT="50800" marB="50800" anchor="ctr" horzOverflow="overflow">
+                  <a:tcPr marL="50800" marR="50800" marT="50800" marB="50800" anchor="ctr" anchorCtr="0" horzOverflow="overflow">
                     <a:lnL w="12700">
                       <a:solidFill>
                         <a:srgbClr val="000000"/>
@@ -6554,7 +6424,7 @@
                       </a:r>
                     </a:p>
                   </a:txBody>
-                  <a:tcPr marL="50800" marR="50800" marT="50800" marB="50800" anchor="ctr" horzOverflow="overflow">
+                  <a:tcPr marL="50800" marR="50800" marT="50800" marB="50800" anchor="ctr" anchorCtr="0" horzOverflow="overflow">
                     <a:lnL w="12700">
                       <a:solidFill>
                         <a:srgbClr val="000000"/>
@@ -6581,11 +6451,6 @@
                     </a:lnB>
                   </a:tcPr>
                 </a:tc>
-                <a:extLst>
-                  <a:ext uri="{0D108BD9-81ED-4DB2-BD59-A6C34878D82A}">
-                    <a16:rowId xmlns:a16="http://schemas.microsoft.com/office/drawing/2014/main" val="10010"/>
-                  </a:ext>
-                </a:extLst>
               </a:tr>
               <a:tr h="613595">
                 <a:tc>
@@ -6601,7 +6466,7 @@
                         </a:defRPr>
                       </a:pPr>
                       <a:r>
-                        <a:rPr sz="1400" b="1">
+                        <a:rPr b="1" sz="1400">
                           <a:solidFill>
                             <a:srgbClr val="414141"/>
                           </a:solidFill>
@@ -6614,7 +6479,7 @@
                       </a:r>
                     </a:p>
                   </a:txBody>
-                  <a:tcPr marL="50800" marR="50800" marT="50800" marB="50800" anchor="ctr" horzOverflow="overflow">
+                  <a:tcPr marL="50800" marR="50800" marT="50800" marB="50800" anchor="ctr" anchorCtr="0" horzOverflow="overflow">
                     <a:lnL w="12700">
                       <a:solidFill>
                         <a:srgbClr val="000000"/>
@@ -6667,7 +6532,7 @@
                       </a:r>
                     </a:p>
                   </a:txBody>
-                  <a:tcPr marL="50800" marR="50800" marT="50800" marB="50800" anchor="ctr" horzOverflow="overflow">
+                  <a:tcPr marL="50800" marR="50800" marT="50800" marB="50800" anchor="ctr" anchorCtr="0" horzOverflow="overflow">
                     <a:lnL w="12700">
                       <a:solidFill>
                         <a:srgbClr val="000000"/>
@@ -6694,11 +6559,6 @@
                     </a:lnB>
                   </a:tcPr>
                 </a:tc>
-                <a:extLst>
-                  <a:ext uri="{0D108BD9-81ED-4DB2-BD59-A6C34878D82A}">
-                    <a16:rowId xmlns:a16="http://schemas.microsoft.com/office/drawing/2014/main" val="10011"/>
-                  </a:ext>
-                </a:extLst>
               </a:tr>
             </a:tbl>
           </a:graphicData>
@@ -6706,7 +6566,7 @@
       </p:graphicFrame>
       <p:pic>
         <p:nvPicPr>
-          <p:cNvPr id="174" name="Theft_Without_High_School_Diploma.png" descr="Theft_Without_High_School_Diploma.png"/>
+          <p:cNvPr id="177" name="Theft_Without_High_School_Diploma.png" descr="Theft_Without_High_School_Diploma.png"/>
           <p:cNvPicPr>
             <a:picLocks noChangeAspect="1"/>
           </p:cNvPicPr>
@@ -6735,10 +6595,8 @@
       </p:pic>
       <p:sp>
         <p:nvSpPr>
-          <p:cNvPr id="175" name="Theft vs % Without High School Graduate Percentage"/>
-          <p:cNvSpPr txBox="1">
-            <a:spLocks noGrp="1"/>
-          </p:cNvSpPr>
+          <p:cNvPr id="178" name="Theft vs % Without High School Graduate Percentage"/>
+          <p:cNvSpPr txBox="1"/>
           <p:nvPr>
             <p:ph type="title" idx="4294967295"/>
           </p:nvPr>
@@ -6763,6 +6621,7 @@
             </a:lvl1pPr>
           </a:lstStyle>
           <a:p>
+            <a:pPr/>
             <a:r>
               <a:t>Theft vs % Without High School Graduate Percentage </a:t>
             </a:r>
@@ -6774,14 +6633,14 @@
   <p:clrMapOvr>
     <a:masterClrMapping/>
   </p:clrMapOvr>
-  <p:transition spd="med"/>
+  <p:transition xmlns:p14="http://schemas.microsoft.com/office/powerpoint/2010/main" spd="med" advClick="1"/>
   <p:timing>
     <p:tnLst>
       <p:par>
-        <p:cTn id="1" dur="indefinite" restart="never" fill="hold" nodeType="tmRoot">
+        <p:cTn id="1" nodeType="tmRoot" restart="never" dur="indefinite" fill="hold">
           <p:childTnLst>
             <p:seq concurrent="1" prevAc="none" nextAc="seek">
-              <p:cTn id="2" dur="indefinite" fill="hold" nodeType="mainSeq">
+              <p:cTn id="2" nodeType="mainSeq" dur="indefinite" fill="hold">
                 <p:childTnLst>
                   <p:par>
                     <p:cTn id="3" fill="hold">
@@ -6796,11 +6655,11 @@
                             </p:stCondLst>
                             <p:childTnLst>
                               <p:par>
-                                <p:cTn id="5" presetID="1" presetClass="entr" presetSubtype="0" fill="hold" grpId="1" nodeType="clickEffect">
+                                <p:cTn id="5" presetClass="entr" nodeType="clickEffect" presetSubtype="0" presetID="1" grpId="1" fill="hold">
                                   <p:stCondLst>
                                     <p:cond delay="0"/>
                                   </p:stCondLst>
-                                  <p:iterate type="lt">
+                                  <p:iterate type="lt" backwards="0">
                                     <p:tmAbs val="100"/>
                                   </p:iterate>
                                   <p:childTnLst>
@@ -6808,7 +6667,7 @@
                                       <p:cBhvr>
                                         <p:cTn id="6" fill="hold"/>
                                         <p:tgtEl>
-                                          <p:spTgt spid="175"/>
+                                          <p:spTgt spid="178"/>
                                         </p:tgtEl>
                                         <p:attrNameLst>
                                           <p:attrName>style.visibility</p:attrName>
@@ -6840,11 +6699,11 @@
                             </p:stCondLst>
                             <p:childTnLst>
                               <p:par>
-                                <p:cTn id="9" presetID="4" presetClass="entr" presetSubtype="32" fill="hold" grpId="2" nodeType="clickEffect">
+                                <p:cTn id="9" presetClass="entr" nodeType="clickEffect" presetSubtype="32" presetID="4" grpId="2" fill="hold">
                                   <p:stCondLst>
                                     <p:cond delay="0"/>
                                   </p:stCondLst>
-                                  <p:iterate>
+                                  <p:iterate type="el" backwards="0">
                                     <p:tmAbs val="0"/>
                                   </p:iterate>
                                   <p:childTnLst>
@@ -6852,7 +6711,7 @@
                                       <p:cBhvr>
                                         <p:cTn id="10" fill="hold"/>
                                         <p:tgtEl>
-                                          <p:spTgt spid="173"/>
+                                          <p:spTgt spid="176"/>
                                         </p:tgtEl>
                                         <p:attrNameLst>
                                           <p:attrName>style.visibility</p:attrName>
@@ -6862,11 +6721,11 @@
                                         <p:strVal val="visible"/>
                                       </p:to>
                                     </p:set>
-                                    <p:animEffect transition="in" filter="box(out)">
+                                    <p:animEffect filter="box(out)" transition="in">
                                       <p:cBhvr>
                                         <p:cTn id="11" dur="1000"/>
                                         <p:tgtEl>
-                                          <p:spTgt spid="173"/>
+                                          <p:spTgt spid="176"/>
                                         </p:tgtEl>
                                       </p:cBhvr>
                                     </p:animEffect>
@@ -6892,11 +6751,11 @@
                             </p:stCondLst>
                             <p:childTnLst>
                               <p:par>
-                                <p:cTn id="14" presetID="1" presetClass="entr" presetSubtype="0" fill="hold" grpId="3" nodeType="clickEffect">
+                                <p:cTn id="14" presetClass="entr" nodeType="clickEffect" presetSubtype="0" presetID="1" grpId="3" fill="hold">
                                   <p:stCondLst>
                                     <p:cond delay="0"/>
                                   </p:stCondLst>
-                                  <p:iterate>
+                                  <p:iterate type="el" backwards="0">
                                     <p:tmAbs val="0"/>
                                   </p:iterate>
                                   <p:childTnLst>
@@ -6904,7 +6763,7 @@
                                       <p:cBhvr>
                                         <p:cTn id="15" fill="hold"/>
                                         <p:tgtEl>
-                                          <p:spTgt spid="174"/>
+                                          <p:spTgt spid="177"/>
                                         </p:tgtEl>
                                         <p:attrNameLst>
                                           <p:attrName>style.visibility</p:attrName>
@@ -6926,14 +6785,14 @@
                 </p:childTnLst>
               </p:cTn>
               <p:prevCondLst>
-                <p:cond evt="onPrev" delay="0">
+                <p:cond evt="onPrev">
                   <p:tgtEl>
                     <p:sldTgt/>
                   </p:tgtEl>
                 </p:cond>
               </p:prevCondLst>
               <p:nextCondLst>
-                <p:cond evt="onNext" delay="0">
+                <p:cond evt="onNext">
                   <p:tgtEl>
                     <p:sldTgt/>
                   </p:tgtEl>
@@ -6945,16 +6804,16 @@
       </p:par>
     </p:tnLst>
     <p:bldLst>
-      <p:bldP spid="173" grpId="2" animBg="1" advAuto="0"/>
-      <p:bldP spid="174" grpId="3" animBg="1" advAuto="0"/>
-      <p:bldP spid="175" grpId="1" animBg="1" advAuto="0"/>
+      <p:bldP build="whole" bldLvl="1" animBg="1" rev="0" advAuto="0" spid="176" grpId="2"/>
+      <p:bldP build="whole" bldLvl="1" animBg="1" rev="0" advAuto="0" spid="177" grpId="3"/>
+      <p:bldP build="whole" bldLvl="1" animBg="1" rev="0" advAuto="0" spid="178" grpId="1"/>
     </p:bldLst>
   </p:timing>
 </p:sld>
 </file>
 
-<file path=ppt/slides/slide13.xml><?xml version="1.0" encoding="utf-8"?>
-<p:sld xmlns:a="http://schemas.openxmlformats.org/drawingml/2006/main" xmlns:r="http://schemas.openxmlformats.org/officeDocument/2006/relationships" xmlns:p="http://schemas.openxmlformats.org/presentationml/2006/main">
+<file path=ppt/slides/slide14.xml><?xml version="1.0" encoding="utf-8"?>
+<p:sld xmlns:a="http://schemas.openxmlformats.org/drawingml/2006/main" xmlns:r="http://schemas.openxmlformats.org/officeDocument/2006/relationships" xmlns:p="http://schemas.openxmlformats.org/presentationml/2006/main" xmlns:m="http://schemas.openxmlformats.org/officeDocument/2006/math" xmlns:a14="http://schemas.microsoft.com/office/drawing/2010/main" showMasterSp="1" showMasterPhAnim="1">
   <p:cSld>
     <p:spTree>
       <p:nvGrpSpPr>
@@ -6972,7 +6831,7 @@
       </p:grpSpPr>
       <p:pic>
         <p:nvPicPr>
-          <p:cNvPr id="177" name="Theft_vs_Houses_Under_Poverty.png" descr="Theft_vs_Houses_Under_Poverty.png"/>
+          <p:cNvPr id="180" name="Theft_vs_Houses_Under_Poverty.png" descr="Theft_vs_Houses_Under_Poverty.png"/>
           <p:cNvPicPr>
             <a:picLocks noChangeAspect="1"/>
           </p:cNvPicPr>
@@ -6982,7 +6841,7 @@
           <a:blip r:embed="rId2">
             <a:extLst/>
           </a:blip>
-          <a:srcRect/>
+          <a:srcRect l="0" t="0" r="0" b="0"/>
           <a:stretch>
             <a:fillRect/>
           </a:stretch>
@@ -7002,10 +6861,8 @@
       </p:pic>
       <p:sp>
         <p:nvSpPr>
-          <p:cNvPr id="178" name="Theft vs % Houses Under Poverty"/>
-          <p:cNvSpPr txBox="1">
-            <a:spLocks noGrp="1"/>
-          </p:cNvSpPr>
+          <p:cNvPr id="181" name="Theft vs % Houses Under Poverty"/>
+          <p:cNvSpPr txBox="1"/>
           <p:nvPr>
             <p:ph type="title" idx="4294967295"/>
           </p:nvPr>
@@ -7023,6 +6880,7 @@
           <a:bodyPr/>
           <a:lstStyle/>
           <a:p>
+            <a:pPr/>
             <a:r>
               <a:t>Theft vs % Houses Under Poverty</a:t>
             </a:r>
@@ -7034,14 +6892,14 @@
   <p:clrMapOvr>
     <a:masterClrMapping/>
   </p:clrMapOvr>
-  <p:transition spd="med"/>
+  <p:transition xmlns:p14="http://schemas.microsoft.com/office/powerpoint/2010/main" spd="med" advClick="1"/>
   <p:timing>
     <p:tnLst>
       <p:par>
-        <p:cTn id="1" dur="indefinite" restart="never" fill="hold" nodeType="tmRoot">
+        <p:cTn id="1" nodeType="tmRoot" restart="never" dur="indefinite" fill="hold">
           <p:childTnLst>
             <p:seq concurrent="1" prevAc="none" nextAc="seek">
-              <p:cTn id="2" dur="indefinite" fill="hold" nodeType="mainSeq">
+              <p:cTn id="2" nodeType="mainSeq" dur="indefinite" fill="hold">
                 <p:childTnLst>
                   <p:par>
                     <p:cTn id="3" fill="hold">
@@ -7056,11 +6914,11 @@
                             </p:stCondLst>
                             <p:childTnLst>
                               <p:par>
-                                <p:cTn id="5" presetID="23" presetClass="entr" presetSubtype="16" fill="hold" grpId="1" nodeType="clickEffect">
+                                <p:cTn id="5" presetClass="entr" nodeType="clickEffect" presetSubtype="16" presetID="23" grpId="1" fill="hold">
                                   <p:stCondLst>
                                     <p:cond delay="0"/>
                                   </p:stCondLst>
-                                  <p:iterate>
+                                  <p:iterate type="el" backwards="0">
                                     <p:tmAbs val="0"/>
                                   </p:iterate>
                                   <p:childTnLst>
@@ -7068,7 +6926,7 @@
                                       <p:cBhvr>
                                         <p:cTn id="6" fill="hold"/>
                                         <p:tgtEl>
-                                          <p:spTgt spid="178"/>
+                                          <p:spTgt spid="181"/>
                                         </p:tgtEl>
                                         <p:attrNameLst>
                                           <p:attrName>style.visibility</p:attrName>
@@ -7082,7 +6940,7 @@
                                       <p:cBhvr>
                                         <p:cTn id="7" dur="750" fill="hold"/>
                                         <p:tgtEl>
-                                          <p:spTgt spid="178"/>
+                                          <p:spTgt spid="181"/>
                                         </p:tgtEl>
                                         <p:attrNameLst>
                                           <p:attrName>ppt_w</p:attrName>
@@ -7105,7 +6963,7 @@
                                       <p:cBhvr>
                                         <p:cTn id="8" dur="750" fill="hold"/>
                                         <p:tgtEl>
-                                          <p:spTgt spid="178"/>
+                                          <p:spTgt spid="181"/>
                                         </p:tgtEl>
                                         <p:attrNameLst>
                                           <p:attrName>ppt_h</p:attrName>
@@ -7146,269 +7004,17 @@
                             </p:stCondLst>
                             <p:childTnLst>
                               <p:par>
-                                <p:cTn id="11" presetID="2" presetClass="entr" presetSubtype="8" fill="hold" grpId="2" nodeType="clickEffect">
+                                <p:cTn id="11" presetClass="entr" nodeType="clickEffect" presetSubtype="8" presetID="2" grpId="2" fill="hold">
                                   <p:stCondLst>
                                     <p:cond delay="0"/>
                                   </p:stCondLst>
-                                  <p:iterate>
+                                  <p:iterate type="el" backwards="0">
                                     <p:tmAbs val="0"/>
                                   </p:iterate>
                                   <p:childTnLst>
                                     <p:set>
                                       <p:cBhvr>
                                         <p:cTn id="12" fill="hold"/>
-                                        <p:tgtEl>
-                                          <p:spTgt spid="177"/>
-                                        </p:tgtEl>
-                                        <p:attrNameLst>
-                                          <p:attrName>style.visibility</p:attrName>
-                                        </p:attrNameLst>
-                                      </p:cBhvr>
-                                      <p:to>
-                                        <p:strVal val="visible"/>
-                                      </p:to>
-                                    </p:set>
-                                    <p:anim calcmode="lin" valueType="num">
-                                      <p:cBhvr>
-                                        <p:cTn id="13" dur="1000" fill="hold"/>
-                                        <p:tgtEl>
-                                          <p:spTgt spid="177"/>
-                                        </p:tgtEl>
-                                        <p:attrNameLst>
-                                          <p:attrName>ppt_x</p:attrName>
-                                        </p:attrNameLst>
-                                      </p:cBhvr>
-                                      <p:tavLst>
-                                        <p:tav tm="0">
-                                          <p:val>
-                                            <p:strVal val="0-#ppt_w/2"/>
-                                          </p:val>
-                                        </p:tav>
-                                        <p:tav tm="100000">
-                                          <p:val>
-                                            <p:strVal val="#ppt_x"/>
-                                          </p:val>
-                                        </p:tav>
-                                      </p:tavLst>
-                                    </p:anim>
-                                    <p:anim calcmode="lin" valueType="num">
-                                      <p:cBhvr>
-                                        <p:cTn id="14" dur="1000" fill="hold"/>
-                                        <p:tgtEl>
-                                          <p:spTgt spid="177"/>
-                                        </p:tgtEl>
-                                        <p:attrNameLst>
-                                          <p:attrName>ppt_y</p:attrName>
-                                        </p:attrNameLst>
-                                      </p:cBhvr>
-                                      <p:tavLst>
-                                        <p:tav tm="0">
-                                          <p:val>
-                                            <p:strVal val="#ppt_y"/>
-                                          </p:val>
-                                        </p:tav>
-                                        <p:tav tm="100000">
-                                          <p:val>
-                                            <p:strVal val="#ppt_y"/>
-                                          </p:val>
-                                        </p:tav>
-                                      </p:tavLst>
-                                    </p:anim>
-                                  </p:childTnLst>
-                                </p:cTn>
-                              </p:par>
-                            </p:childTnLst>
-                          </p:cTn>
-                        </p:par>
-                      </p:childTnLst>
-                    </p:cTn>
-                  </p:par>
-                </p:childTnLst>
-              </p:cTn>
-              <p:prevCondLst>
-                <p:cond evt="onPrev" delay="0">
-                  <p:tgtEl>
-                    <p:sldTgt/>
-                  </p:tgtEl>
-                </p:cond>
-              </p:prevCondLst>
-              <p:nextCondLst>
-                <p:cond evt="onNext" delay="0">
-                  <p:tgtEl>
-                    <p:sldTgt/>
-                  </p:tgtEl>
-                </p:cond>
-              </p:nextCondLst>
-            </p:seq>
-          </p:childTnLst>
-        </p:cTn>
-      </p:par>
-    </p:tnLst>
-    <p:bldLst>
-      <p:bldP spid="177" grpId="2" animBg="1" advAuto="0"/>
-      <p:bldP spid="178" grpId="1" animBg="1" advAuto="0"/>
-    </p:bldLst>
-  </p:timing>
-</p:sld>
-</file>
-
-<file path=ppt/slides/slide14.xml><?xml version="1.0" encoding="utf-8"?>
-<p:sld xmlns:a="http://schemas.openxmlformats.org/drawingml/2006/main" xmlns:r="http://schemas.openxmlformats.org/officeDocument/2006/relationships" xmlns:p="http://schemas.openxmlformats.org/presentationml/2006/main">
-  <p:cSld>
-    <p:spTree>
-      <p:nvGrpSpPr>
-        <p:cNvPr id="1" name=""/>
-        <p:cNvGrpSpPr/>
-        <p:nvPr/>
-      </p:nvGrpSpPr>
-      <p:grpSpPr>
-        <a:xfrm>
-          <a:off x="0" y="0"/>
-          <a:ext cx="0" cy="0"/>
-          <a:chOff x="0" y="0"/>
-          <a:chExt cx="0" cy="0"/>
-        </a:xfrm>
-      </p:grpSpPr>
-      <p:pic>
-        <p:nvPicPr>
-          <p:cNvPr id="180" name="Theft_vs_%Crowded_Housing.png" descr="Theft_vs_%Crowded_Housing.png"/>
-          <p:cNvPicPr>
-            <a:picLocks noChangeAspect="1"/>
-          </p:cNvPicPr>
-          <p:nvPr/>
-        </p:nvPicPr>
-        <p:blipFill>
-          <a:blip r:embed="rId2">
-            <a:extLst/>
-          </a:blip>
-          <a:stretch>
-            <a:fillRect/>
-          </a:stretch>
-        </p:blipFill>
-        <p:spPr>
-          <a:xfrm>
-            <a:off x="608686" y="1530210"/>
-            <a:ext cx="11060604" cy="8295454"/>
-          </a:xfrm>
-          <a:prstGeom prst="rect">
-            <a:avLst/>
-          </a:prstGeom>
-          <a:ln w="12700">
-            <a:miter lim="400000"/>
-          </a:ln>
-        </p:spPr>
-      </p:pic>
-      <p:sp>
-        <p:nvSpPr>
-          <p:cNvPr id="181" name="Theft vs % Crowded Housing"/>
-          <p:cNvSpPr txBox="1">
-            <a:spLocks noGrp="1"/>
-          </p:cNvSpPr>
-          <p:nvPr>
-            <p:ph type="title" idx="4294967295"/>
-          </p:nvPr>
-        </p:nvSpPr>
-        <p:spPr>
-          <a:xfrm>
-            <a:off x="508000" y="375759"/>
-            <a:ext cx="11988800" cy="1219201"/>
-          </a:xfrm>
-          <a:prstGeom prst="rect">
-            <a:avLst/>
-          </a:prstGeom>
-        </p:spPr>
-        <p:txBody>
-          <a:bodyPr/>
-          <a:lstStyle/>
-          <a:p>
-            <a:r>
-              <a:t>Theft vs % Crowded Housing </a:t>
-            </a:r>
-          </a:p>
-        </p:txBody>
-      </p:sp>
-    </p:spTree>
-  </p:cSld>
-  <p:clrMapOvr>
-    <a:masterClrMapping/>
-  </p:clrMapOvr>
-  <p:transition spd="med"/>
-  <p:timing>
-    <p:tnLst>
-      <p:par>
-        <p:cTn id="1" dur="indefinite" restart="never" fill="hold" nodeType="tmRoot">
-          <p:childTnLst>
-            <p:seq concurrent="1" prevAc="none" nextAc="seek">
-              <p:cTn id="2" dur="indefinite" fill="hold" nodeType="mainSeq">
-                <p:childTnLst>
-                  <p:par>
-                    <p:cTn id="3" fill="hold">
-                      <p:stCondLst>
-                        <p:cond delay="indefinite"/>
-                      </p:stCondLst>
-                      <p:childTnLst>
-                        <p:par>
-                          <p:cTn id="4" fill="hold">
-                            <p:stCondLst>
-                              <p:cond delay="0"/>
-                            </p:stCondLst>
-                            <p:childTnLst>
-                              <p:par>
-                                <p:cTn id="5" presetID="1" presetClass="entr" presetSubtype="0" fill="hold" grpId="1" nodeType="clickEffect">
-                                  <p:stCondLst>
-                                    <p:cond delay="0"/>
-                                  </p:stCondLst>
-                                  <p:iterate type="lt">
-                                    <p:tmAbs val="100"/>
-                                  </p:iterate>
-                                  <p:childTnLst>
-                                    <p:set>
-                                      <p:cBhvr>
-                                        <p:cTn id="6" fill="hold"/>
-                                        <p:tgtEl>
-                                          <p:spTgt spid="181"/>
-                                        </p:tgtEl>
-                                        <p:attrNameLst>
-                                          <p:attrName>style.visibility</p:attrName>
-                                        </p:attrNameLst>
-                                      </p:cBhvr>
-                                      <p:to>
-                                        <p:strVal val="visible"/>
-                                      </p:to>
-                                    </p:set>
-                                  </p:childTnLst>
-                                </p:cTn>
-                              </p:par>
-                            </p:childTnLst>
-                          </p:cTn>
-                        </p:par>
-                      </p:childTnLst>
-                    </p:cTn>
-                  </p:par>
-                  <p:par>
-                    <p:cTn id="7" fill="hold">
-                      <p:stCondLst>
-                        <p:cond delay="indefinite"/>
-                      </p:stCondLst>
-                      <p:childTnLst>
-                        <p:par>
-                          <p:cTn id="8" fill="hold">
-                            <p:stCondLst>
-                              <p:cond delay="0"/>
-                            </p:stCondLst>
-                            <p:childTnLst>
-                              <p:par>
-                                <p:cTn id="9" presetID="2" presetClass="entr" presetSubtype="8" fill="hold" grpId="2" nodeType="clickEffect">
-                                  <p:stCondLst>
-                                    <p:cond delay="0"/>
-                                  </p:stCondLst>
-                                  <p:iterate>
-                                    <p:tmAbs val="0"/>
-                                  </p:iterate>
-                                  <p:childTnLst>
-                                    <p:set>
-                                      <p:cBhvr>
-                                        <p:cTn id="10" fill="hold"/>
                                         <p:tgtEl>
                                           <p:spTgt spid="180"/>
                                         </p:tgtEl>
@@ -7422,7 +7028,7 @@
                                     </p:set>
                                     <p:anim calcmode="lin" valueType="num">
                                       <p:cBhvr>
-                                        <p:cTn id="11" dur="1000" fill="hold"/>
+                                        <p:cTn id="13" dur="1000" fill="hold"/>
                                         <p:tgtEl>
                                           <p:spTgt spid="180"/>
                                         </p:tgtEl>
@@ -7445,7 +7051,7 @@
                                     </p:anim>
                                     <p:anim calcmode="lin" valueType="num">
                                       <p:cBhvr>
-                                        <p:cTn id="12" dur="1000" fill="hold"/>
+                                        <p:cTn id="14" dur="1000" fill="hold"/>
                                         <p:tgtEl>
                                           <p:spTgt spid="180"/>
                                         </p:tgtEl>
@@ -7478,14 +7084,14 @@
                 </p:childTnLst>
               </p:cTn>
               <p:prevCondLst>
-                <p:cond evt="onPrev" delay="0">
+                <p:cond evt="onPrev">
                   <p:tgtEl>
                     <p:sldTgt/>
                   </p:tgtEl>
                 </p:cond>
               </p:prevCondLst>
               <p:nextCondLst>
-                <p:cond evt="onNext" delay="0">
+                <p:cond evt="onNext">
                   <p:tgtEl>
                     <p:sldTgt/>
                   </p:tgtEl>
@@ -7497,15 +7103,15 @@
       </p:par>
     </p:tnLst>
     <p:bldLst>
-      <p:bldP spid="180" grpId="2" animBg="1" advAuto="0"/>
-      <p:bldP spid="181" grpId="1" animBg="1" advAuto="0"/>
+      <p:bldP build="whole" bldLvl="1" animBg="1" rev="0" advAuto="0" spid="181" grpId="1"/>
+      <p:bldP build="whole" bldLvl="1" animBg="1" rev="0" advAuto="0" spid="180" grpId="2"/>
     </p:bldLst>
   </p:timing>
 </p:sld>
 </file>
 
 <file path=ppt/slides/slide15.xml><?xml version="1.0" encoding="utf-8"?>
-<p:sld xmlns:a="http://schemas.openxmlformats.org/drawingml/2006/main" xmlns:r="http://schemas.openxmlformats.org/officeDocument/2006/relationships" xmlns:p="http://schemas.openxmlformats.org/presentationml/2006/main">
+<p:sld xmlns:a="http://schemas.openxmlformats.org/drawingml/2006/main" xmlns:r="http://schemas.openxmlformats.org/officeDocument/2006/relationships" xmlns:p="http://schemas.openxmlformats.org/presentationml/2006/main" xmlns:m="http://schemas.openxmlformats.org/officeDocument/2006/math" xmlns:a14="http://schemas.microsoft.com/office/drawing/2010/main" showMasterSp="1" showMasterPhAnim="1">
   <p:cSld>
     <p:spTree>
       <p:nvGrpSpPr>
@@ -7523,7 +7129,7 @@
       </p:grpSpPr>
       <p:pic>
         <p:nvPicPr>
-          <p:cNvPr id="183" name="Theft_vs_Per_Capita_Income_Bracket.png" descr="Theft_vs_Per_Capita_Income_Bracket.png"/>
+          <p:cNvPr id="183" name="Theft_vs_%Crowded_Housing.png" descr="Theft_vs_%Crowded_Housing.png"/>
           <p:cNvPicPr>
             <a:picLocks noChangeAspect="1"/>
           </p:cNvPicPr>
@@ -7539,8 +7145,8 @@
         </p:blipFill>
         <p:spPr>
           <a:xfrm>
-            <a:off x="665662" y="1637177"/>
-            <a:ext cx="10748003" cy="8061003"/>
+            <a:off x="608686" y="1530210"/>
+            <a:ext cx="11060604" cy="8295454"/>
           </a:xfrm>
           <a:prstGeom prst="rect">
             <a:avLst/>
@@ -7552,10 +7158,8 @@
       </p:pic>
       <p:sp>
         <p:nvSpPr>
-          <p:cNvPr id="184" name="Theft vs Per Capita Income Bracket"/>
-          <p:cNvSpPr txBox="1">
-            <a:spLocks noGrp="1"/>
-          </p:cNvSpPr>
+          <p:cNvPr id="184" name="Theft vs % Crowded Housing"/>
+          <p:cNvSpPr txBox="1"/>
           <p:nvPr>
             <p:ph type="title" idx="4294967295"/>
           </p:nvPr>
@@ -7573,8 +7177,9 @@
           <a:bodyPr/>
           <a:lstStyle/>
           <a:p>
+            <a:pPr/>
             <a:r>
-              <a:t>Theft vs Per Capita Income Bracket</a:t>
+              <a:t>Theft vs % Crowded Housing </a:t>
             </a:r>
           </a:p>
         </p:txBody>
@@ -7584,14 +7189,14 @@
   <p:clrMapOvr>
     <a:masterClrMapping/>
   </p:clrMapOvr>
-  <p:transition spd="med"/>
+  <p:transition xmlns:p14="http://schemas.microsoft.com/office/powerpoint/2010/main" spd="med" advClick="1"/>
   <p:timing>
     <p:tnLst>
       <p:par>
-        <p:cTn id="1" dur="indefinite" restart="never" fill="hold" nodeType="tmRoot">
+        <p:cTn id="1" nodeType="tmRoot" restart="never" dur="indefinite" fill="hold">
           <p:childTnLst>
             <p:seq concurrent="1" prevAc="none" nextAc="seek">
-              <p:cTn id="2" dur="indefinite" fill="hold" nodeType="mainSeq">
+              <p:cTn id="2" nodeType="mainSeq" dur="indefinite" fill="hold">
                 <p:childTnLst>
                   <p:par>
                     <p:cTn id="3" fill="hold">
@@ -7606,11 +7211,11 @@
                             </p:stCondLst>
                             <p:childTnLst>
                               <p:par>
-                                <p:cTn id="5" presetID="1" presetClass="entr" presetSubtype="0" fill="hold" grpId="1" nodeType="clickEffect">
+                                <p:cTn id="5" presetClass="entr" nodeType="clickEffect" presetSubtype="0" presetID="1" grpId="1" fill="hold">
                                   <p:stCondLst>
                                     <p:cond delay="0"/>
                                   </p:stCondLst>
-                                  <p:iterate type="lt">
+                                  <p:iterate type="lt" backwards="0">
                                     <p:tmAbs val="100"/>
                                   </p:iterate>
                                   <p:childTnLst>
@@ -7650,11 +7255,11 @@
                             </p:stCondLst>
                             <p:childTnLst>
                               <p:par>
-                                <p:cTn id="9" presetID="2" presetClass="entr" presetSubtype="8" fill="hold" grpId="2" nodeType="clickEffect">
+                                <p:cTn id="9" presetClass="entr" nodeType="clickEffect" presetSubtype="8" presetID="2" grpId="2" fill="hold">
                                   <p:stCondLst>
                                     <p:cond delay="0"/>
                                   </p:stCondLst>
-                                  <p:iterate>
+                                  <p:iterate type="el" backwards="0">
                                     <p:tmAbs val="0"/>
                                   </p:iterate>
                                   <p:childTnLst>
@@ -7730,14 +7335,14 @@
                 </p:childTnLst>
               </p:cTn>
               <p:prevCondLst>
-                <p:cond evt="onPrev" delay="0">
+                <p:cond evt="onPrev">
                   <p:tgtEl>
                     <p:sldTgt/>
                   </p:tgtEl>
                 </p:cond>
               </p:prevCondLst>
               <p:nextCondLst>
-                <p:cond evt="onNext" delay="0">
+                <p:cond evt="onNext">
                   <p:tgtEl>
                     <p:sldTgt/>
                   </p:tgtEl>
@@ -7749,15 +7354,15 @@
       </p:par>
     </p:tnLst>
     <p:bldLst>
-      <p:bldP spid="183" grpId="2" animBg="1" advAuto="0"/>
-      <p:bldP spid="184" grpId="1" animBg="1" advAuto="0"/>
+      <p:bldP build="whole" bldLvl="1" animBg="1" rev="0" advAuto="0" spid="184" grpId="1"/>
+      <p:bldP build="whole" bldLvl="1" animBg="1" rev="0" advAuto="0" spid="183" grpId="2"/>
     </p:bldLst>
   </p:timing>
 </p:sld>
 </file>
 
 <file path=ppt/slides/slide16.xml><?xml version="1.0" encoding="utf-8"?>
-<p:sld xmlns:a="http://schemas.openxmlformats.org/drawingml/2006/main" xmlns:r="http://schemas.openxmlformats.org/officeDocument/2006/relationships" xmlns:p="http://schemas.openxmlformats.org/presentationml/2006/main">
+<p:sld xmlns:a="http://schemas.openxmlformats.org/drawingml/2006/main" xmlns:r="http://schemas.openxmlformats.org/officeDocument/2006/relationships" xmlns:p="http://schemas.openxmlformats.org/presentationml/2006/main" xmlns:m="http://schemas.openxmlformats.org/officeDocument/2006/math" xmlns:a14="http://schemas.microsoft.com/office/drawing/2010/main" showMasterSp="1" showMasterPhAnim="1">
   <p:cSld>
     <p:spTree>
       <p:nvGrpSpPr>
@@ -7775,7 +7380,7 @@
       </p:grpSpPr>
       <p:pic>
         <p:nvPicPr>
-          <p:cNvPr id="186" name="Theft_vs_Unemployed.png" descr="Theft_vs_Unemployed.png"/>
+          <p:cNvPr id="186" name="Theft_vs_Per_Capita_Income_Bracket.png" descr="Theft_vs_Per_Capita_Income_Bracket.png"/>
           <p:cNvPicPr>
             <a:picLocks noChangeAspect="1"/>
           </p:cNvPicPr>
@@ -7791,8 +7396,8 @@
         </p:blipFill>
         <p:spPr>
           <a:xfrm>
-            <a:off x="823502" y="1417630"/>
-            <a:ext cx="11081155" cy="8310867"/>
+            <a:off x="665662" y="1637177"/>
+            <a:ext cx="10748003" cy="8061003"/>
           </a:xfrm>
           <a:prstGeom prst="rect">
             <a:avLst/>
@@ -7804,10 +7409,8 @@
       </p:pic>
       <p:sp>
         <p:nvSpPr>
-          <p:cNvPr id="187" name="Theft vs % Unemployed"/>
-          <p:cNvSpPr txBox="1">
-            <a:spLocks noGrp="1"/>
-          </p:cNvSpPr>
+          <p:cNvPr id="187" name="Theft vs Per Capita Income Bracket"/>
+          <p:cNvSpPr txBox="1"/>
           <p:nvPr>
             <p:ph type="title" idx="4294967295"/>
           </p:nvPr>
@@ -7825,8 +7428,9 @@
           <a:bodyPr/>
           <a:lstStyle/>
           <a:p>
+            <a:pPr/>
             <a:r>
-              <a:t>Theft vs % Unemployed</a:t>
+              <a:t>Theft vs Per Capita Income Bracket</a:t>
             </a:r>
           </a:p>
         </p:txBody>
@@ -7836,14 +7440,14 @@
   <p:clrMapOvr>
     <a:masterClrMapping/>
   </p:clrMapOvr>
-  <p:transition spd="med"/>
+  <p:transition xmlns:p14="http://schemas.microsoft.com/office/powerpoint/2010/main" spd="med" advClick="1"/>
   <p:timing>
     <p:tnLst>
       <p:par>
-        <p:cTn id="1" dur="indefinite" restart="never" fill="hold" nodeType="tmRoot">
+        <p:cTn id="1" nodeType="tmRoot" restart="never" dur="indefinite" fill="hold">
           <p:childTnLst>
             <p:seq concurrent="1" prevAc="none" nextAc="seek">
-              <p:cTn id="2" dur="indefinite" fill="hold" nodeType="mainSeq">
+              <p:cTn id="2" nodeType="mainSeq" dur="indefinite" fill="hold">
                 <p:childTnLst>
                   <p:par>
                     <p:cTn id="3" fill="hold">
@@ -7858,11 +7462,11 @@
                             </p:stCondLst>
                             <p:childTnLst>
                               <p:par>
-                                <p:cTn id="5" presetID="1" presetClass="entr" presetSubtype="0" fill="hold" grpId="1" nodeType="clickEffect">
+                                <p:cTn id="5" presetClass="entr" nodeType="clickEffect" presetSubtype="0" presetID="1" grpId="1" fill="hold">
                                   <p:stCondLst>
                                     <p:cond delay="0"/>
                                   </p:stCondLst>
-                                  <p:iterate type="lt">
+                                  <p:iterate type="lt" backwards="0">
                                     <p:tmAbs val="100"/>
                                   </p:iterate>
                                   <p:childTnLst>
@@ -7902,11 +7506,11 @@
                             </p:stCondLst>
                             <p:childTnLst>
                               <p:par>
-                                <p:cTn id="9" presetID="2" presetClass="entr" presetSubtype="8" fill="hold" grpId="2" nodeType="clickEffect">
+                                <p:cTn id="9" presetClass="entr" nodeType="clickEffect" presetSubtype="8" presetID="2" grpId="2" fill="hold">
                                   <p:stCondLst>
                                     <p:cond delay="0"/>
                                   </p:stCondLst>
-                                  <p:iterate>
+                                  <p:iterate type="el" backwards="0">
                                     <p:tmAbs val="0"/>
                                   </p:iterate>
                                   <p:childTnLst>
@@ -7982,14 +7586,14 @@
                 </p:childTnLst>
               </p:cTn>
               <p:prevCondLst>
-                <p:cond evt="onPrev" delay="0">
+                <p:cond evt="onPrev">
                   <p:tgtEl>
                     <p:sldTgt/>
                   </p:tgtEl>
                 </p:cond>
               </p:prevCondLst>
               <p:nextCondLst>
-                <p:cond evt="onNext" delay="0">
+                <p:cond evt="onNext">
                   <p:tgtEl>
                     <p:sldTgt/>
                   </p:tgtEl>
@@ -8001,15 +7605,15 @@
       </p:par>
     </p:tnLst>
     <p:bldLst>
-      <p:bldP spid="186" grpId="2" animBg="1" advAuto="0"/>
-      <p:bldP spid="187" grpId="1" animBg="1" advAuto="0"/>
+      <p:bldP build="whole" bldLvl="1" animBg="1" rev="0" advAuto="0" spid="186" grpId="2"/>
+      <p:bldP build="whole" bldLvl="1" animBg="1" rev="0" advAuto="0" spid="187" grpId="1"/>
     </p:bldLst>
   </p:timing>
 </p:sld>
 </file>
 
 <file path=ppt/slides/slide17.xml><?xml version="1.0" encoding="utf-8"?>
-<p:sld xmlns:a="http://schemas.openxmlformats.org/drawingml/2006/main" xmlns:r="http://schemas.openxmlformats.org/officeDocument/2006/relationships" xmlns:p="http://schemas.openxmlformats.org/presentationml/2006/main">
+<p:sld xmlns:a="http://schemas.openxmlformats.org/drawingml/2006/main" xmlns:r="http://schemas.openxmlformats.org/officeDocument/2006/relationships" xmlns:p="http://schemas.openxmlformats.org/presentationml/2006/main" xmlns:m="http://schemas.openxmlformats.org/officeDocument/2006/math" xmlns:a14="http://schemas.microsoft.com/office/drawing/2010/main" showMasterSp="1" showMasterPhAnim="1">
   <p:cSld>
     <p:spTree>
       <p:nvGrpSpPr>
@@ -8027,7 +7631,7 @@
       </p:grpSpPr>
       <p:pic>
         <p:nvPicPr>
-          <p:cNvPr id="189" name="Theft_vs_Hardship_Bracket.png" descr="Theft_vs_Hardship_Bracket.png"/>
+          <p:cNvPr id="189" name="Theft_vs_Unemployed.png" descr="Theft_vs_Unemployed.png"/>
           <p:cNvPicPr>
             <a:picLocks noChangeAspect="1"/>
           </p:cNvPicPr>
@@ -8043,8 +7647,8 @@
         </p:blipFill>
         <p:spPr>
           <a:xfrm>
-            <a:off x="849021" y="1327006"/>
-            <a:ext cx="11306758" cy="8480070"/>
+            <a:off x="823502" y="1417630"/>
+            <a:ext cx="11081155" cy="8310867"/>
           </a:xfrm>
           <a:prstGeom prst="rect">
             <a:avLst/>
@@ -8056,17 +7660,15 @@
       </p:pic>
       <p:sp>
         <p:nvSpPr>
-          <p:cNvPr id="190" name="Theft vs Hardship Bracket"/>
-          <p:cNvSpPr txBox="1">
-            <a:spLocks noGrp="1"/>
-          </p:cNvSpPr>
+          <p:cNvPr id="190" name="Theft vs % Unemployed"/>
+          <p:cNvSpPr txBox="1"/>
           <p:nvPr>
             <p:ph type="title" idx="4294967295"/>
           </p:nvPr>
         </p:nvSpPr>
         <p:spPr>
           <a:xfrm>
-            <a:off x="508000" y="151108"/>
+            <a:off x="508000" y="375759"/>
             <a:ext cx="11988800" cy="1219201"/>
           </a:xfrm>
           <a:prstGeom prst="rect">
@@ -8077,8 +7679,9 @@
           <a:bodyPr/>
           <a:lstStyle/>
           <a:p>
+            <a:pPr/>
             <a:r>
-              <a:t>Theft vs Hardship Bracket</a:t>
+              <a:t>Theft vs % Unemployed</a:t>
             </a:r>
           </a:p>
         </p:txBody>
@@ -8088,14 +7691,14 @@
   <p:clrMapOvr>
     <a:masterClrMapping/>
   </p:clrMapOvr>
-  <p:transition spd="med"/>
+  <p:transition xmlns:p14="http://schemas.microsoft.com/office/powerpoint/2010/main" spd="med" advClick="1"/>
   <p:timing>
     <p:tnLst>
       <p:par>
-        <p:cTn id="1" dur="indefinite" restart="never" fill="hold" nodeType="tmRoot">
+        <p:cTn id="1" nodeType="tmRoot" restart="never" dur="indefinite" fill="hold">
           <p:childTnLst>
             <p:seq concurrent="1" prevAc="none" nextAc="seek">
-              <p:cTn id="2" dur="indefinite" fill="hold" nodeType="mainSeq">
+              <p:cTn id="2" nodeType="mainSeq" dur="indefinite" fill="hold">
                 <p:childTnLst>
                   <p:par>
                     <p:cTn id="3" fill="hold">
@@ -8110,11 +7713,11 @@
                             </p:stCondLst>
                             <p:childTnLst>
                               <p:par>
-                                <p:cTn id="5" presetID="1" presetClass="entr" presetSubtype="0" fill="hold" grpId="1" nodeType="clickEffect">
+                                <p:cTn id="5" presetClass="entr" nodeType="clickEffect" presetSubtype="0" presetID="1" grpId="1" fill="hold">
                                   <p:stCondLst>
                                     <p:cond delay="0"/>
                                   </p:stCondLst>
-                                  <p:iterate type="lt">
+                                  <p:iterate type="lt" backwards="0">
                                     <p:tmAbs val="100"/>
                                   </p:iterate>
                                   <p:childTnLst>
@@ -8154,11 +7757,11 @@
                             </p:stCondLst>
                             <p:childTnLst>
                               <p:par>
-                                <p:cTn id="9" presetID="2" presetClass="entr" presetSubtype="8" fill="hold" grpId="2" nodeType="clickEffect">
+                                <p:cTn id="9" presetClass="entr" nodeType="clickEffect" presetSubtype="8" presetID="2" grpId="2" fill="hold">
                                   <p:stCondLst>
                                     <p:cond delay="0"/>
                                   </p:stCondLst>
-                                  <p:iterate>
+                                  <p:iterate type="el" backwards="0">
                                     <p:tmAbs val="0"/>
                                   </p:iterate>
                                   <p:childTnLst>
@@ -8234,14 +7837,14 @@
                 </p:childTnLst>
               </p:cTn>
               <p:prevCondLst>
-                <p:cond evt="onPrev" delay="0">
+                <p:cond evt="onPrev">
                   <p:tgtEl>
                     <p:sldTgt/>
                   </p:tgtEl>
                 </p:cond>
               </p:prevCondLst>
               <p:nextCondLst>
-                <p:cond evt="onNext" delay="0">
+                <p:cond evt="onNext">
                   <p:tgtEl>
                     <p:sldTgt/>
                   </p:tgtEl>
@@ -8253,15 +7856,15 @@
       </p:par>
     </p:tnLst>
     <p:bldLst>
-      <p:bldP spid="189" grpId="2" animBg="1" advAuto="0"/>
-      <p:bldP spid="190" grpId="1" animBg="1" advAuto="0"/>
+      <p:bldP build="whole" bldLvl="1" animBg="1" rev="0" advAuto="0" spid="190" grpId="1"/>
+      <p:bldP build="whole" bldLvl="1" animBg="1" rev="0" advAuto="0" spid="189" grpId="2"/>
     </p:bldLst>
   </p:timing>
 </p:sld>
 </file>
 
 <file path=ppt/slides/slide18.xml><?xml version="1.0" encoding="utf-8"?>
-<p:sld xmlns:a="http://schemas.openxmlformats.org/drawingml/2006/main" xmlns:r="http://schemas.openxmlformats.org/officeDocument/2006/relationships" xmlns:p="http://schemas.openxmlformats.org/presentationml/2006/main">
+<p:sld xmlns:a="http://schemas.openxmlformats.org/drawingml/2006/main" xmlns:r="http://schemas.openxmlformats.org/officeDocument/2006/relationships" xmlns:p="http://schemas.openxmlformats.org/presentationml/2006/main" xmlns:m="http://schemas.openxmlformats.org/officeDocument/2006/math" xmlns:a14="http://schemas.microsoft.com/office/drawing/2010/main" showMasterSp="1" showMasterPhAnim="1">
   <p:cSld>
     <p:spTree>
       <p:nvGrpSpPr>
@@ -8279,7 +7882,7 @@
       </p:grpSpPr>
       <p:pic>
         <p:nvPicPr>
-          <p:cNvPr id="192" name="Picture1.png" descr="Picture1.png"/>
+          <p:cNvPr id="192" name="Theft_vs_Hardship_Bracket.png" descr="Theft_vs_Hardship_Bracket.png"/>
           <p:cNvPicPr>
             <a:picLocks noChangeAspect="1"/>
           </p:cNvPicPr>
@@ -8295,8 +7898,8 @@
         </p:blipFill>
         <p:spPr>
           <a:xfrm>
-            <a:off x="530794" y="2733214"/>
-            <a:ext cx="11779117" cy="7080002"/>
+            <a:off x="849021" y="1327006"/>
+            <a:ext cx="11306758" cy="8480070"/>
           </a:xfrm>
           <a:prstGeom prst="rect">
             <a:avLst/>
@@ -8308,17 +7911,15 @@
       </p:pic>
       <p:sp>
         <p:nvSpPr>
-          <p:cNvPr id="193" name="Crime vs Theft Data"/>
-          <p:cNvSpPr txBox="1">
-            <a:spLocks noGrp="1"/>
-          </p:cNvSpPr>
+          <p:cNvPr id="193" name="Theft vs Hardship Bracket"/>
+          <p:cNvSpPr txBox="1"/>
           <p:nvPr>
             <p:ph type="title" idx="4294967295"/>
           </p:nvPr>
         </p:nvSpPr>
         <p:spPr>
           <a:xfrm>
-            <a:off x="508000" y="375759"/>
+            <a:off x="508000" y="151108"/>
             <a:ext cx="11988800" cy="1219201"/>
           </a:xfrm>
           <a:prstGeom prst="rect">
@@ -8329,8 +7930,9 @@
           <a:bodyPr/>
           <a:lstStyle/>
           <a:p>
+            <a:pPr/>
             <a:r>
-              <a:t>Crime vs Theft Data</a:t>
+              <a:t>Theft vs Hardship Bracket</a:t>
             </a:r>
           </a:p>
         </p:txBody>
@@ -8340,14 +7942,14 @@
   <p:clrMapOvr>
     <a:masterClrMapping/>
   </p:clrMapOvr>
-  <p:transition spd="med"/>
+  <p:transition xmlns:p14="http://schemas.microsoft.com/office/powerpoint/2010/main" spd="med" advClick="1"/>
   <p:timing>
     <p:tnLst>
       <p:par>
-        <p:cTn id="1" dur="indefinite" restart="never" fill="hold" nodeType="tmRoot">
+        <p:cTn id="1" nodeType="tmRoot" restart="never" dur="indefinite" fill="hold">
           <p:childTnLst>
             <p:seq concurrent="1" prevAc="none" nextAc="seek">
-              <p:cTn id="2" dur="indefinite" fill="hold" nodeType="mainSeq">
+              <p:cTn id="2" nodeType="mainSeq" dur="indefinite" fill="hold">
                 <p:childTnLst>
                   <p:par>
                     <p:cTn id="3" fill="hold">
@@ -8362,11 +7964,11 @@
                             </p:stCondLst>
                             <p:childTnLst>
                               <p:par>
-                                <p:cTn id="5" presetID="1" presetClass="entr" presetSubtype="0" fill="hold" grpId="1" nodeType="clickEffect">
+                                <p:cTn id="5" presetClass="entr" nodeType="clickEffect" presetSubtype="0" presetID="1" grpId="1" fill="hold">
                                   <p:stCondLst>
                                     <p:cond delay="0"/>
                                   </p:stCondLst>
-                                  <p:iterate type="lt">
+                                  <p:iterate type="lt" backwards="0">
                                     <p:tmAbs val="100"/>
                                   </p:iterate>
                                   <p:childTnLst>
@@ -8406,11 +8008,11 @@
                             </p:stCondLst>
                             <p:childTnLst>
                               <p:par>
-                                <p:cTn id="9" presetID="4" presetClass="entr" presetSubtype="32" fill="hold" grpId="2" nodeType="clickEffect">
+                                <p:cTn id="9" presetClass="entr" nodeType="clickEffect" presetSubtype="8" presetID="2" grpId="2" fill="hold">
                                   <p:stCondLst>
                                     <p:cond delay="0"/>
                                   </p:stCondLst>
-                                  <p:iterate>
+                                  <p:iterate type="el" backwards="0">
                                     <p:tmAbs val="0"/>
                                   </p:iterate>
                                   <p:childTnLst>
@@ -8428,14 +8030,52 @@
                                         <p:strVal val="visible"/>
                                       </p:to>
                                     </p:set>
-                                    <p:animEffect transition="in" filter="box(out)">
+                                    <p:anim calcmode="lin" valueType="num">
                                       <p:cBhvr>
-                                        <p:cTn id="11" dur="1000"/>
+                                        <p:cTn id="11" dur="1000" fill="hold"/>
                                         <p:tgtEl>
                                           <p:spTgt spid="192"/>
                                         </p:tgtEl>
+                                        <p:attrNameLst>
+                                          <p:attrName>ppt_x</p:attrName>
+                                        </p:attrNameLst>
                                       </p:cBhvr>
-                                    </p:animEffect>
+                                      <p:tavLst>
+                                        <p:tav tm="0">
+                                          <p:val>
+                                            <p:strVal val="0-#ppt_w/2"/>
+                                          </p:val>
+                                        </p:tav>
+                                        <p:tav tm="100000">
+                                          <p:val>
+                                            <p:strVal val="#ppt_x"/>
+                                          </p:val>
+                                        </p:tav>
+                                      </p:tavLst>
+                                    </p:anim>
+                                    <p:anim calcmode="lin" valueType="num">
+                                      <p:cBhvr>
+                                        <p:cTn id="12" dur="1000" fill="hold"/>
+                                        <p:tgtEl>
+                                          <p:spTgt spid="192"/>
+                                        </p:tgtEl>
+                                        <p:attrNameLst>
+                                          <p:attrName>ppt_y</p:attrName>
+                                        </p:attrNameLst>
+                                      </p:cBhvr>
+                                      <p:tavLst>
+                                        <p:tav tm="0">
+                                          <p:val>
+                                            <p:strVal val="#ppt_y"/>
+                                          </p:val>
+                                        </p:tav>
+                                        <p:tav tm="100000">
+                                          <p:val>
+                                            <p:strVal val="#ppt_y"/>
+                                          </p:val>
+                                        </p:tav>
+                                      </p:tavLst>
+                                    </p:anim>
                                   </p:childTnLst>
                                 </p:cTn>
                               </p:par>
@@ -8448,14 +8088,14 @@
                 </p:childTnLst>
               </p:cTn>
               <p:prevCondLst>
-                <p:cond evt="onPrev" delay="0">
+                <p:cond evt="onPrev">
                   <p:tgtEl>
                     <p:sldTgt/>
                   </p:tgtEl>
                 </p:cond>
               </p:prevCondLst>
               <p:nextCondLst>
-                <p:cond evt="onNext" delay="0">
+                <p:cond evt="onNext">
                   <p:tgtEl>
                     <p:sldTgt/>
                   </p:tgtEl>
@@ -8467,15 +8107,15 @@
       </p:par>
     </p:tnLst>
     <p:bldLst>
-      <p:bldP spid="192" grpId="2" animBg="1" advAuto="0"/>
-      <p:bldP spid="193" grpId="1" animBg="1" advAuto="0"/>
+      <p:bldP build="whole" bldLvl="1" animBg="1" rev="0" advAuto="0" spid="192" grpId="2"/>
+      <p:bldP build="whole" bldLvl="1" animBg="1" rev="0" advAuto="0" spid="193" grpId="1"/>
     </p:bldLst>
   </p:timing>
 </p:sld>
 </file>
 
 <file path=ppt/slides/slide19.xml><?xml version="1.0" encoding="utf-8"?>
-<p:sld xmlns:a="http://schemas.openxmlformats.org/drawingml/2006/main" xmlns:r="http://schemas.openxmlformats.org/officeDocument/2006/relationships" xmlns:p="http://schemas.openxmlformats.org/presentationml/2006/main">
+<p:sld xmlns:a="http://schemas.openxmlformats.org/drawingml/2006/main" xmlns:r="http://schemas.openxmlformats.org/officeDocument/2006/relationships" xmlns:p="http://schemas.openxmlformats.org/presentationml/2006/main" xmlns:m="http://schemas.openxmlformats.org/officeDocument/2006/math" xmlns:a14="http://schemas.microsoft.com/office/drawing/2010/main" showMasterSp="1" showMasterPhAnim="1">
   <p:cSld>
     <p:spTree>
       <p:nvGrpSpPr>
@@ -8493,7 +8133,7 @@
       </p:grpSpPr>
       <p:pic>
         <p:nvPicPr>
-          <p:cNvPr id="195" name="Picture2.png" descr="Picture2.png"/>
+          <p:cNvPr id="195" name="Picture1.png" descr="Picture1.png"/>
           <p:cNvPicPr>
             <a:picLocks noChangeAspect="1"/>
           </p:cNvPicPr>
@@ -8509,8 +8149,8 @@
         </p:blipFill>
         <p:spPr>
           <a:xfrm>
-            <a:off x="566977" y="2651030"/>
-            <a:ext cx="11589080" cy="6965777"/>
+            <a:off x="530794" y="2733214"/>
+            <a:ext cx="11779117" cy="7080002"/>
           </a:xfrm>
           <a:prstGeom prst="rect">
             <a:avLst/>
@@ -8522,10 +8162,8 @@
       </p:pic>
       <p:sp>
         <p:nvSpPr>
-          <p:cNvPr id="196" name="Crime vs Theft Data (No Outliers)"/>
-          <p:cNvSpPr txBox="1">
-            <a:spLocks noGrp="1"/>
-          </p:cNvSpPr>
+          <p:cNvPr id="196" name="Crime vs Theft Data"/>
+          <p:cNvSpPr txBox="1"/>
           <p:nvPr>
             <p:ph type="title" idx="4294967295"/>
           </p:nvPr>
@@ -8543,8 +8181,9 @@
           <a:bodyPr/>
           <a:lstStyle/>
           <a:p>
+            <a:pPr/>
             <a:r>
-              <a:t>Crime vs Theft Data (No Outliers)</a:t>
+              <a:t>Crime vs Theft Data</a:t>
             </a:r>
           </a:p>
         </p:txBody>
@@ -8554,14 +8193,14 @@
   <p:clrMapOvr>
     <a:masterClrMapping/>
   </p:clrMapOvr>
-  <p:transition spd="med"/>
+  <p:transition xmlns:p14="http://schemas.microsoft.com/office/powerpoint/2010/main" spd="med" advClick="1"/>
   <p:timing>
     <p:tnLst>
       <p:par>
-        <p:cTn id="1" dur="indefinite" restart="never" fill="hold" nodeType="tmRoot">
+        <p:cTn id="1" nodeType="tmRoot" restart="never" dur="indefinite" fill="hold">
           <p:childTnLst>
             <p:seq concurrent="1" prevAc="none" nextAc="seek">
-              <p:cTn id="2" dur="indefinite" fill="hold" nodeType="mainSeq">
+              <p:cTn id="2" nodeType="mainSeq" dur="indefinite" fill="hold">
                 <p:childTnLst>
                   <p:par>
                     <p:cTn id="3" fill="hold">
@@ -8576,11 +8215,11 @@
                             </p:stCondLst>
                             <p:childTnLst>
                               <p:par>
-                                <p:cTn id="5" presetID="1" presetClass="entr" presetSubtype="0" fill="hold" grpId="1" nodeType="clickEffect">
+                                <p:cTn id="5" presetClass="entr" nodeType="clickEffect" presetSubtype="0" presetID="1" grpId="1" fill="hold">
                                   <p:stCondLst>
                                     <p:cond delay="0"/>
                                   </p:stCondLst>
-                                  <p:iterate type="lt">
+                                  <p:iterate type="lt" backwards="0">
                                     <p:tmAbs val="100"/>
                                   </p:iterate>
                                   <p:childTnLst>
@@ -8620,11 +8259,11 @@
                             </p:stCondLst>
                             <p:childTnLst>
                               <p:par>
-                                <p:cTn id="9" presetID="4" presetClass="entr" presetSubtype="32" fill="hold" grpId="2" nodeType="clickEffect">
+                                <p:cTn id="9" presetClass="entr" nodeType="clickEffect" presetSubtype="32" presetID="4" grpId="2" fill="hold">
                                   <p:stCondLst>
                                     <p:cond delay="0"/>
                                   </p:stCondLst>
-                                  <p:iterate>
+                                  <p:iterate type="el" backwards="0">
                                     <p:tmAbs val="0"/>
                                   </p:iterate>
                                   <p:childTnLst>
@@ -8642,7 +8281,7 @@
                                         <p:strVal val="visible"/>
                                       </p:to>
                                     </p:set>
-                                    <p:animEffect transition="in" filter="box(out)">
+                                    <p:animEffect filter="box(out)" transition="in">
                                       <p:cBhvr>
                                         <p:cTn id="11" dur="1000"/>
                                         <p:tgtEl>
@@ -8662,14 +8301,14 @@
                 </p:childTnLst>
               </p:cTn>
               <p:prevCondLst>
-                <p:cond evt="onPrev" delay="0">
+                <p:cond evt="onPrev">
                   <p:tgtEl>
                     <p:sldTgt/>
                   </p:tgtEl>
                 </p:cond>
               </p:prevCondLst>
               <p:nextCondLst>
-                <p:cond evt="onNext" delay="0">
+                <p:cond evt="onNext">
                   <p:tgtEl>
                     <p:sldTgt/>
                   </p:tgtEl>
@@ -8681,15 +8320,15 @@
       </p:par>
     </p:tnLst>
     <p:bldLst>
-      <p:bldP spid="195" grpId="2" animBg="1" advAuto="0"/>
-      <p:bldP spid="196" grpId="1" animBg="1" advAuto="0"/>
+      <p:bldP build="whole" bldLvl="1" animBg="1" rev="0" advAuto="0" spid="196" grpId="1"/>
+      <p:bldP build="whole" bldLvl="1" animBg="1" rev="0" advAuto="0" spid="195" grpId="2"/>
     </p:bldLst>
   </p:timing>
 </p:sld>
 </file>
 
 <file path=ppt/slides/slide2.xml><?xml version="1.0" encoding="utf-8"?>
-<p:sld xmlns:a="http://schemas.openxmlformats.org/drawingml/2006/main" xmlns:r="http://schemas.openxmlformats.org/officeDocument/2006/relationships" xmlns:p="http://schemas.openxmlformats.org/presentationml/2006/main">
+<p:sld xmlns:a="http://schemas.openxmlformats.org/drawingml/2006/main" xmlns:r="http://schemas.openxmlformats.org/officeDocument/2006/relationships" xmlns:p="http://schemas.openxmlformats.org/presentationml/2006/main" xmlns:m="http://schemas.openxmlformats.org/officeDocument/2006/math" xmlns:a14="http://schemas.microsoft.com/office/drawing/2010/main" showMasterSp="1" showMasterPhAnim="1">
   <p:cSld>
     <p:spTree>
       <p:nvGrpSpPr>
@@ -8708,9 +8347,7 @@
       <p:sp>
         <p:nvSpPr>
           <p:cNvPr id="137" name="Analysts"/>
-          <p:cNvSpPr txBox="1">
-            <a:spLocks noGrp="1"/>
-          </p:cNvSpPr>
+          <p:cNvSpPr txBox="1"/>
           <p:nvPr>
             <p:ph type="title"/>
           </p:nvPr>
@@ -8724,6 +8361,7 @@
           <a:bodyPr/>
           <a:lstStyle/>
           <a:p>
+            <a:pPr/>
             <a:r>
               <a:t>Analysts</a:t>
             </a:r>
@@ -8749,7 +8387,7 @@
           </a:ln>
           <a:extLst>
             <a:ext uri="{C572A759-6A51-4108-AA02-DFA0A04FC94B}">
-              <ma14:wrappingTextBoxFlag xmlns:ma14="http://schemas.microsoft.com/office/mac/drawingml/2011/main" xmlns:a14="http://schemas.microsoft.com/office/drawing/2010/main" xmlns:m="http://schemas.openxmlformats.org/officeDocument/2006/math" xmlns="" val="1"/>
+              <ma14:wrappingTextBoxFlag xmlns:ma14="http://schemas.microsoft.com/office/mac/drawingml/2011/main" val="1"/>
             </a:ext>
           </a:extLst>
         </p:spPr>
@@ -8763,7 +8401,7 @@
               <a:buSzPct val="75000"/>
               <a:buFont typeface="Helvetica Neue"/>
               <a:buChar char="•"/>
-              <a:defRPr sz="3900" b="1">
+              <a:defRPr b="1" sz="3900">
                 <a:solidFill>
                   <a:srgbClr val="000000"/>
                 </a:solidFill>
@@ -8774,7 +8412,6 @@
               </a:defRPr>
             </a:pPr>
             <a:r>
-              <a:rPr dirty="0"/>
               <a:t>Christopher Habib</a:t>
             </a:r>
           </a:p>
@@ -8783,7 +8420,7 @@
               <a:buSzPct val="75000"/>
               <a:buFont typeface="Helvetica Neue"/>
               <a:buChar char="•"/>
-              <a:defRPr sz="3900" b="1">
+              <a:defRPr b="1" sz="3900">
                 <a:solidFill>
                   <a:srgbClr val="000000"/>
                 </a:solidFill>
@@ -8794,7 +8431,6 @@
               </a:defRPr>
             </a:pPr>
             <a:r>
-              <a:rPr dirty="0"/>
               <a:t>Siddharth Krishnan</a:t>
             </a:r>
           </a:p>
@@ -8803,7 +8439,7 @@
               <a:buSzPct val="75000"/>
               <a:buFont typeface="Helvetica Neue"/>
               <a:buChar char="•"/>
-              <a:defRPr sz="3900" b="1">
+              <a:defRPr b="1" sz="3900">
                 <a:solidFill>
                   <a:srgbClr val="000000"/>
                 </a:solidFill>
@@ -8814,21 +8450,15 @@
               </a:defRPr>
             </a:pPr>
             <a:r>
-              <a:rPr dirty="0"/>
-              <a:t>Ali </a:t>
+              <a:t>Ali Kashani</a:t>
             </a:r>
-            <a:r>
-              <a:rPr dirty="0" err="1"/>
-              <a:t>Kashani</a:t>
-            </a:r>
-            <a:endParaRPr dirty="0"/>
           </a:p>
           <a:p>
             <a:pPr marL="457200" indent="-317500" algn="l" defTabSz="457200">
               <a:buSzPct val="75000"/>
               <a:buFont typeface="Helvetica Neue"/>
               <a:buChar char="•"/>
-              <a:defRPr sz="3900" b="1">
+              <a:defRPr b="1" sz="3900">
                 <a:solidFill>
                   <a:srgbClr val="000000"/>
                 </a:solidFill>
@@ -8839,18 +8469,8 @@
               </a:defRPr>
             </a:pPr>
             <a:r>
-              <a:rPr dirty="0" err="1"/>
-              <a:t>Elmaddin</a:t>
+              <a:t>Elmaddin Karimov</a:t>
             </a:r>
-            <a:r>
-              <a:rPr dirty="0"/>
-              <a:t> </a:t>
-            </a:r>
-            <a:r>
-              <a:rPr dirty="0" err="1"/>
-              <a:t>Karimov</a:t>
-            </a:r>
-            <a:endParaRPr dirty="0"/>
           </a:p>
         </p:txBody>
       </p:sp>
@@ -8887,7 +8507,7 @@
         <p:nvPicPr>
           <p:cNvPr id="140" name="2784197-e6b31eeb437202f94e63c4ab4ca1b94f-medium_jpg.jpg" descr="2784197-e6b31eeb437202f94e63c4ab4ca1b94f-medium_jpg.jpg"/>
           <p:cNvPicPr>
-            <a:picLocks/>
+            <a:picLocks noChangeAspect="0"/>
           </p:cNvPicPr>
           <p:nvPr/>
         </p:nvPicPr>
@@ -8917,21 +8537,14 @@
   <p:clrMapOvr>
     <a:masterClrMapping/>
   </p:clrMapOvr>
-  <mc:AlternateContent xmlns:mc="http://schemas.openxmlformats.org/markup-compatibility/2006">
-    <mc:Choice xmlns:p14="http://schemas.microsoft.com/office/powerpoint/2010/main" Requires="p14">
-      <p:transition p14:dur="250"/>
-    </mc:Choice>
-    <mc:Fallback>
-      <p:transition/>
-    </mc:Fallback>
-  </mc:AlternateContent>
+  <p:transition xmlns:p14="http://schemas.microsoft.com/office/powerpoint/2010/main" spd="med" advClick="1"/>
   <p:timing>
     <p:tnLst>
       <p:par>
-        <p:cTn id="1" dur="indefinite" restart="never" fill="hold" nodeType="tmRoot">
+        <p:cTn id="1" nodeType="tmRoot" restart="never" dur="indefinite" fill="hold">
           <p:childTnLst>
             <p:seq concurrent="1" prevAc="none" nextAc="seek">
-              <p:cTn id="2" dur="indefinite" fill="hold" nodeType="mainSeq">
+              <p:cTn id="2" nodeType="mainSeq" dur="indefinite" fill="hold">
                 <p:childTnLst>
                   <p:par>
                     <p:cTn id="3" fill="hold">
@@ -8946,11 +8559,11 @@
                             </p:stCondLst>
                             <p:childTnLst>
                               <p:par>
-                                <p:cTn id="5" presetID="2" presetClass="entr" presetSubtype="8" fill="hold" grpId="1" nodeType="clickEffect">
+                                <p:cTn id="5" presetClass="entr" nodeType="clickEffect" presetSubtype="8" presetID="2" grpId="1" fill="hold">
                                   <p:stCondLst>
                                     <p:cond delay="0"/>
                                   </p:stCondLst>
-                                  <p:iterate type="lt">
+                                  <p:iterate type="lt" backwards="0">
                                     <p:tmAbs val="0"/>
                                   </p:iterate>
                                   <p:childTnLst>
@@ -9036,11 +8649,11 @@
                             </p:stCondLst>
                             <p:childTnLst>
                               <p:par>
-                                <p:cTn id="11" presetID="1" presetClass="entr" presetSubtype="0" fill="hold" grpId="2" nodeType="clickEffect">
+                                <p:cTn id="11" presetClass="entr" nodeType="clickEffect" presetSubtype="0" presetID="1" grpId="2" fill="hold">
                                   <p:stCondLst>
                                     <p:cond delay="0"/>
                                   </p:stCondLst>
-                                  <p:iterate type="lt">
+                                  <p:iterate type="lt" backwards="0">
                                     <p:tmAbs val="100"/>
                                   </p:iterate>
                                   <p:childTnLst>
@@ -9080,11 +8693,11 @@
                             </p:stCondLst>
                             <p:childTnLst>
                               <p:par>
-                                <p:cTn id="15" presetID="3" presetClass="entr" presetSubtype="5" fill="hold" grpId="3" nodeType="clickEffect">
+                                <p:cTn id="15" presetClass="entr" nodeType="clickEffect" presetSubtype="5" presetID="3" grpId="3" fill="hold">
                                   <p:stCondLst>
                                     <p:cond delay="0"/>
                                   </p:stCondLst>
-                                  <p:iterate>
+                                  <p:iterate type="el" backwards="0">
                                     <p:tmAbs val="0"/>
                                   </p:iterate>
                                   <p:childTnLst>
@@ -9102,7 +8715,7 @@
                                         <p:strVal val="visible"/>
                                       </p:to>
                                     </p:set>
-                                    <p:animEffect transition="in" filter="blinds(vertical)">
+                                    <p:animEffect filter="blinds(vertical)" transition="in">
                                       <p:cBhvr>
                                         <p:cTn id="17" dur="1000"/>
                                         <p:tgtEl>
@@ -9132,11 +8745,11 @@
                             </p:stCondLst>
                             <p:childTnLst>
                               <p:par>
-                                <p:cTn id="20" presetID="3" presetClass="entr" presetSubtype="5" fill="hold" grpId="4" nodeType="clickEffect">
+                                <p:cTn id="20" presetClass="entr" nodeType="clickEffect" presetSubtype="5" presetID="3" grpId="4" fill="hold">
                                   <p:stCondLst>
                                     <p:cond delay="0"/>
                                   </p:stCondLst>
-                                  <p:iterate>
+                                  <p:iterate type="el" backwards="0">
                                     <p:tmAbs val="0"/>
                                   </p:iterate>
                                   <p:childTnLst>
@@ -9154,7 +8767,7 @@
                                         <p:strVal val="visible"/>
                                       </p:to>
                                     </p:set>
-                                    <p:animEffect transition="in" filter="blinds(vertical)">
+                                    <p:animEffect filter="blinds(vertical)" transition="in">
                                       <p:cBhvr>
                                         <p:cTn id="22" dur="1000"/>
                                         <p:tgtEl>
@@ -9174,14 +8787,14 @@
                 </p:childTnLst>
               </p:cTn>
               <p:prevCondLst>
-                <p:cond evt="onPrev" delay="0">
+                <p:cond evt="onPrev">
                   <p:tgtEl>
                     <p:sldTgt/>
                   </p:tgtEl>
                 </p:cond>
               </p:prevCondLst>
               <p:nextCondLst>
-                <p:cond evt="onNext" delay="0">
+                <p:cond evt="onNext">
                   <p:tgtEl>
                     <p:sldTgt/>
                   </p:tgtEl>
@@ -9193,17 +8806,17 @@
       </p:par>
     </p:tnLst>
     <p:bldLst>
-      <p:bldP spid="137" grpId="1" animBg="1" advAuto="0"/>
-      <p:bldP spid="138" grpId="2" animBg="1" advAuto="0"/>
-      <p:bldP spid="139" grpId="3" animBg="1" advAuto="0"/>
-      <p:bldP spid="140" grpId="4" animBg="1" advAuto="0"/>
+      <p:bldP build="whole" bldLvl="1" animBg="1" rev="0" advAuto="0" spid="139" grpId="3"/>
+      <p:bldP build="whole" bldLvl="1" animBg="1" rev="0" advAuto="0" spid="138" grpId="2"/>
+      <p:bldP build="whole" bldLvl="1" animBg="1" rev="0" advAuto="0" spid="140" grpId="4"/>
+      <p:bldP build="whole" bldLvl="1" animBg="1" rev="0" advAuto="0" spid="137" grpId="1"/>
     </p:bldLst>
   </p:timing>
 </p:sld>
 </file>
 
 <file path=ppt/slides/slide20.xml><?xml version="1.0" encoding="utf-8"?>
-<p:sld xmlns:a="http://schemas.openxmlformats.org/drawingml/2006/main" xmlns:r="http://schemas.openxmlformats.org/officeDocument/2006/relationships" xmlns:p="http://schemas.openxmlformats.org/presentationml/2006/main">
+<p:sld xmlns:a="http://schemas.openxmlformats.org/drawingml/2006/main" xmlns:r="http://schemas.openxmlformats.org/officeDocument/2006/relationships" xmlns:p="http://schemas.openxmlformats.org/presentationml/2006/main" xmlns:m="http://schemas.openxmlformats.org/officeDocument/2006/math" xmlns:a14="http://schemas.microsoft.com/office/drawing/2010/main" showMasterSp="1" showMasterPhAnim="1">
   <p:cSld>
     <p:spTree>
       <p:nvGrpSpPr>
@@ -9219,17 +8832,48 @@
           <a:chExt cx="0" cy="0"/>
         </a:xfrm>
       </p:grpSpPr>
+      <p:pic>
+        <p:nvPicPr>
+          <p:cNvPr id="198" name="Picture2.png" descr="Picture2.png"/>
+          <p:cNvPicPr>
+            <a:picLocks noChangeAspect="1"/>
+          </p:cNvPicPr>
+          <p:nvPr/>
+        </p:nvPicPr>
+        <p:blipFill>
+          <a:blip r:embed="rId2">
+            <a:extLst/>
+          </a:blip>
+          <a:stretch>
+            <a:fillRect/>
+          </a:stretch>
+        </p:blipFill>
+        <p:spPr>
+          <a:xfrm>
+            <a:off x="566977" y="2651030"/>
+            <a:ext cx="11589080" cy="6965777"/>
+          </a:xfrm>
+          <a:prstGeom prst="rect">
+            <a:avLst/>
+          </a:prstGeom>
+          <a:ln w="12700">
+            <a:miter lim="400000"/>
+          </a:ln>
+        </p:spPr>
+      </p:pic>
       <p:sp>
         <p:nvSpPr>
-          <p:cNvPr id="198" name="Our goal"/>
-          <p:cNvSpPr txBox="1">
-            <a:spLocks noGrp="1"/>
-          </p:cNvSpPr>
+          <p:cNvPr id="199" name="Crime vs Theft Data (No Outliers)"/>
+          <p:cNvSpPr txBox="1"/>
           <p:nvPr>
-            <p:ph type="title"/>
+            <p:ph type="title" idx="4294967295"/>
           </p:nvPr>
         </p:nvSpPr>
         <p:spPr>
+          <a:xfrm>
+            <a:off x="508000" y="375759"/>
+            <a:ext cx="11988800" cy="1219201"/>
+          </a:xfrm>
           <a:prstGeom prst="rect">
             <a:avLst/>
           </a:prstGeom>
@@ -9238,119 +8882,9 @@
           <a:bodyPr/>
           <a:lstStyle/>
           <a:p>
+            <a:pPr/>
             <a:r>
-              <a:t>Our goal</a:t>
-            </a:r>
-          </a:p>
-        </p:txBody>
-      </p:sp>
-      <p:sp>
-        <p:nvSpPr>
-          <p:cNvPr id="199" name="Find crime types and obtain data from the right source…"/>
-          <p:cNvSpPr txBox="1"/>
-          <p:nvPr/>
-        </p:nvSpPr>
-        <p:spPr>
-          <a:xfrm>
-            <a:off x="914284" y="2692400"/>
-            <a:ext cx="9564622" cy="4165601"/>
-          </a:xfrm>
-          <a:prstGeom prst="rect">
-            <a:avLst/>
-          </a:prstGeom>
-          <a:ln w="12700">
-            <a:miter lim="400000"/>
-          </a:ln>
-          <a:extLst>
-            <a:ext uri="{C572A759-6A51-4108-AA02-DFA0A04FC94B}">
-              <ma14:wrappingTextBoxFlag xmlns:ma14="http://schemas.microsoft.com/office/mac/drawingml/2011/main" xmlns:a14="http://schemas.microsoft.com/office/drawing/2010/main" xmlns:m="http://schemas.openxmlformats.org/officeDocument/2006/math" xmlns="" val="1"/>
-            </a:ext>
-          </a:extLst>
-        </p:spPr>
-        <p:txBody>
-          <a:bodyPr wrap="none" lIns="50800" tIns="50800" rIns="50800" bIns="50800" anchor="ctr">
-            <a:spAutoFit/>
-          </a:bodyPr>
-          <a:lstStyle/>
-          <a:p>
-            <a:pPr marL="440266" indent="-440266" algn="l">
-              <a:buSzPct val="100000"/>
-              <a:buAutoNum type="arabicPeriod"/>
-            </a:pPr>
-            <a:r>
-              <a:t>Find crime types and obtain data from the right source</a:t>
-            </a:r>
-          </a:p>
-          <a:p>
-            <a:pPr marL="440266" indent="-440266" algn="l">
-              <a:buSzPct val="100000"/>
-              <a:buAutoNum type="arabicPeriod"/>
-            </a:pPr>
-            <a:r>
-              <a:t> Analyse and clean data</a:t>
-            </a:r>
-          </a:p>
-          <a:p>
-            <a:pPr marL="440266" indent="-440266" algn="l">
-              <a:buSzPct val="100000"/>
-              <a:buAutoNum type="arabicPeriod"/>
-            </a:pPr>
-            <a:r>
-              <a:t>Find which crime was the most highest committed</a:t>
-            </a:r>
-          </a:p>
-          <a:p>
-            <a:pPr marL="440266" indent="-440266" algn="l">
-              <a:buSzPct val="100000"/>
-              <a:buAutoNum type="arabicPeriod"/>
-            </a:pPr>
-            <a:r>
-              <a:t>Percentage of arrested and not arrested?</a:t>
-            </a:r>
-          </a:p>
-          <a:p>
-            <a:pPr marL="440266" indent="-440266" algn="l">
-              <a:buSzPct val="100000"/>
-              <a:buAutoNum type="arabicPeriod"/>
-            </a:pPr>
-            <a:r>
-              <a:t>By using the socioeconomic indicators we analysed 4 years of data</a:t>
-            </a:r>
-          </a:p>
-          <a:p>
-            <a:pPr marL="440266" indent="-440266" algn="l">
-              <a:buSzPct val="100000"/>
-              <a:buAutoNum type="arabicPeriod"/>
-            </a:pPr>
-            <a:r>
-              <a:t>Select crime data for 5 years 2008-2012</a:t>
-            </a:r>
-          </a:p>
-          <a:p>
-            <a:pPr marL="440266" indent="-440266" algn="l">
-              <a:buSzPct val="100000"/>
-              <a:buAutoNum type="arabicPeriod"/>
-            </a:pPr>
-            <a:r>
-              <a:t>Merge the new data to get meaningful insights</a:t>
-            </a:r>
-          </a:p>
-          <a:p>
-            <a:pPr marL="440266" indent="-440266" algn="l">
-              <a:buSzPct val="100000"/>
-              <a:buAutoNum type="arabicPeriod"/>
-            </a:pPr>
-            <a:r>
-              <a:t>Analyse impact of indicators on theft levels</a:t>
-            </a:r>
-          </a:p>
-          <a:p>
-            <a:pPr marL="440266" indent="-440266" algn="l">
-              <a:buSzPct val="100000"/>
-              <a:buAutoNum type="arabicPeriod"/>
-            </a:pPr>
-            <a:r>
-              <a:t>Analyse correlation between theft and crime levels</a:t>
+              <a:t>Crime vs Theft Data (No Outliers)</a:t>
             </a:r>
           </a:p>
         </p:txBody>
@@ -9360,12 +8894,142 @@
   <p:clrMapOvr>
     <a:masterClrMapping/>
   </p:clrMapOvr>
-  <p:transition spd="med"/>
+  <p:transition xmlns:p14="http://schemas.microsoft.com/office/powerpoint/2010/main" spd="med" advClick="1"/>
+  <p:timing>
+    <p:tnLst>
+      <p:par>
+        <p:cTn id="1" nodeType="tmRoot" restart="never" dur="indefinite" fill="hold">
+          <p:childTnLst>
+            <p:seq concurrent="1" prevAc="none" nextAc="seek">
+              <p:cTn id="2" nodeType="mainSeq" dur="indefinite" fill="hold">
+                <p:childTnLst>
+                  <p:par>
+                    <p:cTn id="3" fill="hold">
+                      <p:stCondLst>
+                        <p:cond delay="indefinite"/>
+                      </p:stCondLst>
+                      <p:childTnLst>
+                        <p:par>
+                          <p:cTn id="4" fill="hold">
+                            <p:stCondLst>
+                              <p:cond delay="0"/>
+                            </p:stCondLst>
+                            <p:childTnLst>
+                              <p:par>
+                                <p:cTn id="5" presetClass="entr" nodeType="clickEffect" presetSubtype="0" presetID="1" grpId="1" fill="hold">
+                                  <p:stCondLst>
+                                    <p:cond delay="0"/>
+                                  </p:stCondLst>
+                                  <p:iterate type="lt" backwards="0">
+                                    <p:tmAbs val="100"/>
+                                  </p:iterate>
+                                  <p:childTnLst>
+                                    <p:set>
+                                      <p:cBhvr>
+                                        <p:cTn id="6" fill="hold"/>
+                                        <p:tgtEl>
+                                          <p:spTgt spid="199"/>
+                                        </p:tgtEl>
+                                        <p:attrNameLst>
+                                          <p:attrName>style.visibility</p:attrName>
+                                        </p:attrNameLst>
+                                      </p:cBhvr>
+                                      <p:to>
+                                        <p:strVal val="visible"/>
+                                      </p:to>
+                                    </p:set>
+                                  </p:childTnLst>
+                                </p:cTn>
+                              </p:par>
+                            </p:childTnLst>
+                          </p:cTn>
+                        </p:par>
+                      </p:childTnLst>
+                    </p:cTn>
+                  </p:par>
+                  <p:par>
+                    <p:cTn id="7" fill="hold">
+                      <p:stCondLst>
+                        <p:cond delay="indefinite"/>
+                      </p:stCondLst>
+                      <p:childTnLst>
+                        <p:par>
+                          <p:cTn id="8" fill="hold">
+                            <p:stCondLst>
+                              <p:cond delay="0"/>
+                            </p:stCondLst>
+                            <p:childTnLst>
+                              <p:par>
+                                <p:cTn id="9" presetClass="entr" nodeType="clickEffect" presetSubtype="32" presetID="4" grpId="2" fill="hold">
+                                  <p:stCondLst>
+                                    <p:cond delay="0"/>
+                                  </p:stCondLst>
+                                  <p:iterate type="el" backwards="0">
+                                    <p:tmAbs val="0"/>
+                                  </p:iterate>
+                                  <p:childTnLst>
+                                    <p:set>
+                                      <p:cBhvr>
+                                        <p:cTn id="10" fill="hold"/>
+                                        <p:tgtEl>
+                                          <p:spTgt spid="198"/>
+                                        </p:tgtEl>
+                                        <p:attrNameLst>
+                                          <p:attrName>style.visibility</p:attrName>
+                                        </p:attrNameLst>
+                                      </p:cBhvr>
+                                      <p:to>
+                                        <p:strVal val="visible"/>
+                                      </p:to>
+                                    </p:set>
+                                    <p:animEffect filter="box(out)" transition="in">
+                                      <p:cBhvr>
+                                        <p:cTn id="11" dur="1000"/>
+                                        <p:tgtEl>
+                                          <p:spTgt spid="198"/>
+                                        </p:tgtEl>
+                                      </p:cBhvr>
+                                    </p:animEffect>
+                                  </p:childTnLst>
+                                </p:cTn>
+                              </p:par>
+                            </p:childTnLst>
+                          </p:cTn>
+                        </p:par>
+                      </p:childTnLst>
+                    </p:cTn>
+                  </p:par>
+                </p:childTnLst>
+              </p:cTn>
+              <p:prevCondLst>
+                <p:cond evt="onPrev">
+                  <p:tgtEl>
+                    <p:sldTgt/>
+                  </p:tgtEl>
+                </p:cond>
+              </p:prevCondLst>
+              <p:nextCondLst>
+                <p:cond evt="onNext">
+                  <p:tgtEl>
+                    <p:sldTgt/>
+                  </p:tgtEl>
+                </p:cond>
+              </p:nextCondLst>
+            </p:seq>
+          </p:childTnLst>
+        </p:cTn>
+      </p:par>
+    </p:tnLst>
+    <p:bldLst>
+      <p:bldP build="whole" bldLvl="1" animBg="1" rev="0" advAuto="0" spid="198" grpId="2"/>
+      <p:bldP build="whole" bldLvl="1" animBg="1" rev="0" advAuto="0" spid="199" grpId="1"/>
+    </p:bldLst>
+  </p:timing>
 </p:sld>
 </file>
 
 <file path=ppt/slides/slide3.xml><?xml version="1.0" encoding="utf-8"?>
-<p:sld xmlns:a="http://schemas.openxmlformats.org/drawingml/2006/main" xmlns:r="http://schemas.openxmlformats.org/officeDocument/2006/relationships" xmlns:p="http://schemas.openxmlformats.org/presentationml/2006/main">
+<p:sld xmlns:a="http://schemas.openxmlformats.org/drawingml/2006/main" xmlns:r="http://schemas.openxmlformats.org/officeDocument/2006/relationships" xmlns:p="http://schemas.openxmlformats.org/presentationml/2006/main" xmlns:m="http://schemas.openxmlformats.org/officeDocument/2006/math" xmlns:a14="http://schemas.microsoft.com/office/drawing/2010/main" showMasterSp="1" showMasterPhAnim="1">
   <p:cSld>
     <p:spTree>
       <p:nvGrpSpPr>
@@ -9384,9 +9048,7 @@
       <p:sp>
         <p:nvSpPr>
           <p:cNvPr id="142" name="Data Curated datasets:…"/>
-          <p:cNvSpPr txBox="1">
-            <a:spLocks noGrp="1"/>
-          </p:cNvSpPr>
+          <p:cNvSpPr txBox="1"/>
           <p:nvPr>
             <p:ph type="title"/>
           </p:nvPr>
@@ -9404,15 +9066,16 @@
           <a:bodyPr/>
           <a:lstStyle/>
           <a:p>
+            <a:pPr/>
             <a:r>
               <a:t>Data Curated datasets:</a:t>
             </a:r>
           </a:p>
           <a:p>
-            <a:endParaRPr/>
-          </a:p>
-          <a:p>
-            <a:endParaRPr/>
+            <a:pPr/>
+          </a:p>
+          <a:p>
+            <a:pPr/>
           </a:p>
           <a:p>
             <a:pPr algn="r" defTabSz="457200">
@@ -9437,7 +9100,6 @@
                 <a:sym typeface="Helvetica Neue"/>
               </a:defRPr>
             </a:pPr>
-            <a:endParaRPr/>
           </a:p>
           <a:p>
             <a:pPr algn="r" defTabSz="457200">
@@ -9462,7 +9124,6 @@
                 <a:sym typeface="Helvetica Neue"/>
               </a:defRPr>
             </a:pPr>
-            <a:endParaRPr/>
           </a:p>
           <a:p>
             <a:pPr algn="r" defTabSz="457200">
@@ -9487,7 +9148,6 @@
                 <a:sym typeface="Helvetica Neue"/>
               </a:defRPr>
             </a:pPr>
-            <a:endParaRPr/>
           </a:p>
           <a:p>
             <a:pPr defTabSz="457200">
@@ -9514,7 +9174,7 @@
             </a:pPr>
             <a:r>
               <a:rPr>
-                <a:hlinkClick r:id="rId2"/>
+                <a:hlinkClick r:id="rId2" invalidUrl="" action="" tgtFrame="" tooltip="" history="1" highlightClick="0" endSnd="0"/>
               </a:rPr>
               <a:t>https://dev.socrata.com/foundry/data.cityofchicago.org/6zsd-86xi</a:t>
             </a:r>
@@ -9544,7 +9204,7 @@
             </a:pPr>
             <a:r>
               <a:rPr>
-                <a:hlinkClick r:id="rId3"/>
+                <a:hlinkClick r:id="rId3" invalidUrl="" action="" tgtFrame="" tooltip="" history="1" highlightClick="0" endSnd="0"/>
               </a:rPr>
               <a:t>https://data.cityofchicago.org/Health-Human-Services/Census-Data-Selected-socioeconomic-indicators-in-C/kn9c-c2s2</a:t>
             </a:r>
@@ -9593,7 +9253,7 @@
             </a:cxnLst>
             <a:rect l="0" t="0" r="r" b="b"/>
             <a:pathLst>
-              <a:path w="21600" h="21600" extrusionOk="0">
+              <a:path w="21600" h="21600" fill="norm" stroke="1" extrusionOk="0">
                 <a:moveTo>
                   <a:pt x="13160" y="0"/>
                 </a:moveTo>
@@ -10264,14 +9924,14 @@
   <p:clrMapOvr>
     <a:masterClrMapping/>
   </p:clrMapOvr>
-  <p:transition spd="med"/>
+  <p:transition xmlns:p14="http://schemas.microsoft.com/office/powerpoint/2010/main" spd="med" advClick="1"/>
   <p:timing>
     <p:tnLst>
       <p:par>
-        <p:cTn id="1" dur="indefinite" restart="never" fill="hold" nodeType="tmRoot">
+        <p:cTn id="1" nodeType="tmRoot" restart="never" dur="indefinite" fill="hold">
           <p:childTnLst>
             <p:seq concurrent="1" prevAc="none" nextAc="seek">
-              <p:cTn id="2" dur="indefinite" fill="hold" nodeType="mainSeq">
+              <p:cTn id="2" nodeType="mainSeq" dur="indefinite" fill="hold">
                 <p:childTnLst>
                   <p:par>
                     <p:cTn id="3" fill="hold">
@@ -10286,11 +9946,11 @@
                             </p:stCondLst>
                             <p:childTnLst>
                               <p:par>
-                                <p:cTn id="5" presetID="1" presetClass="entr" presetSubtype="0" fill="hold" grpId="1" nodeType="clickEffect">
+                                <p:cTn id="5" presetClass="entr" nodeType="clickEffect" presetSubtype="0" presetID="1" grpId="1" fill="hold">
                                   <p:stCondLst>
                                     <p:cond delay="0"/>
                                   </p:stCondLst>
-                                  <p:iterate>
+                                  <p:iterate type="el" backwards="0">
                                     <p:tmAbs val="0"/>
                                   </p:iterate>
                                   <p:childTnLst>
@@ -10330,11 +9990,11 @@
                             </p:stCondLst>
                             <p:childTnLst>
                               <p:par>
-                                <p:cTn id="9" presetID="15" presetClass="entr" presetSubtype="8" fill="hold" grpId="2" nodeType="clickEffect">
+                                <p:cTn id="9" presetClass="entr" nodeType="clickEffect" presetSubtype="8" presetID="15" grpId="2" fill="hold">
                                   <p:stCondLst>
                                     <p:cond delay="0"/>
                                   </p:stCondLst>
-                                  <p:iterate>
+                                  <p:iterate type="el" backwards="0">
                                     <p:tmAbs val="0"/>
                                   </p:iterate>
                                   <p:childTnLst>
@@ -10456,14 +10116,14 @@
                 </p:childTnLst>
               </p:cTn>
               <p:prevCondLst>
-                <p:cond evt="onPrev" delay="0">
+                <p:cond evt="onPrev">
                   <p:tgtEl>
                     <p:sldTgt/>
                   </p:tgtEl>
                 </p:cond>
               </p:prevCondLst>
               <p:nextCondLst>
-                <p:cond evt="onNext" delay="0">
+                <p:cond evt="onNext">
                   <p:tgtEl>
                     <p:sldTgt/>
                   </p:tgtEl>
@@ -10475,15 +10135,15 @@
       </p:par>
     </p:tnLst>
     <p:bldLst>
-      <p:bldP spid="142" grpId="1" animBg="1" advAuto="0"/>
-      <p:bldP spid="143" grpId="2" animBg="1" advAuto="0"/>
+      <p:bldP build="whole" bldLvl="1" animBg="1" rev="0" advAuto="0" spid="142" grpId="1"/>
+      <p:bldP build="whole" bldLvl="1" animBg="1" rev="0" advAuto="0" spid="143" grpId="2"/>
     </p:bldLst>
   </p:timing>
 </p:sld>
 </file>
 
 <file path=ppt/slides/slide4.xml><?xml version="1.0" encoding="utf-8"?>
-<p:sld xmlns:a="http://schemas.openxmlformats.org/drawingml/2006/main" xmlns:r="http://schemas.openxmlformats.org/officeDocument/2006/relationships" xmlns:p="http://schemas.openxmlformats.org/presentationml/2006/main">
+<p:sld xmlns:a="http://schemas.openxmlformats.org/drawingml/2006/main" xmlns:r="http://schemas.openxmlformats.org/officeDocument/2006/relationships" xmlns:p="http://schemas.openxmlformats.org/presentationml/2006/main" xmlns:m="http://schemas.openxmlformats.org/officeDocument/2006/math" xmlns:a14="http://schemas.microsoft.com/office/drawing/2010/main" showMasterSp="1" showMasterPhAnim="1">
   <p:cSld>
     <p:spTree>
       <p:nvGrpSpPr>
@@ -10503,7 +10163,7 @@
         <p:nvPicPr>
           <p:cNvPr id="145" name="Screenshot 2019-03-13 at 6.56.24 PM.png" descr="Screenshot 2019-03-13 at 6.56.24 PM.png"/>
           <p:cNvPicPr>
-            <a:picLocks noGrp="1"/>
+            <a:picLocks noChangeAspect="0"/>
           </p:cNvPicPr>
           <p:nvPr>
             <p:ph type="pic" idx="14"/>
@@ -10530,9 +10190,7 @@
       <p:sp>
         <p:nvSpPr>
           <p:cNvPr id="146" name="Import Packages"/>
-          <p:cNvSpPr txBox="1">
-            <a:spLocks noGrp="1"/>
-          </p:cNvSpPr>
+          <p:cNvSpPr txBox="1"/>
           <p:nvPr>
             <p:ph type="title"/>
           </p:nvPr>
@@ -10546,6 +10204,7 @@
           <a:bodyPr/>
           <a:lstStyle/>
           <a:p>
+            <a:pPr/>
             <a:r>
               <a:t>Import Packages</a:t>
             </a:r>
@@ -10555,9 +10214,7 @@
       <p:sp>
         <p:nvSpPr>
           <p:cNvPr id="147" name="The above Packages for executing our analysis"/>
-          <p:cNvSpPr txBox="1">
-            <a:spLocks noGrp="1"/>
-          </p:cNvSpPr>
+          <p:cNvSpPr txBox="1"/>
           <p:nvPr>
             <p:ph type="body" sz="quarter" idx="1"/>
           </p:nvPr>
@@ -10571,6 +10228,7 @@
           <a:bodyPr/>
           <a:lstStyle/>
           <a:p>
+            <a:pPr/>
             <a:r>
               <a:t>The above Packages for executing our analysis</a:t>
             </a:r>
@@ -10582,14 +10240,14 @@
   <p:clrMapOvr>
     <a:masterClrMapping/>
   </p:clrMapOvr>
-  <p:transition spd="med"/>
+  <p:transition xmlns:p14="http://schemas.microsoft.com/office/powerpoint/2010/main" spd="med" advClick="1"/>
   <p:timing>
     <p:tnLst>
       <p:par>
-        <p:cTn id="1" dur="indefinite" restart="never" fill="hold" nodeType="tmRoot">
+        <p:cTn id="1" nodeType="tmRoot" restart="never" dur="indefinite" fill="hold">
           <p:childTnLst>
             <p:seq concurrent="1" prevAc="none" nextAc="seek">
-              <p:cTn id="2" dur="indefinite" fill="hold" nodeType="mainSeq">
+              <p:cTn id="2" nodeType="mainSeq" dur="indefinite" fill="hold">
                 <p:childTnLst>
                   <p:par>
                     <p:cTn id="3" fill="hold">
@@ -10604,11 +10262,11 @@
                             </p:stCondLst>
                             <p:childTnLst>
                               <p:par>
-                                <p:cTn id="5" presetID="1" presetClass="entr" presetSubtype="0" fill="hold" grpId="1" nodeType="clickEffect">
+                                <p:cTn id="5" presetClass="entr" nodeType="clickEffect" presetSubtype="0" presetID="1" grpId="1" fill="hold">
                                   <p:stCondLst>
                                     <p:cond delay="0"/>
                                   </p:stCondLst>
-                                  <p:iterate>
+                                  <p:iterate type="el" backwards="0">
                                     <p:tmAbs val="0"/>
                                   </p:iterate>
                                   <p:childTnLst>
@@ -10648,11 +10306,11 @@
                             </p:stCondLst>
                             <p:childTnLst>
                               <p:par>
-                                <p:cTn id="9" presetID="1" presetClass="entr" presetSubtype="0" fill="hold" grpId="2" nodeType="clickEffect">
+                                <p:cTn id="9" presetClass="entr" nodeType="clickEffect" presetSubtype="0" presetID="1" grpId="2" fill="hold">
                                   <p:stCondLst>
                                     <p:cond delay="0"/>
                                   </p:stCondLst>
-                                  <p:iterate type="lt">
+                                  <p:iterate type="lt" backwards="0">
                                     <p:tmAbs val="100"/>
                                   </p:iterate>
                                   <p:childTnLst>
@@ -10692,11 +10350,11 @@
                             </p:stCondLst>
                             <p:childTnLst>
                               <p:par>
-                                <p:cTn id="13" presetID="3" presetClass="entr" presetSubtype="5" fill="hold" grpId="3" nodeType="clickEffect">
+                                <p:cTn id="13" presetClass="entr" nodeType="clickEffect" presetSubtype="5" presetID="3" grpId="3" fill="hold">
                                   <p:stCondLst>
                                     <p:cond delay="0"/>
                                   </p:stCondLst>
-                                  <p:iterate>
+                                  <p:iterate type="el" backwards="0">
                                     <p:tmAbs val="0"/>
                                   </p:iterate>
                                   <p:childTnLst>
@@ -10714,7 +10372,7 @@
                                         <p:strVal val="visible"/>
                                       </p:to>
                                     </p:set>
-                                    <p:animEffect transition="in" filter="blinds(vertical)">
+                                    <p:animEffect filter="blinds(vertical)" transition="in">
                                       <p:cBhvr>
                                         <p:cTn id="15" dur="1000"/>
                                         <p:tgtEl>
@@ -10734,14 +10392,14 @@
                 </p:childTnLst>
               </p:cTn>
               <p:prevCondLst>
-                <p:cond evt="onPrev" delay="0">
+                <p:cond evt="onPrev">
                   <p:tgtEl>
                     <p:sldTgt/>
                   </p:tgtEl>
                 </p:cond>
               </p:prevCondLst>
               <p:nextCondLst>
-                <p:cond evt="onNext" delay="0">
+                <p:cond evt="onNext">
                   <p:tgtEl>
                     <p:sldTgt/>
                   </p:tgtEl>
@@ -10753,16 +10411,16 @@
       </p:par>
     </p:tnLst>
     <p:bldLst>
-      <p:bldP spid="145" grpId="3" animBg="1" advAuto="0"/>
-      <p:bldP spid="146" grpId="1" animBg="1" advAuto="0"/>
-      <p:bldP spid="147" grpId="2" animBg="1" advAuto="0"/>
+      <p:bldP build="whole" bldLvl="1" animBg="1" rev="0" advAuto="0" spid="147" grpId="2"/>
+      <p:bldP build="whole" bldLvl="1" animBg="1" rev="0" advAuto="0" spid="145" grpId="3"/>
+      <p:bldP build="whole" bldLvl="1" animBg="1" rev="0" advAuto="0" spid="146" grpId="1"/>
     </p:bldLst>
   </p:timing>
 </p:sld>
 </file>
 
 <file path=ppt/slides/slide5.xml><?xml version="1.0" encoding="utf-8"?>
-<p:sld xmlns:a="http://schemas.openxmlformats.org/drawingml/2006/main" xmlns:r="http://schemas.openxmlformats.org/officeDocument/2006/relationships" xmlns:p="http://schemas.openxmlformats.org/presentationml/2006/main">
+<p:sld xmlns:a="http://schemas.openxmlformats.org/drawingml/2006/main" xmlns:r="http://schemas.openxmlformats.org/officeDocument/2006/relationships" xmlns:p="http://schemas.openxmlformats.org/presentationml/2006/main" xmlns:m="http://schemas.openxmlformats.org/officeDocument/2006/math" xmlns:a14="http://schemas.microsoft.com/office/drawing/2010/main" showMasterSp="1" showMasterPhAnim="1">
   <p:cSld>
     <p:spTree>
       <p:nvGrpSpPr>
@@ -10826,7 +10484,7 @@
           </a:ln>
           <a:extLst>
             <a:ext uri="{C572A759-6A51-4108-AA02-DFA0A04FC94B}">
-              <ma14:wrappingTextBoxFlag xmlns:ma14="http://schemas.microsoft.com/office/mac/drawingml/2011/main" xmlns:a14="http://schemas.microsoft.com/office/drawing/2010/main" xmlns:m="http://schemas.openxmlformats.org/officeDocument/2006/math" xmlns="" val="1"/>
+              <ma14:wrappingTextBoxFlag xmlns:ma14="http://schemas.microsoft.com/office/mac/drawingml/2011/main" val="1"/>
             </a:ext>
           </a:extLst>
         </p:spPr>
@@ -10837,7 +10495,7 @@
           <a:lstStyle/>
           <a:p>
             <a:pPr algn="l" defTabSz="457200">
-              <a:defRPr sz="1500" b="1">
+              <a:defRPr b="1" sz="1500">
                 <a:solidFill>
                   <a:srgbClr val="000000"/>
                 </a:solidFill>
@@ -10848,25 +10506,12 @@
               </a:defRPr>
             </a:pPr>
             <a:r>
-              <a:rPr dirty="0" err="1"/>
-              <a:t>df</a:t>
+              <a:t>df = pd.read_csv(‘resources/Crimes_-_2001_to_present.csv')</a:t>
             </a:r>
-            <a:r>
-              <a:rPr dirty="0"/>
-              <a:t> = </a:t>
-            </a:r>
-            <a:r>
-              <a:rPr dirty="0" err="1"/>
-              <a:t>pd.read_csv</a:t>
-            </a:r>
-            <a:r>
-              <a:rPr dirty="0"/>
-              <a:t>(‘resources/Crimes_-_2001_to_present.csv')</a:t>
-            </a:r>
           </a:p>
           <a:p>
             <a:pPr algn="l" defTabSz="457200">
-              <a:defRPr sz="1500" b="1">
+              <a:defRPr b="1" sz="1500">
                 <a:solidFill>
                   <a:srgbClr val="000000"/>
                 </a:solidFill>
@@ -10876,11 +10521,10 @@
                 <a:sym typeface="Courier"/>
               </a:defRPr>
             </a:pPr>
-            <a:endParaRPr dirty="0"/>
           </a:p>
           <a:p>
             <a:pPr algn="l" defTabSz="457200">
-              <a:defRPr sz="1500" b="1">
+              <a:defRPr b="1" sz="1500">
                 <a:solidFill>
                   <a:srgbClr val="000000"/>
                 </a:solidFill>
@@ -10891,16 +10535,7 @@
               </a:defRPr>
             </a:pPr>
             <a:r>
-              <a:rPr dirty="0"/>
-              <a:t>census = </a:t>
-            </a:r>
-            <a:r>
-              <a:rPr dirty="0" err="1"/>
-              <a:t>pd.read_csv</a:t>
-            </a:r>
-            <a:r>
-              <a:rPr dirty="0"/>
-              <a:t>('resources/Census_Data_-_Selected_socioeconomic_indicators_in_Chicago__2008___2012.csv')</a:t>
+              <a:t>census = pd.read_csv('resources/Census_Data_-_Selected_socioeconomic_indicators_in_Chicago__2008___2012.csv')</a:t>
             </a:r>
           </a:p>
         </p:txBody>
@@ -10939,21 +10574,14 @@
   <p:clrMapOvr>
     <a:masterClrMapping/>
   </p:clrMapOvr>
-  <mc:AlternateContent xmlns:mc="http://schemas.openxmlformats.org/markup-compatibility/2006">
-    <mc:Choice xmlns:p14="http://schemas.microsoft.com/office/powerpoint/2010/main" Requires="p14">
-      <p:transition p14:dur="250"/>
-    </mc:Choice>
-    <mc:Fallback>
-      <p:transition/>
-    </mc:Fallback>
-  </mc:AlternateContent>
+  <p:transition xmlns:p14="http://schemas.microsoft.com/office/powerpoint/2010/main" spd="med" advClick="1"/>
   <p:timing>
     <p:tnLst>
       <p:par>
-        <p:cTn id="1" dur="indefinite" restart="never" fill="hold" nodeType="tmRoot">
+        <p:cTn id="1" nodeType="tmRoot" restart="never" dur="indefinite" fill="hold">
           <p:childTnLst>
             <p:seq concurrent="1" prevAc="none" nextAc="seek">
-              <p:cTn id="2" dur="indefinite" fill="hold" nodeType="mainSeq">
+              <p:cTn id="2" nodeType="mainSeq" dur="indefinite" fill="hold">
                 <p:childTnLst>
                   <p:par>
                     <p:cTn id="3" fill="hold">
@@ -10968,11 +10596,11 @@
                             </p:stCondLst>
                             <p:childTnLst>
                               <p:par>
-                                <p:cTn id="5" presetID="1" presetClass="entr" presetSubtype="0" fill="hold" grpId="1" nodeType="clickEffect">
+                                <p:cTn id="5" presetClass="entr" nodeType="clickEffect" presetSubtype="0" presetID="1" grpId="1" fill="hold">
                                   <p:stCondLst>
                                     <p:cond delay="0"/>
                                   </p:stCondLst>
-                                  <p:iterate type="lt">
+                                  <p:iterate type="lt" backwards="0">
                                     <p:tmAbs val="100"/>
                                   </p:iterate>
                                   <p:childTnLst>
@@ -11012,11 +10640,11 @@
                             </p:stCondLst>
                             <p:childTnLst>
                               <p:par>
-                                <p:cTn id="9" presetID="7" presetClass="entr" presetSubtype="8" fill="hold" grpId="2" nodeType="clickEffect">
+                                <p:cTn id="9" presetClass="entr" nodeType="clickEffect" presetSubtype="8" presetID="7" grpId="2" fill="hold">
                                   <p:stCondLst>
                                     <p:cond delay="0"/>
                                   </p:stCondLst>
-                                  <p:iterate>
+                                  <p:iterate type="el" backwards="0">
                                     <p:tmAbs val="0"/>
                                   </p:iterate>
                                   <p:childTnLst>
@@ -11102,11 +10730,11 @@
                             </p:stCondLst>
                             <p:childTnLst>
                               <p:par>
-                                <p:cTn id="15" presetID="7" presetClass="entr" presetSubtype="8" fill="hold" grpId="3" nodeType="clickEffect">
+                                <p:cTn id="15" presetClass="entr" nodeType="clickEffect" presetSubtype="8" presetID="7" grpId="3" fill="hold">
                                   <p:stCondLst>
                                     <p:cond delay="0"/>
                                   </p:stCondLst>
-                                  <p:iterate>
+                                  <p:iterate type="el" backwards="0">
                                     <p:tmAbs val="0"/>
                                   </p:iterate>
                                   <p:childTnLst>
@@ -11182,14 +10810,14 @@
                 </p:childTnLst>
               </p:cTn>
               <p:prevCondLst>
-                <p:cond evt="onPrev" delay="0">
+                <p:cond evt="onPrev">
                   <p:tgtEl>
                     <p:sldTgt/>
                   </p:tgtEl>
                 </p:cond>
               </p:prevCondLst>
               <p:nextCondLst>
-                <p:cond evt="onNext" delay="0">
+                <p:cond evt="onNext">
                   <p:tgtEl>
                     <p:sldTgt/>
                   </p:tgtEl>
@@ -11201,16 +10829,16 @@
       </p:par>
     </p:tnLst>
     <p:bldLst>
-      <p:bldP spid="149" grpId="2" animBg="1" advAuto="0"/>
-      <p:bldP spid="150" grpId="1" animBg="1" advAuto="0"/>
-      <p:bldP spid="151" grpId="3" animBg="1" advAuto="0"/>
+      <p:bldP build="whole" bldLvl="1" animBg="1" rev="0" advAuto="0" spid="150" grpId="1"/>
+      <p:bldP build="whole" bldLvl="1" animBg="1" rev="0" advAuto="0" spid="151" grpId="3"/>
+      <p:bldP build="whole" bldLvl="1" animBg="1" rev="0" advAuto="0" spid="149" grpId="2"/>
     </p:bldLst>
   </p:timing>
 </p:sld>
 </file>
 
 <file path=ppt/slides/slide6.xml><?xml version="1.0" encoding="utf-8"?>
-<p:sld xmlns:a="http://schemas.openxmlformats.org/drawingml/2006/main" xmlns:r="http://schemas.openxmlformats.org/officeDocument/2006/relationships" xmlns:p="http://schemas.openxmlformats.org/presentationml/2006/main">
+<p:sld xmlns:a="http://schemas.openxmlformats.org/drawingml/2006/main" xmlns:r="http://schemas.openxmlformats.org/officeDocument/2006/relationships" xmlns:p="http://schemas.openxmlformats.org/presentationml/2006/main" xmlns:m="http://schemas.openxmlformats.org/officeDocument/2006/math" xmlns:a14="http://schemas.microsoft.com/office/drawing/2010/main" showMasterSp="1" showMasterPhAnim="1">
   <p:cSld>
     <p:spTree>
       <p:nvGrpSpPr>
@@ -11228,10 +10856,8 @@
       </p:grpSpPr>
       <p:sp>
         <p:nvSpPr>
-          <p:cNvPr id="153" name="Data Cleaning"/>
-          <p:cNvSpPr txBox="1">
-            <a:spLocks noGrp="1"/>
-          </p:cNvSpPr>
+          <p:cNvPr id="153" name="Approach"/>
+          <p:cNvSpPr txBox="1"/>
           <p:nvPr>
             <p:ph type="title"/>
           </p:nvPr>
@@ -11245,18 +10871,169 @@
           <a:bodyPr/>
           <a:lstStyle/>
           <a:p>
+            <a:pPr/>
             <a:r>
-              <a:t>Data Cleaning</a:t>
+              <a:t>Approach</a:t>
             </a:r>
           </a:p>
         </p:txBody>
       </p:sp>
       <p:sp>
         <p:nvSpPr>
-          <p:cNvPr id="154" name="Extract Crime data for years 2008-2012…"/>
-          <p:cNvSpPr txBox="1">
-            <a:spLocks noGrp="1"/>
-          </p:cNvSpPr>
+          <p:cNvPr id="154" name="Find crime types and obtain data from the right source…"/>
+          <p:cNvSpPr txBox="1"/>
+          <p:nvPr/>
+        </p:nvSpPr>
+        <p:spPr>
+          <a:xfrm>
+            <a:off x="914284" y="2895599"/>
+            <a:ext cx="9564622" cy="3759201"/>
+          </a:xfrm>
+          <a:prstGeom prst="rect">
+            <a:avLst/>
+          </a:prstGeom>
+          <a:ln w="12700">
+            <a:miter lim="400000"/>
+          </a:ln>
+          <a:extLst>
+            <a:ext uri="{C572A759-6A51-4108-AA02-DFA0A04FC94B}">
+              <ma14:wrappingTextBoxFlag xmlns:ma14="http://schemas.microsoft.com/office/mac/drawingml/2011/main" val="1"/>
+            </a:ext>
+          </a:extLst>
+        </p:spPr>
+        <p:txBody>
+          <a:bodyPr wrap="none" lIns="50800" tIns="50800" rIns="50800" bIns="50800" anchor="ctr">
+            <a:spAutoFit/>
+          </a:bodyPr>
+          <a:lstStyle/>
+          <a:p>
+            <a:pPr marL="440266" indent="-440266" algn="l">
+              <a:buSzPct val="100000"/>
+              <a:buAutoNum type="arabicPeriod" startAt="1"/>
+            </a:pPr>
+            <a:r>
+              <a:t>Find crime types and obtain data from the right source</a:t>
+            </a:r>
+          </a:p>
+          <a:p>
+            <a:pPr marL="440266" indent="-440266" algn="l">
+              <a:buSzPct val="100000"/>
+              <a:buAutoNum type="arabicPeriod" startAt="1"/>
+            </a:pPr>
+            <a:r>
+              <a:t> Analyse and clean data</a:t>
+            </a:r>
+          </a:p>
+          <a:p>
+            <a:pPr marL="440266" indent="-440266" algn="l">
+              <a:buSzPct val="100000"/>
+              <a:buAutoNum type="arabicPeriod" startAt="1"/>
+            </a:pPr>
+            <a:r>
+              <a:t>Find which crime was the most highest committed</a:t>
+            </a:r>
+          </a:p>
+          <a:p>
+            <a:pPr marL="440266" indent="-440266" algn="l">
+              <a:buSzPct val="100000"/>
+              <a:buAutoNum type="arabicPeriod" startAt="1"/>
+            </a:pPr>
+            <a:r>
+              <a:t>By using the socioeconomic indicators we analysed 4 years of data</a:t>
+            </a:r>
+          </a:p>
+          <a:p>
+            <a:pPr marL="440266" indent="-440266" algn="l">
+              <a:buSzPct val="100000"/>
+              <a:buAutoNum type="arabicPeriod" startAt="1"/>
+            </a:pPr>
+            <a:r>
+              <a:t>Select crime data for 5 years 2008-2012</a:t>
+            </a:r>
+          </a:p>
+          <a:p>
+            <a:pPr marL="440266" indent="-440266" algn="l">
+              <a:buSzPct val="100000"/>
+              <a:buAutoNum type="arabicPeriod" startAt="1"/>
+            </a:pPr>
+            <a:r>
+              <a:t>Merge the new data to get meaningful insights</a:t>
+            </a:r>
+          </a:p>
+          <a:p>
+            <a:pPr marL="440266" indent="-440266" algn="l">
+              <a:buSzPct val="100000"/>
+              <a:buAutoNum type="arabicPeriod" startAt="1"/>
+            </a:pPr>
+            <a:r>
+              <a:t>Analyse impact of indicators on theft levels</a:t>
+            </a:r>
+          </a:p>
+          <a:p>
+            <a:pPr marL="440266" indent="-440266" algn="l">
+              <a:buSzPct val="100000"/>
+              <a:buAutoNum type="arabicPeriod" startAt="1"/>
+            </a:pPr>
+            <a:r>
+              <a:t>Analyse correlation between theft and crime levels</a:t>
+            </a:r>
+          </a:p>
+        </p:txBody>
+      </p:sp>
+    </p:spTree>
+  </p:cSld>
+  <p:clrMapOvr>
+    <a:masterClrMapping/>
+  </p:clrMapOvr>
+  <p:transition xmlns:p14="http://schemas.microsoft.com/office/powerpoint/2010/main" spd="med" advClick="1"/>
+</p:sld>
+</file>
+
+<file path=ppt/slides/slide7.xml><?xml version="1.0" encoding="utf-8"?>
+<p:sld xmlns:a="http://schemas.openxmlformats.org/drawingml/2006/main" xmlns:r="http://schemas.openxmlformats.org/officeDocument/2006/relationships" xmlns:p="http://schemas.openxmlformats.org/presentationml/2006/main" xmlns:m="http://schemas.openxmlformats.org/officeDocument/2006/math" xmlns:a14="http://schemas.microsoft.com/office/drawing/2010/main" showMasterSp="1" showMasterPhAnim="1">
+  <p:cSld>
+    <p:spTree>
+      <p:nvGrpSpPr>
+        <p:cNvPr id="1" name=""/>
+        <p:cNvGrpSpPr/>
+        <p:nvPr/>
+      </p:nvGrpSpPr>
+      <p:grpSpPr>
+        <a:xfrm>
+          <a:off x="0" y="0"/>
+          <a:ext cx="0" cy="0"/>
+          <a:chOff x="0" y="0"/>
+          <a:chExt cx="0" cy="0"/>
+        </a:xfrm>
+      </p:grpSpPr>
+      <p:sp>
+        <p:nvSpPr>
+          <p:cNvPr id="156" name="Data Cleaning"/>
+          <p:cNvSpPr txBox="1"/>
+          <p:nvPr>
+            <p:ph type="title"/>
+          </p:nvPr>
+        </p:nvSpPr>
+        <p:spPr>
+          <a:prstGeom prst="rect">
+            <a:avLst/>
+          </a:prstGeom>
+        </p:spPr>
+        <p:txBody>
+          <a:bodyPr/>
+          <a:lstStyle/>
+          <a:p>
+            <a:pPr/>
+            <a:r>
+              <a:t>Data Cleaning</a:t>
+            </a:r>
+          </a:p>
+        </p:txBody>
+      </p:sp>
+      <p:sp>
+        <p:nvSpPr>
+          <p:cNvPr id="157" name="Extract Crime data for years 2008-2012…"/>
+          <p:cNvSpPr txBox="1"/>
           <p:nvPr>
             <p:ph type="body" idx="1"/>
           </p:nvPr>
@@ -11270,26 +11047,26 @@
           <a:bodyPr/>
           <a:lstStyle/>
           <a:p>
+            <a:pPr/>
             <a:r>
-              <a:rPr dirty="0"/>
               <a:t>Extract Crime data for years 2008-2012</a:t>
             </a:r>
           </a:p>
           <a:p>
+            <a:pPr/>
             <a:r>
-              <a:rPr dirty="0"/>
               <a:t>Changed  combined thefts, robberies and auto-thefts into a single THEFT category</a:t>
             </a:r>
           </a:p>
           <a:p>
+            <a:pPr/>
             <a:r>
-              <a:rPr dirty="0"/>
               <a:t>Merged both datasets on Community Area column</a:t>
             </a:r>
           </a:p>
           <a:p>
+            <a:pPr/>
             <a:r>
-              <a:rPr dirty="0"/>
               <a:t>Checked for null-values </a:t>
             </a:r>
           </a:p>
@@ -11300,21 +11077,14 @@
   <p:clrMapOvr>
     <a:masterClrMapping/>
   </p:clrMapOvr>
-  <mc:AlternateContent xmlns:mc="http://schemas.openxmlformats.org/markup-compatibility/2006">
-    <mc:Choice xmlns:p14="http://schemas.microsoft.com/office/powerpoint/2010/main" Requires="p14">
-      <p:transition p14:dur="250"/>
-    </mc:Choice>
-    <mc:Fallback>
-      <p:transition/>
-    </mc:Fallback>
-  </mc:AlternateContent>
+  <p:transition xmlns:p14="http://schemas.microsoft.com/office/powerpoint/2010/main" spd="med" advClick="1"/>
   <p:timing>
     <p:tnLst>
       <p:par>
-        <p:cTn id="1" dur="indefinite" restart="never" fill="hold" nodeType="tmRoot">
+        <p:cTn id="1" nodeType="tmRoot" restart="never" dur="indefinite" fill="hold">
           <p:childTnLst>
             <p:seq concurrent="1" prevAc="none" nextAc="seek">
-              <p:cTn id="2" dur="indefinite" fill="hold" nodeType="mainSeq">
+              <p:cTn id="2" nodeType="mainSeq" dur="indefinite" fill="hold">
                 <p:childTnLst>
                   <p:par>
                     <p:cTn id="3" fill="hold">
@@ -11329,11 +11099,11 @@
                             </p:stCondLst>
                             <p:childTnLst>
                               <p:par>
-                                <p:cTn id="5" presetID="2" presetClass="entr" presetSubtype="1" fill="hold" grpId="1" nodeType="clickEffect">
+                                <p:cTn id="5" presetClass="entr" nodeType="clickEffect" presetSubtype="1" presetID="2" grpId="1" fill="hold">
                                   <p:stCondLst>
                                     <p:cond delay="0"/>
                                   </p:stCondLst>
-                                  <p:iterate>
+                                  <p:iterate type="el" backwards="0">
                                     <p:tmAbs val="0"/>
                                   </p:iterate>
                                   <p:childTnLst>
@@ -11341,7 +11111,7 @@
                                       <p:cBhvr>
                                         <p:cTn id="6" fill="hold"/>
                                         <p:tgtEl>
-                                          <p:spTgt spid="153"/>
+                                          <p:spTgt spid="156"/>
                                         </p:tgtEl>
                                         <p:attrNameLst>
                                           <p:attrName>style.visibility</p:attrName>
@@ -11355,7 +11125,7 @@
                                       <p:cBhvr>
                                         <p:cTn id="7" dur="1000" fill="hold"/>
                                         <p:tgtEl>
-                                          <p:spTgt spid="153"/>
+                                          <p:spTgt spid="156"/>
                                         </p:tgtEl>
                                         <p:attrNameLst>
                                           <p:attrName>ppt_x</p:attrName>
@@ -11378,7 +11148,7 @@
                                       <p:cBhvr>
                                         <p:cTn id="8" dur="1000" fill="hold"/>
                                         <p:tgtEl>
-                                          <p:spTgt spid="153"/>
+                                          <p:spTgt spid="156"/>
                                         </p:tgtEl>
                                         <p:attrNameLst>
                                           <p:attrName>ppt_y</p:attrName>
@@ -11419,11 +11189,11 @@
                             </p:stCondLst>
                             <p:childTnLst>
                               <p:par>
-                                <p:cTn id="11" presetID="1" presetClass="entr" presetSubtype="0" fill="hold" grpId="2" nodeType="clickEffect">
+                                <p:cTn id="11" presetClass="entr" nodeType="clickEffect" presetSubtype="0" presetID="1" grpId="2" fill="hold">
                                   <p:stCondLst>
                                     <p:cond delay="0"/>
                                   </p:stCondLst>
-                                  <p:iterate type="lt">
+                                  <p:iterate type="lt" backwards="0">
                                     <p:tmAbs val="100"/>
                                   </p:iterate>
                                   <p:childTnLst>
@@ -11431,7 +11201,7 @@
                                       <p:cBhvr>
                                         <p:cTn id="12" fill="hold"/>
                                         <p:tgtEl>
-                                          <p:spTgt spid="154"/>
+                                          <p:spTgt spid="157"/>
                                         </p:tgtEl>
                                         <p:attrNameLst>
                                           <p:attrName>style.visibility</p:attrName>
@@ -11453,14 +11223,14 @@
                 </p:childTnLst>
               </p:cTn>
               <p:prevCondLst>
-                <p:cond evt="onPrev" delay="0">
+                <p:cond evt="onPrev">
                   <p:tgtEl>
                     <p:sldTgt/>
                   </p:tgtEl>
                 </p:cond>
               </p:prevCondLst>
               <p:nextCondLst>
-                <p:cond evt="onNext" delay="0">
+                <p:cond evt="onNext">
                   <p:tgtEl>
                     <p:sldTgt/>
                   </p:tgtEl>
@@ -11472,15 +11242,15 @@
       </p:par>
     </p:tnLst>
     <p:bldLst>
-      <p:bldP spid="153" grpId="1" animBg="1" advAuto="0"/>
-      <p:bldP spid="154" grpId="2" animBg="1" advAuto="0"/>
+      <p:bldP build="whole" bldLvl="1" animBg="1" rev="0" advAuto="0" spid="157" grpId="2"/>
+      <p:bldP build="whole" bldLvl="1" animBg="1" rev="0" advAuto="0" spid="156" grpId="1"/>
     </p:bldLst>
   </p:timing>
 </p:sld>
 </file>
 
-<file path=ppt/slides/slide7.xml><?xml version="1.0" encoding="utf-8"?>
-<p:sld xmlns:a="http://schemas.openxmlformats.org/drawingml/2006/main" xmlns:r="http://schemas.openxmlformats.org/officeDocument/2006/relationships" xmlns:p="http://schemas.openxmlformats.org/presentationml/2006/main">
+<file path=ppt/slides/slide8.xml><?xml version="1.0" encoding="utf-8"?>
+<p:sld xmlns:a="http://schemas.openxmlformats.org/drawingml/2006/main" xmlns:r="http://schemas.openxmlformats.org/officeDocument/2006/relationships" xmlns:p="http://schemas.openxmlformats.org/presentationml/2006/main" xmlns:m="http://schemas.openxmlformats.org/officeDocument/2006/math" xmlns:a14="http://schemas.microsoft.com/office/drawing/2010/main" showMasterSp="1" showMasterPhAnim="1">
   <p:cSld>
     <p:spTree>
       <p:nvGrpSpPr>
@@ -11498,9 +11268,9 @@
       </p:grpSpPr>
       <p:pic>
         <p:nvPicPr>
-          <p:cNvPr id="156" name="Screenshot 2019-03-13 at 7.06.09 PM.png" descr="Screenshot 2019-03-13 at 7.06.09 PM.png"/>
+          <p:cNvPr id="159" name="Screenshot 2019-03-13 at 7.06.09 PM.png" descr="Screenshot 2019-03-13 at 7.06.09 PM.png"/>
           <p:cNvPicPr>
-            <a:picLocks noGrp="1"/>
+            <a:picLocks noChangeAspect="0"/>
           </p:cNvPicPr>
           <p:nvPr>
             <p:ph type="pic" idx="14"/>
@@ -11526,10 +11296,8 @@
       </p:pic>
       <p:sp>
         <p:nvSpPr>
-          <p:cNvPr id="157" name="By using this syntax…"/>
-          <p:cNvSpPr txBox="1">
-            <a:spLocks noGrp="1"/>
-          </p:cNvSpPr>
+          <p:cNvPr id="160" name="By using this syntax…"/>
+          <p:cNvSpPr txBox="1"/>
           <p:nvPr>
             <p:ph type="title"/>
           </p:nvPr>
@@ -11568,10 +11336,8 @@
       </p:sp>
       <p:sp>
         <p:nvSpPr>
-          <p:cNvPr id="158" name="df['Primary Type'].value_counts()"/>
-          <p:cNvSpPr txBox="1">
-            <a:spLocks noGrp="1"/>
-          </p:cNvSpPr>
+          <p:cNvPr id="161" name="df['Primary Type'].value_counts()"/>
+          <p:cNvSpPr txBox="1"/>
           <p:nvPr>
             <p:ph type="body" sz="quarter" idx="1"/>
           </p:nvPr>
@@ -11640,7 +11406,7 @@
       </p:sp>
       <p:sp>
         <p:nvSpPr>
-          <p:cNvPr id="159" name="Shape"/>
+          <p:cNvPr id="162" name="Shape"/>
           <p:cNvSpPr/>
           <p:nvPr/>
         </p:nvSpPr>
@@ -11669,7 +11435,7 @@
             </a:cxnLst>
             <a:rect l="0" t="0" r="r" b="b"/>
             <a:pathLst>
-              <a:path w="21600" h="21600" extrusionOk="0">
+              <a:path w="21600" h="21600" fill="norm" stroke="1" extrusionOk="0">
                 <a:moveTo>
                   <a:pt x="13469" y="0"/>
                 </a:moveTo>
@@ -11762,19 +11528,18 @@
                   <a:srgbClr val="FFFFFF"/>
                 </a:solidFill>
                 <a:effectLst>
-                  <a:outerShdw blurRad="25400" dist="33948" dir="2700000" rotWithShape="0">
+                  <a:outerShdw sx="100000" sy="100000" kx="0" ky="0" algn="b" rotWithShape="0" blurRad="25400" dist="33948" dir="2700000">
                     <a:srgbClr val="3B3936"/>
                   </a:outerShdw>
                 </a:effectLst>
               </a:defRPr>
             </a:pPr>
-            <a:endParaRPr/>
           </a:p>
         </p:txBody>
       </p:sp>
       <p:sp>
         <p:nvSpPr>
-          <p:cNvPr id="160" name="Rectangle"/>
+          <p:cNvPr id="163" name="Rectangle"/>
           <p:cNvSpPr/>
           <p:nvPr/>
         </p:nvSpPr>
@@ -11803,13 +11568,12 @@
                   <a:srgbClr val="FFFFFF"/>
                 </a:solidFill>
                 <a:effectLst>
-                  <a:outerShdw blurRad="25400" dist="33948" dir="2700000" rotWithShape="0">
+                  <a:outerShdw sx="100000" sy="100000" kx="0" ky="0" algn="b" rotWithShape="0" blurRad="25400" dist="33948" dir="2700000">
                     <a:srgbClr val="3B3936"/>
                   </a:outerShdw>
                 </a:effectLst>
               </a:defRPr>
             </a:pPr>
-            <a:endParaRPr/>
           </a:p>
         </p:txBody>
       </p:sp>
@@ -11818,14 +11582,14 @@
   <p:clrMapOvr>
     <a:masterClrMapping/>
   </p:clrMapOvr>
-  <p:transition spd="med"/>
+  <p:transition xmlns:p14="http://schemas.microsoft.com/office/powerpoint/2010/main" spd="med" advClick="1"/>
   <p:timing>
     <p:tnLst>
       <p:par>
-        <p:cTn id="1" dur="indefinite" restart="never" fill="hold" nodeType="tmRoot">
+        <p:cTn id="1" nodeType="tmRoot" restart="never" dur="indefinite" fill="hold">
           <p:childTnLst>
             <p:seq concurrent="1" prevAc="none" nextAc="seek">
-              <p:cTn id="2" dur="indefinite" fill="hold" nodeType="mainSeq">
+              <p:cTn id="2" nodeType="mainSeq" dur="indefinite" fill="hold">
                 <p:childTnLst>
                   <p:par>
                     <p:cTn id="3" fill="hold">
@@ -11840,11 +11604,11 @@
                             </p:stCondLst>
                             <p:childTnLst>
                               <p:par>
-                                <p:cTn id="5" presetID="1" presetClass="entr" presetSubtype="0" fill="hold" grpId="1" nodeType="clickEffect">
+                                <p:cTn id="5" presetClass="entr" nodeType="clickEffect" presetSubtype="0" presetID="1" grpId="1" fill="hold">
                                   <p:stCondLst>
                                     <p:cond delay="0"/>
                                   </p:stCondLst>
-                                  <p:iterate type="lt">
+                                  <p:iterate type="lt" backwards="0">
                                     <p:tmAbs val="100"/>
                                   </p:iterate>
                                   <p:childTnLst>
@@ -11852,7 +11616,7 @@
                                       <p:cBhvr>
                                         <p:cTn id="6" fill="hold"/>
                                         <p:tgtEl>
-                                          <p:spTgt spid="157"/>
+                                          <p:spTgt spid="160"/>
                                         </p:tgtEl>
                                         <p:attrNameLst>
                                           <p:attrName>style.visibility</p:attrName>
@@ -11884,11 +11648,11 @@
                             </p:stCondLst>
                             <p:childTnLst>
                               <p:par>
-                                <p:cTn id="9" presetID="1" presetClass="entr" presetSubtype="0" fill="hold" grpId="2" nodeType="clickEffect">
+                                <p:cTn id="9" presetClass="entr" nodeType="clickEffect" presetSubtype="0" presetID="1" grpId="2" fill="hold">
                                   <p:stCondLst>
                                     <p:cond delay="0"/>
                                   </p:stCondLst>
-                                  <p:iterate type="lt">
+                                  <p:iterate type="lt" backwards="0">
                                     <p:tmAbs val="100"/>
                                   </p:iterate>
                                   <p:childTnLst>
@@ -11896,7 +11660,7 @@
                                       <p:cBhvr>
                                         <p:cTn id="10" fill="hold"/>
                                         <p:tgtEl>
-                                          <p:spTgt spid="158"/>
+                                          <p:spTgt spid="161"/>
                                         </p:tgtEl>
                                         <p:attrNameLst>
                                           <p:attrName>style.visibility</p:attrName>
@@ -11928,11 +11692,11 @@
                             </p:stCondLst>
                             <p:childTnLst>
                               <p:par>
-                                <p:cTn id="13" presetID="4" presetClass="entr" presetSubtype="32" fill="hold" grpId="3" nodeType="clickEffect">
+                                <p:cTn id="13" presetClass="entr" nodeType="clickEffect" presetSubtype="32" presetID="4" grpId="3" fill="hold">
                                   <p:stCondLst>
                                     <p:cond delay="0"/>
                                   </p:stCondLst>
-                                  <p:iterate>
+                                  <p:iterate type="el" backwards="0">
                                     <p:tmAbs val="0"/>
                                   </p:iterate>
                                   <p:childTnLst>
@@ -11940,7 +11704,7 @@
                                       <p:cBhvr>
                                         <p:cTn id="14" fill="hold"/>
                                         <p:tgtEl>
-                                          <p:spTgt spid="156"/>
+                                          <p:spTgt spid="159"/>
                                         </p:tgtEl>
                                         <p:attrNameLst>
                                           <p:attrName>style.visibility</p:attrName>
@@ -11950,11 +11714,11 @@
                                         <p:strVal val="visible"/>
                                       </p:to>
                                     </p:set>
-                                    <p:animEffect transition="in" filter="box(out)">
+                                    <p:animEffect filter="box(out)" transition="in">
                                       <p:cBhvr>
                                         <p:cTn id="15" dur="1000"/>
                                         <p:tgtEl>
-                                          <p:spTgt spid="156"/>
+                                          <p:spTgt spid="159"/>
                                         </p:tgtEl>
                                       </p:cBhvr>
                                     </p:animEffect>
@@ -11980,11 +11744,11 @@
                             </p:stCondLst>
                             <p:childTnLst>
                               <p:par>
-                                <p:cTn id="18" presetID="2" presetClass="entr" presetSubtype="8" fill="hold" grpId="4" nodeType="clickEffect">
+                                <p:cTn id="18" presetClass="entr" nodeType="clickEffect" presetSubtype="8" presetID="2" grpId="4" fill="hold">
                                   <p:stCondLst>
                                     <p:cond delay="0"/>
                                   </p:stCondLst>
-                                  <p:iterate type="lt">
+                                  <p:iterate type="lt" backwards="0">
                                     <p:tmAbs val="0"/>
                                   </p:iterate>
                                   <p:childTnLst>
@@ -11992,7 +11756,7 @@
                                       <p:cBhvr>
                                         <p:cTn id="19" fill="hold"/>
                                         <p:tgtEl>
-                                          <p:spTgt spid="159"/>
+                                          <p:spTgt spid="162"/>
                                         </p:tgtEl>
                                         <p:attrNameLst>
                                           <p:attrName>style.visibility</p:attrName>
@@ -12006,7 +11770,7 @@
                                       <p:cBhvr>
                                         <p:cTn id="20" dur="1000" fill="hold"/>
                                         <p:tgtEl>
-                                          <p:spTgt spid="159"/>
+                                          <p:spTgt spid="162"/>
                                         </p:tgtEl>
                                         <p:attrNameLst>
                                           <p:attrName>ppt_x</p:attrName>
@@ -12029,7 +11793,7 @@
                                       <p:cBhvr>
                                         <p:cTn id="21" dur="1000" fill="hold"/>
                                         <p:tgtEl>
-                                          <p:spTgt spid="159"/>
+                                          <p:spTgt spid="162"/>
                                         </p:tgtEl>
                                         <p:attrNameLst>
                                           <p:attrName>ppt_y</p:attrName>
@@ -12070,11 +11834,11 @@
                             </p:stCondLst>
                             <p:childTnLst>
                               <p:par>
-                                <p:cTn id="24" presetID="15" presetClass="entr" presetSubtype="9" fill="hold" grpId="5" nodeType="clickEffect">
+                                <p:cTn id="24" presetClass="entr" nodeType="clickEffect" presetSubtype="9" presetID="15" grpId="5" fill="hold">
                                   <p:stCondLst>
                                     <p:cond delay="0"/>
                                   </p:stCondLst>
-                                  <p:iterate>
+                                  <p:iterate type="el" backwards="0">
                                     <p:tmAbs val="0"/>
                                   </p:iterate>
                                   <p:childTnLst>
@@ -12082,7 +11846,7 @@
                                       <p:cBhvr>
                                         <p:cTn id="25" fill="hold"/>
                                         <p:tgtEl>
-                                          <p:spTgt spid="160"/>
+                                          <p:spTgt spid="163"/>
                                         </p:tgtEl>
                                         <p:attrNameLst>
                                           <p:attrName>style.visibility</p:attrName>
@@ -12096,7 +11860,7 @@
                                       <p:cBhvr>
                                         <p:cTn id="26" dur="1000" fill="hold"/>
                                         <p:tgtEl>
-                                          <p:spTgt spid="160"/>
+                                          <p:spTgt spid="163"/>
                                         </p:tgtEl>
                                         <p:attrNameLst>
                                           <p:attrName>ppt_w</p:attrName>
@@ -12119,7 +11883,7 @@
                                       <p:cBhvr>
                                         <p:cTn id="27" dur="1000" fill="hold"/>
                                         <p:tgtEl>
-                                          <p:spTgt spid="160"/>
+                                          <p:spTgt spid="163"/>
                                         </p:tgtEl>
                                         <p:attrNameLst>
                                           <p:attrName>ppt_h</p:attrName>
@@ -12142,7 +11906,7 @@
                                       <p:cBhvr>
                                         <p:cTn id="28" dur="1000" fill="hold"/>
                                         <p:tgtEl>
-                                          <p:spTgt spid="160"/>
+                                          <p:spTgt spid="163"/>
                                         </p:tgtEl>
                                         <p:attrNameLst>
                                           <p:attrName>ppt_x</p:attrName>
@@ -12165,7 +11929,7 @@
                                       <p:cBhvr>
                                         <p:cTn id="29" dur="1000" fill="hold"/>
                                         <p:tgtEl>
-                                          <p:spTgt spid="160"/>
+                                          <p:spTgt spid="163"/>
                                         </p:tgtEl>
                                         <p:attrNameLst>
                                           <p:attrName>ppt_y</p:attrName>
@@ -12196,14 +11960,14 @@
                 </p:childTnLst>
               </p:cTn>
               <p:prevCondLst>
-                <p:cond evt="onPrev" delay="0">
+                <p:cond evt="onPrev">
                   <p:tgtEl>
                     <p:sldTgt/>
                   </p:tgtEl>
                 </p:cond>
               </p:prevCondLst>
               <p:nextCondLst>
-                <p:cond evt="onNext" delay="0">
+                <p:cond evt="onNext">
                   <p:tgtEl>
                     <p:sldTgt/>
                   </p:tgtEl>
@@ -12215,18 +11979,18 @@
       </p:par>
     </p:tnLst>
     <p:bldLst>
-      <p:bldP spid="156" grpId="3" animBg="1" advAuto="0"/>
-      <p:bldP spid="157" grpId="1" animBg="1" advAuto="0"/>
-      <p:bldP spid="158" grpId="2" animBg="1" advAuto="0"/>
-      <p:bldP spid="159" grpId="4" animBg="1" advAuto="0"/>
-      <p:bldP spid="160" grpId="5" animBg="1" advAuto="0"/>
+      <p:bldP build="whole" bldLvl="1" animBg="1" rev="0" advAuto="0" spid="160" grpId="1"/>
+      <p:bldP build="whole" bldLvl="1" animBg="1" rev="0" advAuto="0" spid="161" grpId="2"/>
+      <p:bldP build="whole" bldLvl="1" animBg="1" rev="0" advAuto="0" spid="162" grpId="4"/>
+      <p:bldP build="whole" bldLvl="1" animBg="1" rev="0" advAuto="0" spid="163" grpId="5"/>
+      <p:bldP build="whole" bldLvl="1" animBg="1" rev="0" advAuto="0" spid="159" grpId="3"/>
     </p:bldLst>
   </p:timing>
 </p:sld>
 </file>
 
-<file path=ppt/slides/slide8.xml><?xml version="1.0" encoding="utf-8"?>
-<p:sld xmlns:a="http://schemas.openxmlformats.org/drawingml/2006/main" xmlns:r="http://schemas.openxmlformats.org/officeDocument/2006/relationships" xmlns:p="http://schemas.openxmlformats.org/presentationml/2006/main">
+<file path=ppt/slides/slide9.xml><?xml version="1.0" encoding="utf-8"?>
+<p:sld xmlns:a="http://schemas.openxmlformats.org/drawingml/2006/main" xmlns:r="http://schemas.openxmlformats.org/officeDocument/2006/relationships" xmlns:p="http://schemas.openxmlformats.org/presentationml/2006/main" xmlns:m="http://schemas.openxmlformats.org/officeDocument/2006/math" xmlns:a14="http://schemas.microsoft.com/office/drawing/2010/main" showMasterSp="1" showMasterPhAnim="1">
   <p:cSld>
     <p:spTree>
       <p:nvGrpSpPr>
@@ -12244,7 +12008,7 @@
       </p:grpSpPr>
       <p:pic>
         <p:nvPicPr>
-          <p:cNvPr id="162" name="TypeOFCrime.png" descr="TypeOFCrime.png"/>
+          <p:cNvPr id="165" name="TypeOFCrime.png" descr="TypeOFCrime.png"/>
           <p:cNvPicPr>
             <a:picLocks noChangeAspect="1"/>
           </p:cNvPicPr>
@@ -12276,224 +12040,12 @@
   <p:clrMapOvr>
     <a:masterClrMapping/>
   </p:clrMapOvr>
-  <p:transition spd="med"/>
-</p:sld>
-</file>
-
-<file path=ppt/slides/slide9.xml><?xml version="1.0" encoding="utf-8"?>
-<p:sld xmlns:a="http://schemas.openxmlformats.org/drawingml/2006/main" xmlns:r="http://schemas.openxmlformats.org/officeDocument/2006/relationships" xmlns:p="http://schemas.openxmlformats.org/presentationml/2006/main">
-  <p:cSld>
-    <p:spTree>
-      <p:nvGrpSpPr>
-        <p:cNvPr id="1" name=""/>
-        <p:cNvGrpSpPr/>
-        <p:nvPr/>
-      </p:nvGrpSpPr>
-      <p:grpSpPr>
-        <a:xfrm>
-          <a:off x="0" y="0"/>
-          <a:ext cx="0" cy="0"/>
-          <a:chOff x="0" y="0"/>
-          <a:chExt cx="0" cy="0"/>
-        </a:xfrm>
-      </p:grpSpPr>
-      <p:pic>
-        <p:nvPicPr>
-          <p:cNvPr id="164" name="FrequencyOfCrimesPerYear.png" descr="FrequencyOfCrimesPerYear.png"/>
-          <p:cNvPicPr>
-            <a:picLocks noGrp="1"/>
-          </p:cNvPicPr>
-          <p:nvPr>
-            <p:ph type="pic" idx="14"/>
-          </p:nvPr>
-        </p:nvPicPr>
-        <p:blipFill>
-          <a:blip r:embed="rId2">
-            <a:extLst/>
-          </a:blip>
-          <a:stretch>
-            <a:fillRect/>
-          </a:stretch>
-        </p:blipFill>
-        <p:spPr>
-          <a:xfrm>
-            <a:off x="-41806" y="17361"/>
-            <a:ext cx="13088412" cy="6789065"/>
-          </a:xfrm>
-          <a:prstGeom prst="rect">
-            <a:avLst/>
-          </a:prstGeom>
-        </p:spPr>
-      </p:pic>
-      <p:sp>
-        <p:nvSpPr>
-          <p:cNvPr id="165" name="Determined Frequency of Crimes per year"/>
-          <p:cNvSpPr txBox="1">
-            <a:spLocks noGrp="1"/>
-          </p:cNvSpPr>
-          <p:nvPr>
-            <p:ph type="title"/>
-          </p:nvPr>
-        </p:nvSpPr>
-        <p:spPr>
-          <a:xfrm>
-            <a:off x="514350" y="6680200"/>
-            <a:ext cx="7200900" cy="2413000"/>
-          </a:xfrm>
-          <a:prstGeom prst="rect">
-            <a:avLst/>
-          </a:prstGeom>
-        </p:spPr>
-        <p:txBody>
-          <a:bodyPr/>
-          <a:lstStyle>
-            <a:lvl1pPr defTabSz="531622">
-              <a:spcBef>
-                <a:spcPts val="1400"/>
-              </a:spcBef>
-              <a:defRPr sz="6370"/>
-            </a:lvl1pPr>
-          </a:lstStyle>
-          <a:p>
-            <a:r>
-              <a:t>Determined Frequency of Crimes per year</a:t>
-            </a:r>
-          </a:p>
-        </p:txBody>
-      </p:sp>
-    </p:spTree>
-  </p:cSld>
-  <p:clrMapOvr>
-    <a:masterClrMapping/>
-  </p:clrMapOvr>
-  <p:transition spd="med"/>
-  <p:timing>
-    <p:tnLst>
-      <p:par>
-        <p:cTn id="1" dur="indefinite" restart="never" fill="hold" nodeType="tmRoot">
-          <p:childTnLst>
-            <p:seq concurrent="1" prevAc="none" nextAc="seek">
-              <p:cTn id="2" dur="indefinite" fill="hold" nodeType="mainSeq">
-                <p:childTnLst>
-                  <p:par>
-                    <p:cTn id="3" fill="hold">
-                      <p:stCondLst>
-                        <p:cond delay="indefinite"/>
-                      </p:stCondLst>
-                      <p:childTnLst>
-                        <p:par>
-                          <p:cTn id="4" fill="hold">
-                            <p:stCondLst>
-                              <p:cond delay="0"/>
-                            </p:stCondLst>
-                            <p:childTnLst>
-                              <p:par>
-                                <p:cTn id="5" presetID="1" presetClass="entr" presetSubtype="0" fill="hold" grpId="1" nodeType="clickEffect">
-                                  <p:stCondLst>
-                                    <p:cond delay="0"/>
-                                  </p:stCondLst>
-                                  <p:iterate>
-                                    <p:tmAbs val="0"/>
-                                  </p:iterate>
-                                  <p:childTnLst>
-                                    <p:set>
-                                      <p:cBhvr>
-                                        <p:cTn id="6" fill="hold"/>
-                                        <p:tgtEl>
-                                          <p:spTgt spid="165"/>
-                                        </p:tgtEl>
-                                        <p:attrNameLst>
-                                          <p:attrName>style.visibility</p:attrName>
-                                        </p:attrNameLst>
-                                      </p:cBhvr>
-                                      <p:to>
-                                        <p:strVal val="visible"/>
-                                      </p:to>
-                                    </p:set>
-                                  </p:childTnLst>
-                                </p:cTn>
-                              </p:par>
-                            </p:childTnLst>
-                          </p:cTn>
-                        </p:par>
-                      </p:childTnLst>
-                    </p:cTn>
-                  </p:par>
-                  <p:par>
-                    <p:cTn id="7" fill="hold">
-                      <p:stCondLst>
-                        <p:cond delay="indefinite"/>
-                      </p:stCondLst>
-                      <p:childTnLst>
-                        <p:par>
-                          <p:cTn id="8" fill="hold">
-                            <p:stCondLst>
-                              <p:cond delay="0"/>
-                            </p:stCondLst>
-                            <p:childTnLst>
-                              <p:par>
-                                <p:cTn id="9" presetID="1" presetClass="entr" presetSubtype="0" fill="hold" grpId="2" nodeType="clickEffect">
-                                  <p:stCondLst>
-                                    <p:cond delay="0"/>
-                                  </p:stCondLst>
-                                  <p:iterate>
-                                    <p:tmAbs val="0"/>
-                                  </p:iterate>
-                                  <p:childTnLst>
-                                    <p:set>
-                                      <p:cBhvr>
-                                        <p:cTn id="10" fill="hold"/>
-                                        <p:tgtEl>
-                                          <p:spTgt spid="164"/>
-                                        </p:tgtEl>
-                                        <p:attrNameLst>
-                                          <p:attrName>style.visibility</p:attrName>
-                                        </p:attrNameLst>
-                                      </p:cBhvr>
-                                      <p:to>
-                                        <p:strVal val="visible"/>
-                                      </p:to>
-                                    </p:set>
-                                  </p:childTnLst>
-                                </p:cTn>
-                              </p:par>
-                            </p:childTnLst>
-                          </p:cTn>
-                        </p:par>
-                      </p:childTnLst>
-                    </p:cTn>
-                  </p:par>
-                </p:childTnLst>
-              </p:cTn>
-              <p:prevCondLst>
-                <p:cond evt="onPrev" delay="0">
-                  <p:tgtEl>
-                    <p:sldTgt/>
-                  </p:tgtEl>
-                </p:cond>
-              </p:prevCondLst>
-              <p:nextCondLst>
-                <p:cond evt="onNext" delay="0">
-                  <p:tgtEl>
-                    <p:sldTgt/>
-                  </p:tgtEl>
-                </p:cond>
-              </p:nextCondLst>
-            </p:seq>
-          </p:childTnLst>
-        </p:cTn>
-      </p:par>
-    </p:tnLst>
-    <p:bldLst>
-      <p:bldP spid="164" grpId="2" animBg="1" advAuto="0"/>
-      <p:bldP spid="165" grpId="1" animBg="1" advAuto="0"/>
-    </p:bldLst>
-  </p:timing>
+  <p:transition xmlns:p14="http://schemas.microsoft.com/office/powerpoint/2010/main" spd="med" advClick="1"/>
 </p:sld>
 </file>
 
 <file path=ppt/theme/theme1.xml><?xml version="1.0" encoding="utf-8"?>
-<a:theme xmlns:a="http://schemas.openxmlformats.org/drawingml/2006/main" name="New_Template4">
+<a:theme xmlns:a="http://schemas.openxmlformats.org/drawingml/2006/main" xmlns:r="http://schemas.openxmlformats.org/officeDocument/2006/relationships" name="New_Template4">
   <a:themeElements>
     <a:clrScheme name="New_Template4">
       <a:dk1>
@@ -12683,8 +12235,8 @@
     <a:spDef>
       <a:spPr>
         <a:blipFill rotWithShape="1">
-          <a:blip xmlns:r="http://schemas.openxmlformats.org/officeDocument/2006/relationships" r:embed="rId1"/>
-          <a:srcRect/>
+          <a:blip r:embed="rId1"/>
+          <a:srcRect l="0" t="0" r="0" b="0"/>
           <a:tile tx="0" ty="0" sx="100000" sy="100000" flip="none" algn="tl"/>
         </a:blipFill>
         <a:ln w="12700" cap="flat">
@@ -12694,7 +12246,7 @@
         <a:effectLst/>
         <a:sp3d/>
       </a:spPr>
-      <a:bodyPr rot="0" spcFirstLastPara="1" vertOverflow="overflow" horzOverflow="overflow" vert="horz" wrap="square" lIns="50800" tIns="50800" rIns="50800" bIns="50800" numCol="1" spcCol="38100" rtlCol="0" anchor="ctr">
+      <a:bodyPr rot="0" spcFirstLastPara="1" vertOverflow="overflow" horzOverflow="overflow" vert="horz" wrap="square" lIns="50800" tIns="50800" rIns="50800" bIns="50800" numCol="1" spcCol="38100" rtlCol="0" anchor="ctr" upright="0">
         <a:spAutoFit/>
       </a:bodyPr>
       <a:lstStyle>
@@ -12713,7 +12265,7 @@
           <a:buFontTx/>
           <a:buNone/>
           <a:tabLst/>
-          <a:defRPr kumimoji="0" sz="3200" b="0" i="0" u="none" strike="noStrike" cap="none" spc="0" normalizeH="0" baseline="0">
+          <a:defRPr b="0" baseline="0" cap="none" i="0" spc="0" strike="noStrike" sz="3200" u="none" kumimoji="0" normalizeH="0">
             <a:ln>
               <a:noFill/>
             </a:ln>
@@ -12721,7 +12273,7 @@
               <a:srgbClr val="FFFFFF"/>
             </a:solidFill>
             <a:effectLst>
-              <a:outerShdw blurRad="25400" dist="33948" dir="2700000" rotWithShape="0">
+              <a:outerShdw sx="100000" sy="100000" kx="0" ky="0" algn="b" rotWithShape="0" blurRad="25400" dist="33948" dir="2700000">
                 <a:srgbClr val="3B3936"/>
               </a:outerShdw>
             </a:effectLst>
@@ -12747,7 +12299,7 @@
           <a:buFontTx/>
           <a:buNone/>
           <a:tabLst/>
-          <a:defRPr kumimoji="0" sz="1800" b="0" i="0" u="none" strike="noStrike" cap="none" spc="0" normalizeH="0" baseline="0">
+          <a:defRPr b="0" baseline="0" cap="none" i="0" spc="0" strike="noStrike" sz="1800" u="none" kumimoji="0" normalizeH="0">
             <a:ln>
               <a:noFill/>
             </a:ln>
@@ -12773,7 +12325,7 @@
           <a:buFontTx/>
           <a:buNone/>
           <a:tabLst/>
-          <a:defRPr kumimoji="0" sz="1800" b="0" i="0" u="none" strike="noStrike" cap="none" spc="0" normalizeH="0" baseline="0">
+          <a:defRPr b="0" baseline="0" cap="none" i="0" spc="0" strike="noStrike" sz="1800" u="none" kumimoji="0" normalizeH="0">
             <a:ln>
               <a:noFill/>
             </a:ln>
@@ -12799,7 +12351,7 @@
           <a:buFontTx/>
           <a:buNone/>
           <a:tabLst/>
-          <a:defRPr kumimoji="0" sz="1800" b="0" i="0" u="none" strike="noStrike" cap="none" spc="0" normalizeH="0" baseline="0">
+          <a:defRPr b="0" baseline="0" cap="none" i="0" spc="0" strike="noStrike" sz="1800" u="none" kumimoji="0" normalizeH="0">
             <a:ln>
               <a:noFill/>
             </a:ln>
@@ -12825,7 +12377,7 @@
           <a:buFontTx/>
           <a:buNone/>
           <a:tabLst/>
-          <a:defRPr kumimoji="0" sz="1800" b="0" i="0" u="none" strike="noStrike" cap="none" spc="0" normalizeH="0" baseline="0">
+          <a:defRPr b="0" baseline="0" cap="none" i="0" spc="0" strike="noStrike" sz="1800" u="none" kumimoji="0" normalizeH="0">
             <a:ln>
               <a:noFill/>
             </a:ln>
@@ -12851,7 +12403,7 @@
           <a:buFontTx/>
           <a:buNone/>
           <a:tabLst/>
-          <a:defRPr kumimoji="0" sz="1800" b="0" i="0" u="none" strike="noStrike" cap="none" spc="0" normalizeH="0" baseline="0">
+          <a:defRPr b="0" baseline="0" cap="none" i="0" spc="0" strike="noStrike" sz="1800" u="none" kumimoji="0" normalizeH="0">
             <a:ln>
               <a:noFill/>
             </a:ln>
@@ -12877,7 +12429,7 @@
           <a:buFontTx/>
           <a:buNone/>
           <a:tabLst/>
-          <a:defRPr kumimoji="0" sz="1800" b="0" i="0" u="none" strike="noStrike" cap="none" spc="0" normalizeH="0" baseline="0">
+          <a:defRPr b="0" baseline="0" cap="none" i="0" spc="0" strike="noStrike" sz="1800" u="none" kumimoji="0" normalizeH="0">
             <a:ln>
               <a:noFill/>
             </a:ln>
@@ -12903,7 +12455,7 @@
           <a:buFontTx/>
           <a:buNone/>
           <a:tabLst/>
-          <a:defRPr kumimoji="0" sz="1800" b="0" i="0" u="none" strike="noStrike" cap="none" spc="0" normalizeH="0" baseline="0">
+          <a:defRPr b="0" baseline="0" cap="none" i="0" spc="0" strike="noStrike" sz="1800" u="none" kumimoji="0" normalizeH="0">
             <a:ln>
               <a:noFill/>
             </a:ln>
@@ -12929,7 +12481,7 @@
           <a:buFontTx/>
           <a:buNone/>
           <a:tabLst/>
-          <a:defRPr kumimoji="0" sz="1800" b="0" i="0" u="none" strike="noStrike" cap="none" spc="0" normalizeH="0" baseline="0">
+          <a:defRPr b="0" baseline="0" cap="none" i="0" spc="0" strike="noStrike" sz="1800" u="none" kumimoji="0" normalizeH="0">
             <a:ln>
               <a:noFill/>
             </a:ln>
@@ -12955,7 +12507,7 @@
           <a:buFontTx/>
           <a:buNone/>
           <a:tabLst/>
-          <a:defRPr kumimoji="0" sz="1800" b="0" i="0" u="none" strike="noStrike" cap="none" spc="0" normalizeH="0" baseline="0">
+          <a:defRPr b="0" baseline="0" cap="none" i="0" spc="0" strike="noStrike" sz="1800" u="none" kumimoji="0" normalizeH="0">
             <a:ln>
               <a:noFill/>
             </a:ln>
@@ -12968,15 +12520,9 @@
         </a:lvl9pPr>
       </a:lstStyle>
       <a:style>
-        <a:lnRef idx="0">
-          <a:scrgbClr r="0" g="0" b="0"/>
-        </a:lnRef>
-        <a:fillRef idx="0">
-          <a:scrgbClr r="0" g="0" b="0"/>
-        </a:fillRef>
-        <a:effectRef idx="0">
-          <a:scrgbClr r="0" g="0" b="0"/>
-        </a:effectRef>
+        <a:lnRef idx="0"/>
+        <a:fillRef idx="0"/>
+        <a:effectRef idx="0"/>
         <a:fontRef idx="none"/>
       </a:style>
     </a:spDef>
@@ -12993,7 +12539,7 @@
         <a:effectLst/>
         <a:sp3d/>
       </a:spPr>
-      <a:bodyPr rot="0" spcFirstLastPara="1" vertOverflow="overflow" horzOverflow="overflow" vert="horz" wrap="square" lIns="91439" tIns="45719" rIns="91439" bIns="45719" numCol="1" spcCol="38100" rtlCol="0" anchor="t">
+      <a:bodyPr rot="0" spcFirstLastPara="1" vertOverflow="overflow" horzOverflow="overflow" vert="horz" wrap="square" lIns="91439" tIns="45719" rIns="91439" bIns="45719" numCol="1" spcCol="38100" rtlCol="0" anchor="t" upright="0">
         <a:noAutofit/>
       </a:bodyPr>
       <a:lstStyle>
@@ -13012,7 +12558,7 @@
           <a:buFontTx/>
           <a:buNone/>
           <a:tabLst/>
-          <a:defRPr kumimoji="0" sz="1800" b="0" i="0" u="none" strike="noStrike" cap="none" spc="0" normalizeH="0" baseline="0">
+          <a:defRPr b="0" baseline="0" cap="none" i="0" spc="0" strike="noStrike" sz="1800" u="none" kumimoji="0" normalizeH="0">
             <a:ln>
               <a:noFill/>
             </a:ln>
@@ -13038,7 +12584,7 @@
           <a:buFontTx/>
           <a:buNone/>
           <a:tabLst/>
-          <a:defRPr kumimoji="0" sz="1800" b="0" i="0" u="none" strike="noStrike" cap="none" spc="0" normalizeH="0" baseline="0">
+          <a:defRPr b="0" baseline="0" cap="none" i="0" spc="0" strike="noStrike" sz="1800" u="none" kumimoji="0" normalizeH="0">
             <a:ln>
               <a:noFill/>
             </a:ln>
@@ -13064,7 +12610,7 @@
           <a:buFontTx/>
           <a:buNone/>
           <a:tabLst/>
-          <a:defRPr kumimoji="0" sz="1800" b="0" i="0" u="none" strike="noStrike" cap="none" spc="0" normalizeH="0" baseline="0">
+          <a:defRPr b="0" baseline="0" cap="none" i="0" spc="0" strike="noStrike" sz="1800" u="none" kumimoji="0" normalizeH="0">
             <a:ln>
               <a:noFill/>
             </a:ln>
@@ -13090,7 +12636,7 @@
           <a:buFontTx/>
           <a:buNone/>
           <a:tabLst/>
-          <a:defRPr kumimoji="0" sz="1800" b="0" i="0" u="none" strike="noStrike" cap="none" spc="0" normalizeH="0" baseline="0">
+          <a:defRPr b="0" baseline="0" cap="none" i="0" spc="0" strike="noStrike" sz="1800" u="none" kumimoji="0" normalizeH="0">
             <a:ln>
               <a:noFill/>
             </a:ln>
@@ -13116,7 +12662,7 @@
           <a:buFontTx/>
           <a:buNone/>
           <a:tabLst/>
-          <a:defRPr kumimoji="0" sz="1800" b="0" i="0" u="none" strike="noStrike" cap="none" spc="0" normalizeH="0" baseline="0">
+          <a:defRPr b="0" baseline="0" cap="none" i="0" spc="0" strike="noStrike" sz="1800" u="none" kumimoji="0" normalizeH="0">
             <a:ln>
               <a:noFill/>
             </a:ln>
@@ -13142,7 +12688,7 @@
           <a:buFontTx/>
           <a:buNone/>
           <a:tabLst/>
-          <a:defRPr kumimoji="0" sz="1800" b="0" i="0" u="none" strike="noStrike" cap="none" spc="0" normalizeH="0" baseline="0">
+          <a:defRPr b="0" baseline="0" cap="none" i="0" spc="0" strike="noStrike" sz="1800" u="none" kumimoji="0" normalizeH="0">
             <a:ln>
               <a:noFill/>
             </a:ln>
@@ -13168,7 +12714,7 @@
           <a:buFontTx/>
           <a:buNone/>
           <a:tabLst/>
-          <a:defRPr kumimoji="0" sz="1800" b="0" i="0" u="none" strike="noStrike" cap="none" spc="0" normalizeH="0" baseline="0">
+          <a:defRPr b="0" baseline="0" cap="none" i="0" spc="0" strike="noStrike" sz="1800" u="none" kumimoji="0" normalizeH="0">
             <a:ln>
               <a:noFill/>
             </a:ln>
@@ -13194,7 +12740,7 @@
           <a:buFontTx/>
           <a:buNone/>
           <a:tabLst/>
-          <a:defRPr kumimoji="0" sz="1800" b="0" i="0" u="none" strike="noStrike" cap="none" spc="0" normalizeH="0" baseline="0">
+          <a:defRPr b="0" baseline="0" cap="none" i="0" spc="0" strike="noStrike" sz="1800" u="none" kumimoji="0" normalizeH="0">
             <a:ln>
               <a:noFill/>
             </a:ln>
@@ -13220,7 +12766,7 @@
           <a:buFontTx/>
           <a:buNone/>
           <a:tabLst/>
-          <a:defRPr kumimoji="0" sz="1800" b="0" i="0" u="none" strike="noStrike" cap="none" spc="0" normalizeH="0" baseline="0">
+          <a:defRPr b="0" baseline="0" cap="none" i="0" spc="0" strike="noStrike" sz="1800" u="none" kumimoji="0" normalizeH="0">
             <a:ln>
               <a:noFill/>
             </a:ln>
@@ -13246,7 +12792,7 @@
           <a:buFontTx/>
           <a:buNone/>
           <a:tabLst/>
-          <a:defRPr kumimoji="0" sz="1800" b="0" i="0" u="none" strike="noStrike" cap="none" spc="0" normalizeH="0" baseline="0">
+          <a:defRPr b="0" baseline="0" cap="none" i="0" spc="0" strike="noStrike" sz="1800" u="none" kumimoji="0" normalizeH="0">
             <a:ln>
               <a:noFill/>
             </a:ln>
@@ -13259,15 +12805,9 @@
         </a:lvl9pPr>
       </a:lstStyle>
       <a:style>
-        <a:lnRef idx="0">
-          <a:scrgbClr r="0" g="0" b="0"/>
-        </a:lnRef>
-        <a:fillRef idx="0">
-          <a:scrgbClr r="0" g="0" b="0"/>
-        </a:fillRef>
-        <a:effectRef idx="0">
-          <a:scrgbClr r="0" g="0" b="0"/>
-        </a:effectRef>
+        <a:lnRef idx="0"/>
+        <a:fillRef idx="0"/>
+        <a:effectRef idx="0"/>
         <a:fontRef idx="none"/>
       </a:style>
     </a:lnDef>
@@ -13281,7 +12821,7 @@
         <a:effectLst/>
         <a:sp3d/>
       </a:spPr>
-      <a:bodyPr rot="0" spcFirstLastPara="1" vertOverflow="overflow" horzOverflow="overflow" vert="horz" wrap="square" lIns="50800" tIns="50800" rIns="50800" bIns="50800" numCol="1" spcCol="38100" rtlCol="0" anchor="ctr">
+      <a:bodyPr rot="0" spcFirstLastPara="1" vertOverflow="overflow" horzOverflow="overflow" vert="horz" wrap="square" lIns="50800" tIns="50800" rIns="50800" bIns="50800" numCol="1" spcCol="38100" rtlCol="0" anchor="ctr" upright="0">
         <a:spAutoFit/>
       </a:bodyPr>
       <a:lstStyle>
@@ -13300,7 +12840,7 @@
           <a:buFontTx/>
           <a:buNone/>
           <a:tabLst/>
-          <a:defRPr kumimoji="0" sz="2400" b="0" i="0" u="none" strike="noStrike" cap="none" spc="0" normalizeH="0" baseline="0">
+          <a:defRPr b="0" baseline="0" cap="none" i="0" spc="0" strike="noStrike" sz="2400" u="none" kumimoji="0" normalizeH="0">
             <a:ln>
               <a:noFill/>
             </a:ln>
@@ -13330,7 +12870,7 @@
           <a:buFontTx/>
           <a:buNone/>
           <a:tabLst/>
-          <a:defRPr kumimoji="0" sz="1800" b="0" i="0" u="none" strike="noStrike" cap="none" spc="0" normalizeH="0" baseline="0">
+          <a:defRPr b="0" baseline="0" cap="none" i="0" spc="0" strike="noStrike" sz="1800" u="none" kumimoji="0" normalizeH="0">
             <a:ln>
               <a:noFill/>
             </a:ln>
@@ -13356,7 +12896,7 @@
           <a:buFontTx/>
           <a:buNone/>
           <a:tabLst/>
-          <a:defRPr kumimoji="0" sz="1800" b="0" i="0" u="none" strike="noStrike" cap="none" spc="0" normalizeH="0" baseline="0">
+          <a:defRPr b="0" baseline="0" cap="none" i="0" spc="0" strike="noStrike" sz="1800" u="none" kumimoji="0" normalizeH="0">
             <a:ln>
               <a:noFill/>
             </a:ln>
@@ -13382,7 +12922,7 @@
           <a:buFontTx/>
           <a:buNone/>
           <a:tabLst/>
-          <a:defRPr kumimoji="0" sz="1800" b="0" i="0" u="none" strike="noStrike" cap="none" spc="0" normalizeH="0" baseline="0">
+          <a:defRPr b="0" baseline="0" cap="none" i="0" spc="0" strike="noStrike" sz="1800" u="none" kumimoji="0" normalizeH="0">
             <a:ln>
               <a:noFill/>
             </a:ln>
@@ -13408,7 +12948,7 @@
           <a:buFontTx/>
           <a:buNone/>
           <a:tabLst/>
-          <a:defRPr kumimoji="0" sz="1800" b="0" i="0" u="none" strike="noStrike" cap="none" spc="0" normalizeH="0" baseline="0">
+          <a:defRPr b="0" baseline="0" cap="none" i="0" spc="0" strike="noStrike" sz="1800" u="none" kumimoji="0" normalizeH="0">
             <a:ln>
               <a:noFill/>
             </a:ln>
@@ -13434,7 +12974,7 @@
           <a:buFontTx/>
           <a:buNone/>
           <a:tabLst/>
-          <a:defRPr kumimoji="0" sz="1800" b="0" i="0" u="none" strike="noStrike" cap="none" spc="0" normalizeH="0" baseline="0">
+          <a:defRPr b="0" baseline="0" cap="none" i="0" spc="0" strike="noStrike" sz="1800" u="none" kumimoji="0" normalizeH="0">
             <a:ln>
               <a:noFill/>
             </a:ln>
@@ -13460,7 +13000,7 @@
           <a:buFontTx/>
           <a:buNone/>
           <a:tabLst/>
-          <a:defRPr kumimoji="0" sz="1800" b="0" i="0" u="none" strike="noStrike" cap="none" spc="0" normalizeH="0" baseline="0">
+          <a:defRPr b="0" baseline="0" cap="none" i="0" spc="0" strike="noStrike" sz="1800" u="none" kumimoji="0" normalizeH="0">
             <a:ln>
               <a:noFill/>
             </a:ln>
@@ -13486,7 +13026,7 @@
           <a:buFontTx/>
           <a:buNone/>
           <a:tabLst/>
-          <a:defRPr kumimoji="0" sz="1800" b="0" i="0" u="none" strike="noStrike" cap="none" spc="0" normalizeH="0" baseline="0">
+          <a:defRPr b="0" baseline="0" cap="none" i="0" spc="0" strike="noStrike" sz="1800" u="none" kumimoji="0" normalizeH="0">
             <a:ln>
               <a:noFill/>
             </a:ln>
@@ -13512,7 +13052,7 @@
           <a:buFontTx/>
           <a:buNone/>
           <a:tabLst/>
-          <a:defRPr kumimoji="0" sz="1800" b="0" i="0" u="none" strike="noStrike" cap="none" spc="0" normalizeH="0" baseline="0">
+          <a:defRPr b="0" baseline="0" cap="none" i="0" spc="0" strike="noStrike" sz="1800" u="none" kumimoji="0" normalizeH="0">
             <a:ln>
               <a:noFill/>
             </a:ln>
@@ -13538,7 +13078,7 @@
           <a:buFontTx/>
           <a:buNone/>
           <a:tabLst/>
-          <a:defRPr kumimoji="0" sz="1800" b="0" i="0" u="none" strike="noStrike" cap="none" spc="0" normalizeH="0" baseline="0">
+          <a:defRPr b="0" baseline="0" cap="none" i="0" spc="0" strike="noStrike" sz="1800" u="none" kumimoji="0" normalizeH="0">
             <a:ln>
               <a:noFill/>
             </a:ln>
@@ -13551,25 +13091,18 @@
         </a:lvl9pPr>
       </a:lstStyle>
       <a:style>
-        <a:lnRef idx="0">
-          <a:scrgbClr r="0" g="0" b="0"/>
-        </a:lnRef>
-        <a:fillRef idx="0">
-          <a:scrgbClr r="0" g="0" b="0"/>
-        </a:fillRef>
-        <a:effectRef idx="0">
-          <a:scrgbClr r="0" g="0" b="0"/>
-        </a:effectRef>
+        <a:lnRef idx="0"/>
+        <a:fillRef idx="0"/>
+        <a:effectRef idx="0"/>
         <a:fontRef idx="none"/>
       </a:style>
     </a:txDef>
   </a:objectDefaults>
-  <a:extraClrSchemeLst/>
 </a:theme>
 </file>
 
 <file path=ppt/theme/theme2.xml><?xml version="1.0" encoding="utf-8"?>
-<a:theme xmlns:a="http://schemas.openxmlformats.org/drawingml/2006/main" name="New_Template4">
+<a:theme xmlns:a="http://schemas.openxmlformats.org/drawingml/2006/main" xmlns:r="http://schemas.openxmlformats.org/officeDocument/2006/relationships" name="New_Template4">
   <a:themeElements>
     <a:clrScheme name="New_Template4">
       <a:dk1>
@@ -13759,8 +13292,8 @@
     <a:spDef>
       <a:spPr>
         <a:blipFill rotWithShape="1">
-          <a:blip xmlns:r="http://schemas.openxmlformats.org/officeDocument/2006/relationships" r:embed="rId1"/>
-          <a:srcRect/>
+          <a:blip r:embed="rId1"/>
+          <a:srcRect l="0" t="0" r="0" b="0"/>
           <a:tile tx="0" ty="0" sx="100000" sy="100000" flip="none" algn="tl"/>
         </a:blipFill>
         <a:ln w="12700" cap="flat">
@@ -13770,7 +13303,7 @@
         <a:effectLst/>
         <a:sp3d/>
       </a:spPr>
-      <a:bodyPr rot="0" spcFirstLastPara="1" vertOverflow="overflow" horzOverflow="overflow" vert="horz" wrap="square" lIns="50800" tIns="50800" rIns="50800" bIns="50800" numCol="1" spcCol="38100" rtlCol="0" anchor="ctr">
+      <a:bodyPr rot="0" spcFirstLastPara="1" vertOverflow="overflow" horzOverflow="overflow" vert="horz" wrap="square" lIns="50800" tIns="50800" rIns="50800" bIns="50800" numCol="1" spcCol="38100" rtlCol="0" anchor="ctr" upright="0">
         <a:spAutoFit/>
       </a:bodyPr>
       <a:lstStyle>
@@ -13789,7 +13322,7 @@
           <a:buFontTx/>
           <a:buNone/>
           <a:tabLst/>
-          <a:defRPr kumimoji="0" sz="3200" b="0" i="0" u="none" strike="noStrike" cap="none" spc="0" normalizeH="0" baseline="0">
+          <a:defRPr b="0" baseline="0" cap="none" i="0" spc="0" strike="noStrike" sz="3200" u="none" kumimoji="0" normalizeH="0">
             <a:ln>
               <a:noFill/>
             </a:ln>
@@ -13797,7 +13330,7 @@
               <a:srgbClr val="FFFFFF"/>
             </a:solidFill>
             <a:effectLst>
-              <a:outerShdw blurRad="25400" dist="33948" dir="2700000" rotWithShape="0">
+              <a:outerShdw sx="100000" sy="100000" kx="0" ky="0" algn="b" rotWithShape="0" blurRad="25400" dist="33948" dir="2700000">
                 <a:srgbClr val="3B3936"/>
               </a:outerShdw>
             </a:effectLst>
@@ -13823,7 +13356,7 @@
           <a:buFontTx/>
           <a:buNone/>
           <a:tabLst/>
-          <a:defRPr kumimoji="0" sz="1800" b="0" i="0" u="none" strike="noStrike" cap="none" spc="0" normalizeH="0" baseline="0">
+          <a:defRPr b="0" baseline="0" cap="none" i="0" spc="0" strike="noStrike" sz="1800" u="none" kumimoji="0" normalizeH="0">
             <a:ln>
               <a:noFill/>
             </a:ln>
@@ -13849,7 +13382,7 @@
           <a:buFontTx/>
           <a:buNone/>
           <a:tabLst/>
-          <a:defRPr kumimoji="0" sz="1800" b="0" i="0" u="none" strike="noStrike" cap="none" spc="0" normalizeH="0" baseline="0">
+          <a:defRPr b="0" baseline="0" cap="none" i="0" spc="0" strike="noStrike" sz="1800" u="none" kumimoji="0" normalizeH="0">
             <a:ln>
               <a:noFill/>
             </a:ln>
@@ -13875,7 +13408,7 @@
           <a:buFontTx/>
           <a:buNone/>
           <a:tabLst/>
-          <a:defRPr kumimoji="0" sz="1800" b="0" i="0" u="none" strike="noStrike" cap="none" spc="0" normalizeH="0" baseline="0">
+          <a:defRPr b="0" baseline="0" cap="none" i="0" spc="0" strike="noStrike" sz="1800" u="none" kumimoji="0" normalizeH="0">
             <a:ln>
               <a:noFill/>
             </a:ln>
@@ -13901,7 +13434,7 @@
           <a:buFontTx/>
           <a:buNone/>
           <a:tabLst/>
-          <a:defRPr kumimoji="0" sz="1800" b="0" i="0" u="none" strike="noStrike" cap="none" spc="0" normalizeH="0" baseline="0">
+          <a:defRPr b="0" baseline="0" cap="none" i="0" spc="0" strike="noStrike" sz="1800" u="none" kumimoji="0" normalizeH="0">
             <a:ln>
               <a:noFill/>
             </a:ln>
@@ -13927,7 +13460,7 @@
           <a:buFontTx/>
           <a:buNone/>
           <a:tabLst/>
-          <a:defRPr kumimoji="0" sz="1800" b="0" i="0" u="none" strike="noStrike" cap="none" spc="0" normalizeH="0" baseline="0">
+          <a:defRPr b="0" baseline="0" cap="none" i="0" spc="0" strike="noStrike" sz="1800" u="none" kumimoji="0" normalizeH="0">
             <a:ln>
               <a:noFill/>
             </a:ln>
@@ -13953,7 +13486,7 @@
           <a:buFontTx/>
           <a:buNone/>
           <a:tabLst/>
-          <a:defRPr kumimoji="0" sz="1800" b="0" i="0" u="none" strike="noStrike" cap="none" spc="0" normalizeH="0" baseline="0">
+          <a:defRPr b="0" baseline="0" cap="none" i="0" spc="0" strike="noStrike" sz="1800" u="none" kumimoji="0" normalizeH="0">
             <a:ln>
               <a:noFill/>
             </a:ln>
@@ -13979,7 +13512,7 @@
           <a:buFontTx/>
           <a:buNone/>
           <a:tabLst/>
-          <a:defRPr kumimoji="0" sz="1800" b="0" i="0" u="none" strike="noStrike" cap="none" spc="0" normalizeH="0" baseline="0">
+          <a:defRPr b="0" baseline="0" cap="none" i="0" spc="0" strike="noStrike" sz="1800" u="none" kumimoji="0" normalizeH="0">
             <a:ln>
               <a:noFill/>
             </a:ln>
@@ -14005,7 +13538,7 @@
           <a:buFontTx/>
           <a:buNone/>
           <a:tabLst/>
-          <a:defRPr kumimoji="0" sz="1800" b="0" i="0" u="none" strike="noStrike" cap="none" spc="0" normalizeH="0" baseline="0">
+          <a:defRPr b="0" baseline="0" cap="none" i="0" spc="0" strike="noStrike" sz="1800" u="none" kumimoji="0" normalizeH="0">
             <a:ln>
               <a:noFill/>
             </a:ln>
@@ -14031,7 +13564,7 @@
           <a:buFontTx/>
           <a:buNone/>
           <a:tabLst/>
-          <a:defRPr kumimoji="0" sz="1800" b="0" i="0" u="none" strike="noStrike" cap="none" spc="0" normalizeH="0" baseline="0">
+          <a:defRPr b="0" baseline="0" cap="none" i="0" spc="0" strike="noStrike" sz="1800" u="none" kumimoji="0" normalizeH="0">
             <a:ln>
               <a:noFill/>
             </a:ln>
@@ -14044,15 +13577,9 @@
         </a:lvl9pPr>
       </a:lstStyle>
       <a:style>
-        <a:lnRef idx="0">
-          <a:scrgbClr r="0" g="0" b="0"/>
-        </a:lnRef>
-        <a:fillRef idx="0">
-          <a:scrgbClr r="0" g="0" b="0"/>
-        </a:fillRef>
-        <a:effectRef idx="0">
-          <a:scrgbClr r="0" g="0" b="0"/>
-        </a:effectRef>
+        <a:lnRef idx="0"/>
+        <a:fillRef idx="0"/>
+        <a:effectRef idx="0"/>
         <a:fontRef idx="none"/>
       </a:style>
     </a:spDef>
@@ -14069,7 +13596,7 @@
         <a:effectLst/>
         <a:sp3d/>
       </a:spPr>
-      <a:bodyPr rot="0" spcFirstLastPara="1" vertOverflow="overflow" horzOverflow="overflow" vert="horz" wrap="square" lIns="91439" tIns="45719" rIns="91439" bIns="45719" numCol="1" spcCol="38100" rtlCol="0" anchor="t">
+      <a:bodyPr rot="0" spcFirstLastPara="1" vertOverflow="overflow" horzOverflow="overflow" vert="horz" wrap="square" lIns="91439" tIns="45719" rIns="91439" bIns="45719" numCol="1" spcCol="38100" rtlCol="0" anchor="t" upright="0">
         <a:noAutofit/>
       </a:bodyPr>
       <a:lstStyle>
@@ -14088,7 +13615,7 @@
           <a:buFontTx/>
           <a:buNone/>
           <a:tabLst/>
-          <a:defRPr kumimoji="0" sz="1800" b="0" i="0" u="none" strike="noStrike" cap="none" spc="0" normalizeH="0" baseline="0">
+          <a:defRPr b="0" baseline="0" cap="none" i="0" spc="0" strike="noStrike" sz="1800" u="none" kumimoji="0" normalizeH="0">
             <a:ln>
               <a:noFill/>
             </a:ln>
@@ -14114,7 +13641,7 @@
           <a:buFontTx/>
           <a:buNone/>
           <a:tabLst/>
-          <a:defRPr kumimoji="0" sz="1800" b="0" i="0" u="none" strike="noStrike" cap="none" spc="0" normalizeH="0" baseline="0">
+          <a:defRPr b="0" baseline="0" cap="none" i="0" spc="0" strike="noStrike" sz="1800" u="none" kumimoji="0" normalizeH="0">
             <a:ln>
               <a:noFill/>
             </a:ln>
@@ -14140,7 +13667,7 @@
           <a:buFontTx/>
           <a:buNone/>
           <a:tabLst/>
-          <a:defRPr kumimoji="0" sz="1800" b="0" i="0" u="none" strike="noStrike" cap="none" spc="0" normalizeH="0" baseline="0">
+          <a:defRPr b="0" baseline="0" cap="none" i="0" spc="0" strike="noStrike" sz="1800" u="none" kumimoji="0" normalizeH="0">
             <a:ln>
               <a:noFill/>
             </a:ln>
@@ -14166,7 +13693,7 @@
           <a:buFontTx/>
           <a:buNone/>
           <a:tabLst/>
-          <a:defRPr kumimoji="0" sz="1800" b="0" i="0" u="none" strike="noStrike" cap="none" spc="0" normalizeH="0" baseline="0">
+          <a:defRPr b="0" baseline="0" cap="none" i="0" spc="0" strike="noStrike" sz="1800" u="none" kumimoji="0" normalizeH="0">
             <a:ln>
               <a:noFill/>
             </a:ln>
@@ -14192,7 +13719,7 @@
           <a:buFontTx/>
           <a:buNone/>
           <a:tabLst/>
-          <a:defRPr kumimoji="0" sz="1800" b="0" i="0" u="none" strike="noStrike" cap="none" spc="0" normalizeH="0" baseline="0">
+          <a:defRPr b="0" baseline="0" cap="none" i="0" spc="0" strike="noStrike" sz="1800" u="none" kumimoji="0" normalizeH="0">
             <a:ln>
               <a:noFill/>
             </a:ln>
@@ -14218,7 +13745,7 @@
           <a:buFontTx/>
           <a:buNone/>
           <a:tabLst/>
-          <a:defRPr kumimoji="0" sz="1800" b="0" i="0" u="none" strike="noStrike" cap="none" spc="0" normalizeH="0" baseline="0">
+          <a:defRPr b="0" baseline="0" cap="none" i="0" spc="0" strike="noStrike" sz="1800" u="none" kumimoji="0" normalizeH="0">
             <a:ln>
               <a:noFill/>
             </a:ln>
@@ -14244,7 +13771,7 @@
           <a:buFontTx/>
           <a:buNone/>
           <a:tabLst/>
-          <a:defRPr kumimoji="0" sz="1800" b="0" i="0" u="none" strike="noStrike" cap="none" spc="0" normalizeH="0" baseline="0">
+          <a:defRPr b="0" baseline="0" cap="none" i="0" spc="0" strike="noStrike" sz="1800" u="none" kumimoji="0" normalizeH="0">
             <a:ln>
               <a:noFill/>
             </a:ln>
@@ -14270,7 +13797,7 @@
           <a:buFontTx/>
           <a:buNone/>
           <a:tabLst/>
-          <a:defRPr kumimoji="0" sz="1800" b="0" i="0" u="none" strike="noStrike" cap="none" spc="0" normalizeH="0" baseline="0">
+          <a:defRPr b="0" baseline="0" cap="none" i="0" spc="0" strike="noStrike" sz="1800" u="none" kumimoji="0" normalizeH="0">
             <a:ln>
               <a:noFill/>
             </a:ln>
@@ -14296,7 +13823,7 @@
           <a:buFontTx/>
           <a:buNone/>
           <a:tabLst/>
-          <a:defRPr kumimoji="0" sz="1800" b="0" i="0" u="none" strike="noStrike" cap="none" spc="0" normalizeH="0" baseline="0">
+          <a:defRPr b="0" baseline="0" cap="none" i="0" spc="0" strike="noStrike" sz="1800" u="none" kumimoji="0" normalizeH="0">
             <a:ln>
               <a:noFill/>
             </a:ln>
@@ -14322,7 +13849,7 @@
           <a:buFontTx/>
           <a:buNone/>
           <a:tabLst/>
-          <a:defRPr kumimoji="0" sz="1800" b="0" i="0" u="none" strike="noStrike" cap="none" spc="0" normalizeH="0" baseline="0">
+          <a:defRPr b="0" baseline="0" cap="none" i="0" spc="0" strike="noStrike" sz="1800" u="none" kumimoji="0" normalizeH="0">
             <a:ln>
               <a:noFill/>
             </a:ln>
@@ -14335,15 +13862,9 @@
         </a:lvl9pPr>
       </a:lstStyle>
       <a:style>
-        <a:lnRef idx="0">
-          <a:scrgbClr r="0" g="0" b="0"/>
-        </a:lnRef>
-        <a:fillRef idx="0">
-          <a:scrgbClr r="0" g="0" b="0"/>
-        </a:fillRef>
-        <a:effectRef idx="0">
-          <a:scrgbClr r="0" g="0" b="0"/>
-        </a:effectRef>
+        <a:lnRef idx="0"/>
+        <a:fillRef idx="0"/>
+        <a:effectRef idx="0"/>
         <a:fontRef idx="none"/>
       </a:style>
     </a:lnDef>
@@ -14357,7 +13878,7 @@
         <a:effectLst/>
         <a:sp3d/>
       </a:spPr>
-      <a:bodyPr rot="0" spcFirstLastPara="1" vertOverflow="overflow" horzOverflow="overflow" vert="horz" wrap="square" lIns="50800" tIns="50800" rIns="50800" bIns="50800" numCol="1" spcCol="38100" rtlCol="0" anchor="ctr">
+      <a:bodyPr rot="0" spcFirstLastPara="1" vertOverflow="overflow" horzOverflow="overflow" vert="horz" wrap="square" lIns="50800" tIns="50800" rIns="50800" bIns="50800" numCol="1" spcCol="38100" rtlCol="0" anchor="ctr" upright="0">
         <a:spAutoFit/>
       </a:bodyPr>
       <a:lstStyle>
@@ -14376,7 +13897,7 @@
           <a:buFontTx/>
           <a:buNone/>
           <a:tabLst/>
-          <a:defRPr kumimoji="0" sz="2400" b="0" i="0" u="none" strike="noStrike" cap="none" spc="0" normalizeH="0" baseline="0">
+          <a:defRPr b="0" baseline="0" cap="none" i="0" spc="0" strike="noStrike" sz="2400" u="none" kumimoji="0" normalizeH="0">
             <a:ln>
               <a:noFill/>
             </a:ln>
@@ -14406,7 +13927,7 @@
           <a:buFontTx/>
           <a:buNone/>
           <a:tabLst/>
-          <a:defRPr kumimoji="0" sz="1800" b="0" i="0" u="none" strike="noStrike" cap="none" spc="0" normalizeH="0" baseline="0">
+          <a:defRPr b="0" baseline="0" cap="none" i="0" spc="0" strike="noStrike" sz="1800" u="none" kumimoji="0" normalizeH="0">
             <a:ln>
               <a:noFill/>
             </a:ln>
@@ -14432,7 +13953,7 @@
           <a:buFontTx/>
           <a:buNone/>
           <a:tabLst/>
-          <a:defRPr kumimoji="0" sz="1800" b="0" i="0" u="none" strike="noStrike" cap="none" spc="0" normalizeH="0" baseline="0">
+          <a:defRPr b="0" baseline="0" cap="none" i="0" spc="0" strike="noStrike" sz="1800" u="none" kumimoji="0" normalizeH="0">
             <a:ln>
               <a:noFill/>
             </a:ln>
@@ -14458,7 +13979,7 @@
           <a:buFontTx/>
           <a:buNone/>
           <a:tabLst/>
-          <a:defRPr kumimoji="0" sz="1800" b="0" i="0" u="none" strike="noStrike" cap="none" spc="0" normalizeH="0" baseline="0">
+          <a:defRPr b="0" baseline="0" cap="none" i="0" spc="0" strike="noStrike" sz="1800" u="none" kumimoji="0" normalizeH="0">
             <a:ln>
               <a:noFill/>
             </a:ln>
@@ -14484,7 +14005,7 @@
           <a:buFontTx/>
           <a:buNone/>
           <a:tabLst/>
-          <a:defRPr kumimoji="0" sz="1800" b="0" i="0" u="none" strike="noStrike" cap="none" spc="0" normalizeH="0" baseline="0">
+          <a:defRPr b="0" baseline="0" cap="none" i="0" spc="0" strike="noStrike" sz="1800" u="none" kumimoji="0" normalizeH="0">
             <a:ln>
               <a:noFill/>
             </a:ln>
@@ -14510,7 +14031,7 @@
           <a:buFontTx/>
           <a:buNone/>
           <a:tabLst/>
-          <a:defRPr kumimoji="0" sz="1800" b="0" i="0" u="none" strike="noStrike" cap="none" spc="0" normalizeH="0" baseline="0">
+          <a:defRPr b="0" baseline="0" cap="none" i="0" spc="0" strike="noStrike" sz="1800" u="none" kumimoji="0" normalizeH="0">
             <a:ln>
               <a:noFill/>
             </a:ln>
@@ -14536,7 +14057,7 @@
           <a:buFontTx/>
           <a:buNone/>
           <a:tabLst/>
-          <a:defRPr kumimoji="0" sz="1800" b="0" i="0" u="none" strike="noStrike" cap="none" spc="0" normalizeH="0" baseline="0">
+          <a:defRPr b="0" baseline="0" cap="none" i="0" spc="0" strike="noStrike" sz="1800" u="none" kumimoji="0" normalizeH="0">
             <a:ln>
               <a:noFill/>
             </a:ln>
@@ -14562,7 +14083,7 @@
           <a:buFontTx/>
           <a:buNone/>
           <a:tabLst/>
-          <a:defRPr kumimoji="0" sz="1800" b="0" i="0" u="none" strike="noStrike" cap="none" spc="0" normalizeH="0" baseline="0">
+          <a:defRPr b="0" baseline="0" cap="none" i="0" spc="0" strike="noStrike" sz="1800" u="none" kumimoji="0" normalizeH="0">
             <a:ln>
               <a:noFill/>
             </a:ln>
@@ -14588,7 +14109,7 @@
           <a:buFontTx/>
           <a:buNone/>
           <a:tabLst/>
-          <a:defRPr kumimoji="0" sz="1800" b="0" i="0" u="none" strike="noStrike" cap="none" spc="0" normalizeH="0" baseline="0">
+          <a:defRPr b="0" baseline="0" cap="none" i="0" spc="0" strike="noStrike" sz="1800" u="none" kumimoji="0" normalizeH="0">
             <a:ln>
               <a:noFill/>
             </a:ln>
@@ -14614,7 +14135,7 @@
           <a:buFontTx/>
           <a:buNone/>
           <a:tabLst/>
-          <a:defRPr kumimoji="0" sz="1800" b="0" i="0" u="none" strike="noStrike" cap="none" spc="0" normalizeH="0" baseline="0">
+          <a:defRPr b="0" baseline="0" cap="none" i="0" spc="0" strike="noStrike" sz="1800" u="none" kumimoji="0" normalizeH="0">
             <a:ln>
               <a:noFill/>
             </a:ln>
@@ -14627,19 +14148,12 @@
         </a:lvl9pPr>
       </a:lstStyle>
       <a:style>
-        <a:lnRef idx="0">
-          <a:scrgbClr r="0" g="0" b="0"/>
-        </a:lnRef>
-        <a:fillRef idx="0">
-          <a:scrgbClr r="0" g="0" b="0"/>
-        </a:fillRef>
-        <a:effectRef idx="0">
-          <a:scrgbClr r="0" g="0" b="0"/>
-        </a:effectRef>
+        <a:lnRef idx="0"/>
+        <a:fillRef idx="0"/>
+        <a:effectRef idx="0"/>
         <a:fontRef idx="none"/>
       </a:style>
     </a:txDef>
   </a:objectDefaults>
-  <a:extraClrSchemeLst/>
 </a:theme>
 </file>
--- a/chicago crime rate.pptx
+++ b/chicago crime rate.pptx
@@ -28,6 +28,8 @@
     <p:sldId id="273" r:id="rId25"/>
     <p:sldId id="274" r:id="rId26"/>
     <p:sldId id="275" r:id="rId27"/>
+    <p:sldId id="276" r:id="rId28"/>
+    <p:sldId id="277" r:id="rId29"/>
   </p:sldIdLst>
   <p:sldSz cx="13004800" cy="9753600"/>
   <p:notesSz cx="6858000" cy="9144000"/>
@@ -4137,9 +4139,9 @@
       </p:par>
     </p:tnLst>
     <p:bldLst>
+      <p:bldP build="whole" bldLvl="1" animBg="1" rev="0" advAuto="0" spid="133" grpId="2"/>
+      <p:bldP build="whole" bldLvl="1" animBg="1" rev="0" advAuto="0" spid="135" grpId="1"/>
       <p:bldP build="whole" bldLvl="1" animBg="1" rev="0" advAuto="0" spid="134" grpId="3"/>
-      <p:bldP build="whole" bldLvl="1" animBg="1" rev="0" advAuto="0" spid="135" grpId="1"/>
-      <p:bldP build="whole" bldLvl="1" animBg="1" rev="0" advAuto="0" spid="133" grpId="2"/>
     </p:bldLst>
   </p:timing>
 </p:sld>
@@ -6805,8 +6807,8 @@
     </p:tnLst>
     <p:bldLst>
       <p:bldP build="whole" bldLvl="1" animBg="1" rev="0" advAuto="0" spid="176" grpId="2"/>
+      <p:bldP build="whole" bldLvl="1" animBg="1" rev="0" advAuto="0" spid="178" grpId="1"/>
       <p:bldP build="whole" bldLvl="1" animBg="1" rev="0" advAuto="0" spid="177" grpId="3"/>
-      <p:bldP build="whole" bldLvl="1" animBg="1" rev="0" advAuto="0" spid="178" grpId="1"/>
     </p:bldLst>
   </p:timing>
 </p:sld>
@@ -7396,7 +7398,7 @@
         </p:blipFill>
         <p:spPr>
           <a:xfrm>
-            <a:off x="665662" y="1637177"/>
+            <a:off x="767262" y="1268877"/>
             <a:ext cx="10748003" cy="8061003"/>
           </a:xfrm>
           <a:prstGeom prst="rect">
@@ -7856,8 +7858,8 @@
       </p:par>
     </p:tnLst>
     <p:bldLst>
+      <p:bldP build="whole" bldLvl="1" animBg="1" rev="0" advAuto="0" spid="189" grpId="2"/>
       <p:bldP build="whole" bldLvl="1" animBg="1" rev="0" advAuto="0" spid="190" grpId="1"/>
-      <p:bldP build="whole" bldLvl="1" animBg="1" rev="0" advAuto="0" spid="189" grpId="2"/>
     </p:bldLst>
   </p:timing>
 </p:sld>
@@ -8107,8 +8109,8 @@
       </p:par>
     </p:tnLst>
     <p:bldLst>
+      <p:bldP build="whole" bldLvl="1" animBg="1" rev="0" advAuto="0" spid="193" grpId="1"/>
       <p:bldP build="whole" bldLvl="1" animBg="1" rev="0" advAuto="0" spid="192" grpId="2"/>
-      <p:bldP build="whole" bldLvl="1" animBg="1" rev="0" advAuto="0" spid="193" grpId="1"/>
     </p:bldLst>
   </p:timing>
 </p:sld>
@@ -8320,8 +8322,8 @@
       </p:par>
     </p:tnLst>
     <p:bldLst>
+      <p:bldP build="whole" bldLvl="1" animBg="1" rev="0" advAuto="0" spid="195" grpId="2"/>
       <p:bldP build="whole" bldLvl="1" animBg="1" rev="0" advAuto="0" spid="196" grpId="1"/>
-      <p:bldP build="whole" bldLvl="1" animBg="1" rev="0" advAuto="0" spid="195" grpId="2"/>
     </p:bldLst>
   </p:timing>
 </p:sld>
@@ -8806,10 +8808,10 @@
       </p:par>
     </p:tnLst>
     <p:bldLst>
-      <p:bldP build="whole" bldLvl="1" animBg="1" rev="0" advAuto="0" spid="139" grpId="3"/>
-      <p:bldP build="whole" bldLvl="1" animBg="1" rev="0" advAuto="0" spid="138" grpId="2"/>
       <p:bldP build="whole" bldLvl="1" animBg="1" rev="0" advAuto="0" spid="140" grpId="4"/>
       <p:bldP build="whole" bldLvl="1" animBg="1" rev="0" advAuto="0" spid="137" grpId="1"/>
+      <p:bldP build="whole" bldLvl="1" animBg="1" rev="0" advAuto="0" spid="138" grpId="2"/>
+      <p:bldP build="whole" bldLvl="1" animBg="1" rev="0" advAuto="0" spid="139" grpId="3"/>
     </p:bldLst>
   </p:timing>
 </p:sld>
@@ -9021,10 +9023,152 @@
       </p:par>
     </p:tnLst>
     <p:bldLst>
+      <p:bldP build="whole" bldLvl="1" animBg="1" rev="0" advAuto="0" spid="199" grpId="1"/>
       <p:bldP build="whole" bldLvl="1" animBg="1" rev="0" advAuto="0" spid="198" grpId="2"/>
-      <p:bldP build="whole" bldLvl="1" animBg="1" rev="0" advAuto="0" spid="199" grpId="1"/>
     </p:bldLst>
   </p:timing>
+</p:sld>
+</file>
+
+<file path=ppt/slides/slide21.xml><?xml version="1.0" encoding="utf-8"?>
+<p:sld xmlns:a="http://schemas.openxmlformats.org/drawingml/2006/main" xmlns:r="http://schemas.openxmlformats.org/officeDocument/2006/relationships" xmlns:p="http://schemas.openxmlformats.org/presentationml/2006/main" xmlns:m="http://schemas.openxmlformats.org/officeDocument/2006/math" xmlns:a14="http://schemas.microsoft.com/office/drawing/2010/main" showMasterSp="1" showMasterPhAnim="1">
+  <p:cSld>
+    <p:spTree>
+      <p:nvGrpSpPr>
+        <p:cNvPr id="1" name=""/>
+        <p:cNvGrpSpPr/>
+        <p:nvPr/>
+      </p:nvGrpSpPr>
+      <p:grpSpPr>
+        <a:xfrm>
+          <a:off x="0" y="0"/>
+          <a:ext cx="0" cy="0"/>
+          <a:chOff x="0" y="0"/>
+          <a:chExt cx="0" cy="0"/>
+        </a:xfrm>
+      </p:grpSpPr>
+      <p:sp>
+        <p:nvSpPr>
+          <p:cNvPr id="201" name="Conclusion"/>
+          <p:cNvSpPr txBox="1"/>
+          <p:nvPr>
+            <p:ph type="title"/>
+          </p:nvPr>
+        </p:nvSpPr>
+        <p:spPr>
+          <a:prstGeom prst="rect">
+            <a:avLst/>
+          </a:prstGeom>
+        </p:spPr>
+        <p:txBody>
+          <a:bodyPr/>
+          <a:lstStyle/>
+          <a:p>
+            <a:pPr/>
+            <a:r>
+              <a:t>Conclusion</a:t>
+            </a:r>
+          </a:p>
+        </p:txBody>
+      </p:sp>
+      <p:sp>
+        <p:nvSpPr>
+          <p:cNvPr id="202" name="The Areas with poverty do not have high Theft…"/>
+          <p:cNvSpPr txBox="1"/>
+          <p:nvPr>
+            <p:ph type="body" idx="1"/>
+          </p:nvPr>
+        </p:nvSpPr>
+        <p:spPr>
+          <a:prstGeom prst="rect">
+            <a:avLst/>
+          </a:prstGeom>
+        </p:spPr>
+        <p:txBody>
+          <a:bodyPr/>
+          <a:lstStyle/>
+          <a:p>
+            <a:pPr/>
+            <a:r>
+              <a:t>The Areas with poverty do not have high Theft</a:t>
+            </a:r>
+          </a:p>
+          <a:p>
+            <a:pPr/>
+            <a:r>
+              <a:t>The Areas within Average income and unemployment levels have the highest Theft.</a:t>
+            </a:r>
+          </a:p>
+          <a:p>
+            <a:pPr/>
+            <a:r>
+              <a:t>In areas with less than 16,000 thefts, the crime levels can be predicted.</a:t>
+            </a:r>
+          </a:p>
+        </p:txBody>
+      </p:sp>
+    </p:spTree>
+  </p:cSld>
+  <p:clrMapOvr>
+    <a:masterClrMapping/>
+  </p:clrMapOvr>
+  <p:transition xmlns:p14="http://schemas.microsoft.com/office/powerpoint/2010/main" spd="med" advClick="1"/>
+</p:sld>
+</file>
+
+<file path=ppt/slides/slide22.xml><?xml version="1.0" encoding="utf-8"?>
+<p:sld xmlns:a="http://schemas.openxmlformats.org/drawingml/2006/main" xmlns:r="http://schemas.openxmlformats.org/officeDocument/2006/relationships" xmlns:p="http://schemas.openxmlformats.org/presentationml/2006/main" xmlns:m="http://schemas.openxmlformats.org/officeDocument/2006/math" xmlns:a14="http://schemas.microsoft.com/office/drawing/2010/main" showMasterSp="1" showMasterPhAnim="1">
+  <p:cSld>
+    <p:spTree>
+      <p:nvGrpSpPr>
+        <p:cNvPr id="1" name=""/>
+        <p:cNvGrpSpPr/>
+        <p:nvPr/>
+      </p:nvGrpSpPr>
+      <p:grpSpPr>
+        <a:xfrm>
+          <a:off x="0" y="0"/>
+          <a:ext cx="0" cy="0"/>
+          <a:chOff x="0" y="0"/>
+          <a:chExt cx="0" cy="0"/>
+        </a:xfrm>
+      </p:grpSpPr>
+      <p:sp>
+        <p:nvSpPr>
+          <p:cNvPr id="204" name="Thank You !…"/>
+          <p:cNvSpPr txBox="1"/>
+          <p:nvPr>
+            <p:ph type="title"/>
+          </p:nvPr>
+        </p:nvSpPr>
+        <p:spPr>
+          <a:prstGeom prst="rect">
+            <a:avLst/>
+          </a:prstGeom>
+        </p:spPr>
+        <p:txBody>
+          <a:bodyPr/>
+          <a:lstStyle/>
+          <a:p>
+            <a:pPr/>
+            <a:r>
+              <a:t>Thank You !</a:t>
+            </a:r>
+          </a:p>
+          <a:p>
+            <a:pPr/>
+            <a:r>
+              <a:t>Question Time</a:t>
+            </a:r>
+          </a:p>
+        </p:txBody>
+      </p:sp>
+    </p:spTree>
+  </p:cSld>
+  <p:clrMapOvr>
+    <a:masterClrMapping/>
+  </p:clrMapOvr>
+  <p:transition xmlns:p14="http://schemas.microsoft.com/office/powerpoint/2010/main" spd="med" advClick="1"/>
 </p:sld>
 </file>
 
@@ -10411,9 +10555,9 @@
       </p:par>
     </p:tnLst>
     <p:bldLst>
-      <p:bldP build="whole" bldLvl="1" animBg="1" rev="0" advAuto="0" spid="147" grpId="2"/>
       <p:bldP build="whole" bldLvl="1" animBg="1" rev="0" advAuto="0" spid="145" grpId="3"/>
       <p:bldP build="whole" bldLvl="1" animBg="1" rev="0" advAuto="0" spid="146" grpId="1"/>
+      <p:bldP build="whole" bldLvl="1" animBg="1" rev="0" advAuto="0" spid="147" grpId="2"/>
     </p:bldLst>
   </p:timing>
 </p:sld>
@@ -10830,8 +10974,8 @@
     </p:tnLst>
     <p:bldLst>
       <p:bldP build="whole" bldLvl="1" animBg="1" rev="0" advAuto="0" spid="150" grpId="1"/>
+      <p:bldP build="whole" bldLvl="1" animBg="1" rev="0" advAuto="0" spid="149" grpId="2"/>
       <p:bldP build="whole" bldLvl="1" animBg="1" rev="0" advAuto="0" spid="151" grpId="3"/>
-      <p:bldP build="whole" bldLvl="1" animBg="1" rev="0" advAuto="0" spid="149" grpId="2"/>
     </p:bldLst>
   </p:timing>
 </p:sld>
@@ -10887,7 +11031,7 @@
         <p:spPr>
           <a:xfrm>
             <a:off x="914284" y="2895599"/>
-            <a:ext cx="9564622" cy="3759201"/>
+            <a:ext cx="9587839" cy="3759201"/>
           </a:xfrm>
           <a:prstGeom prst="rect">
             <a:avLst/>
@@ -10921,7 +11065,7 @@
               <a:buAutoNum type="arabicPeriod" startAt="1"/>
             </a:pPr>
             <a:r>
-              <a:t> Analyse and clean data</a:t>
+              <a:t> Analyze and clean data</a:t>
             </a:r>
           </a:p>
           <a:p>
@@ -10930,7 +11074,7 @@
               <a:buAutoNum type="arabicPeriod" startAt="1"/>
             </a:pPr>
             <a:r>
-              <a:t>Find which crime was the most highest committed</a:t>
+              <a:t>Find the most frequently committed crime</a:t>
             </a:r>
           </a:p>
           <a:p>
@@ -10939,7 +11083,7 @@
               <a:buAutoNum type="arabicPeriod" startAt="1"/>
             </a:pPr>
             <a:r>
-              <a:t>By using the socioeconomic indicators we analysed 4 years of data</a:t>
+              <a:t>By using the socioeconomic indicators we analyzed 4 years of data</a:t>
             </a:r>
           </a:p>
           <a:p>
@@ -11032,13 +11176,17 @@
       </p:sp>
       <p:sp>
         <p:nvSpPr>
-          <p:cNvPr id="157" name="Extract Crime data for years 2008-2012…"/>
+          <p:cNvPr id="157" name="Changed  combined thefts, robberies and auto-thefts into a single THEFT category…"/>
           <p:cNvSpPr txBox="1"/>
           <p:nvPr>
             <p:ph type="body" idx="1"/>
           </p:nvPr>
         </p:nvSpPr>
         <p:spPr>
+          <a:xfrm>
+            <a:off x="508000" y="2457291"/>
+            <a:ext cx="11988800" cy="5503123"/>
+          </a:xfrm>
           <a:prstGeom prst="rect">
             <a:avLst/>
           </a:prstGeom>
@@ -11048,9 +11196,6 @@
           <a:lstStyle/>
           <a:p>
             <a:pPr/>
-            <a:r>
-              <a:t>Extract Crime data for years 2008-2012</a:t>
-            </a:r>
           </a:p>
           <a:p>
             <a:pPr/>
@@ -11979,10 +12124,10 @@
       </p:par>
     </p:tnLst>
     <p:bldLst>
-      <p:bldP build="whole" bldLvl="1" animBg="1" rev="0" advAuto="0" spid="160" grpId="1"/>
+      <p:bldP build="whole" bldLvl="1" animBg="1" rev="0" advAuto="0" spid="163" grpId="5"/>
       <p:bldP build="whole" bldLvl="1" animBg="1" rev="0" advAuto="0" spid="161" grpId="2"/>
       <p:bldP build="whole" bldLvl="1" animBg="1" rev="0" advAuto="0" spid="162" grpId="4"/>
-      <p:bldP build="whole" bldLvl="1" animBg="1" rev="0" advAuto="0" spid="163" grpId="5"/>
+      <p:bldP build="whole" bldLvl="1" animBg="1" rev="0" advAuto="0" spid="160" grpId="1"/>
       <p:bldP build="whole" bldLvl="1" animBg="1" rev="0" advAuto="0" spid="159" grpId="3"/>
     </p:bldLst>
   </p:timing>
